--- a/ataque/modelo-juego-ofensivo.pptx
+++ b/ataque/modelo-juego-ofensivo.pptx
@@ -4,20 +4,31 @@
   <p:sldMasterIdLst>
     <p:sldMasterId id="2147483661" r:id="rId1"/>
   </p:sldMasterIdLst>
+  <p:notesMasterIdLst>
+    <p:notesMasterId r:id="rId23"/>
+  </p:notesMasterIdLst>
   <p:sldIdLst>
     <p:sldId id="265" r:id="rId2"/>
-    <p:sldId id="261" r:id="rId3"/>
-    <p:sldId id="262" r:id="rId4"/>
-    <p:sldId id="263" r:id="rId5"/>
-    <p:sldId id="264" r:id="rId6"/>
-    <p:sldId id="267" r:id="rId7"/>
-    <p:sldId id="272" r:id="rId8"/>
-    <p:sldId id="271" r:id="rId9"/>
-    <p:sldId id="268" r:id="rId10"/>
-    <p:sldId id="269" r:id="rId11"/>
-    <p:sldId id="270" r:id="rId12"/>
-    <p:sldId id="273" r:id="rId13"/>
-    <p:sldId id="274" r:id="rId14"/>
+    <p:sldId id="280" r:id="rId3"/>
+    <p:sldId id="261" r:id="rId4"/>
+    <p:sldId id="262" r:id="rId5"/>
+    <p:sldId id="263" r:id="rId6"/>
+    <p:sldId id="264" r:id="rId7"/>
+    <p:sldId id="267" r:id="rId8"/>
+    <p:sldId id="282" r:id="rId9"/>
+    <p:sldId id="272" r:id="rId10"/>
+    <p:sldId id="281" r:id="rId11"/>
+    <p:sldId id="271" r:id="rId12"/>
+    <p:sldId id="268" r:id="rId13"/>
+    <p:sldId id="279" r:id="rId14"/>
+    <p:sldId id="276" r:id="rId15"/>
+    <p:sldId id="278" r:id="rId16"/>
+    <p:sldId id="277" r:id="rId17"/>
+    <p:sldId id="269" r:id="rId18"/>
+    <p:sldId id="270" r:id="rId19"/>
+    <p:sldId id="275" r:id="rId20"/>
+    <p:sldId id="273" r:id="rId21"/>
+    <p:sldId id="274" r:id="rId22"/>
   </p:sldIdLst>
   <p:sldSz cx="9144000" cy="6858000" type="screen4x3"/>
   <p:notesSz cx="6858000" cy="9144000"/>
@@ -119,6 +130,543 @@
 </p:presentation>
 </file>
 
+<file path=ppt/notesMasters/notesMaster1.xml><?xml version="1.0" encoding="utf-8"?>
+<p:notesMaster xmlns:a="http://schemas.openxmlformats.org/drawingml/2006/main" xmlns:r="http://schemas.openxmlformats.org/officeDocument/2006/relationships" xmlns:p="http://schemas.openxmlformats.org/presentationml/2006/main">
+  <p:cSld>
+    <p:bg>
+      <p:bgRef idx="1001">
+        <a:schemeClr val="bg1"/>
+      </p:bgRef>
+    </p:bg>
+    <p:spTree>
+      <p:nvGrpSpPr>
+        <p:cNvPr id="1" name=""/>
+        <p:cNvGrpSpPr/>
+        <p:nvPr/>
+      </p:nvGrpSpPr>
+      <p:grpSpPr>
+        <a:xfrm>
+          <a:off x="0" y="0"/>
+          <a:ext cx="0" cy="0"/>
+          <a:chOff x="0" y="0"/>
+          <a:chExt cx="0" cy="0"/>
+        </a:xfrm>
+      </p:grpSpPr>
+      <p:sp>
+        <p:nvSpPr>
+          <p:cNvPr id="2" name="1 Marcador de encabezado"/>
+          <p:cNvSpPr>
+            <a:spLocks noGrp="1"/>
+          </p:cNvSpPr>
+          <p:nvPr>
+            <p:ph type="hdr" sz="quarter"/>
+          </p:nvPr>
+        </p:nvSpPr>
+        <p:spPr>
+          <a:xfrm>
+            <a:off x="0" y="0"/>
+            <a:ext cx="2971800" cy="457200"/>
+          </a:xfrm>
+          <a:prstGeom prst="rect">
+            <a:avLst/>
+          </a:prstGeom>
+        </p:spPr>
+        <p:txBody>
+          <a:bodyPr vert="horz" lIns="91440" tIns="45720" rIns="91440" bIns="45720" rtlCol="0"/>
+          <a:lstStyle>
+            <a:lvl1pPr algn="l">
+              <a:defRPr sz="1200"/>
+            </a:lvl1pPr>
+          </a:lstStyle>
+          <a:p>
+            <a:endParaRPr lang="es-ES"/>
+          </a:p>
+        </p:txBody>
+      </p:sp>
+      <p:sp>
+        <p:nvSpPr>
+          <p:cNvPr id="3" name="2 Marcador de fecha"/>
+          <p:cNvSpPr>
+            <a:spLocks noGrp="1"/>
+          </p:cNvSpPr>
+          <p:nvPr>
+            <p:ph type="dt" idx="1"/>
+          </p:nvPr>
+        </p:nvSpPr>
+        <p:spPr>
+          <a:xfrm>
+            <a:off x="3884613" y="0"/>
+            <a:ext cx="2971800" cy="457200"/>
+          </a:xfrm>
+          <a:prstGeom prst="rect">
+            <a:avLst/>
+          </a:prstGeom>
+        </p:spPr>
+        <p:txBody>
+          <a:bodyPr vert="horz" lIns="91440" tIns="45720" rIns="91440" bIns="45720" rtlCol="0"/>
+          <a:lstStyle>
+            <a:lvl1pPr algn="r">
+              <a:defRPr sz="1200"/>
+            </a:lvl1pPr>
+          </a:lstStyle>
+          <a:p>
+            <a:fld id="{8C99986B-1274-4AE3-91F6-F527C353E0DC}" type="datetimeFigureOut">
+              <a:rPr lang="es-ES" smtClean="0"/>
+              <a:t>18/08/2011</a:t>
+            </a:fld>
+            <a:endParaRPr lang="es-ES"/>
+          </a:p>
+        </p:txBody>
+      </p:sp>
+      <p:sp>
+        <p:nvSpPr>
+          <p:cNvPr id="4" name="3 Marcador de imagen de diapositiva"/>
+          <p:cNvSpPr>
+            <a:spLocks noGrp="1" noRot="1" noChangeAspect="1"/>
+          </p:cNvSpPr>
+          <p:nvPr>
+            <p:ph type="sldImg" idx="2"/>
+          </p:nvPr>
+        </p:nvSpPr>
+        <p:spPr>
+          <a:xfrm>
+            <a:off x="1143000" y="685800"/>
+            <a:ext cx="4572000" cy="3429000"/>
+          </a:xfrm>
+          <a:prstGeom prst="rect">
+            <a:avLst/>
+          </a:prstGeom>
+          <a:noFill/>
+          <a:ln w="12700">
+            <a:solidFill>
+              <a:prstClr val="black"/>
+            </a:solidFill>
+          </a:ln>
+        </p:spPr>
+        <p:txBody>
+          <a:bodyPr vert="horz" lIns="91440" tIns="45720" rIns="91440" bIns="45720" rtlCol="0" anchor="ctr"/>
+          <a:lstStyle/>
+          <a:p>
+            <a:endParaRPr lang="es-ES"/>
+          </a:p>
+        </p:txBody>
+      </p:sp>
+      <p:sp>
+        <p:nvSpPr>
+          <p:cNvPr id="5" name="4 Marcador de notas"/>
+          <p:cNvSpPr>
+            <a:spLocks noGrp="1"/>
+          </p:cNvSpPr>
+          <p:nvPr>
+            <p:ph type="body" sz="quarter" idx="3"/>
+          </p:nvPr>
+        </p:nvSpPr>
+        <p:spPr>
+          <a:xfrm>
+            <a:off x="685800" y="4343400"/>
+            <a:ext cx="5486400" cy="4114800"/>
+          </a:xfrm>
+          <a:prstGeom prst="rect">
+            <a:avLst/>
+          </a:prstGeom>
+        </p:spPr>
+        <p:txBody>
+          <a:bodyPr vert="horz" lIns="91440" tIns="45720" rIns="91440" bIns="45720" rtlCol="0">
+            <a:normAutofit/>
+          </a:bodyPr>
+          <a:lstStyle/>
+          <a:p>
+            <a:pPr lvl="0"/>
+            <a:r>
+              <a:rPr lang="es-ES" smtClean="0"/>
+              <a:t>Haga clic para modificar el estilo de texto del patrón</a:t>
+            </a:r>
+          </a:p>
+          <a:p>
+            <a:pPr lvl="1"/>
+            <a:r>
+              <a:rPr lang="es-ES" smtClean="0"/>
+              <a:t>Segundo nivel</a:t>
+            </a:r>
+          </a:p>
+          <a:p>
+            <a:pPr lvl="2"/>
+            <a:r>
+              <a:rPr lang="es-ES" smtClean="0"/>
+              <a:t>Tercer nivel</a:t>
+            </a:r>
+          </a:p>
+          <a:p>
+            <a:pPr lvl="3"/>
+            <a:r>
+              <a:rPr lang="es-ES" smtClean="0"/>
+              <a:t>Cuarto nivel</a:t>
+            </a:r>
+          </a:p>
+          <a:p>
+            <a:pPr lvl="4"/>
+            <a:r>
+              <a:rPr lang="es-ES" smtClean="0"/>
+              <a:t>Quinto nivel</a:t>
+            </a:r>
+            <a:endParaRPr lang="es-ES"/>
+          </a:p>
+        </p:txBody>
+      </p:sp>
+      <p:sp>
+        <p:nvSpPr>
+          <p:cNvPr id="6" name="5 Marcador de pie de página"/>
+          <p:cNvSpPr>
+            <a:spLocks noGrp="1"/>
+          </p:cNvSpPr>
+          <p:nvPr>
+            <p:ph type="ftr" sz="quarter" idx="4"/>
+          </p:nvPr>
+        </p:nvSpPr>
+        <p:spPr>
+          <a:xfrm>
+            <a:off x="0" y="8685213"/>
+            <a:ext cx="2971800" cy="457200"/>
+          </a:xfrm>
+          <a:prstGeom prst="rect">
+            <a:avLst/>
+          </a:prstGeom>
+        </p:spPr>
+        <p:txBody>
+          <a:bodyPr vert="horz" lIns="91440" tIns="45720" rIns="91440" bIns="45720" rtlCol="0" anchor="b"/>
+          <a:lstStyle>
+            <a:lvl1pPr algn="l">
+              <a:defRPr sz="1200"/>
+            </a:lvl1pPr>
+          </a:lstStyle>
+          <a:p>
+            <a:endParaRPr lang="es-ES"/>
+          </a:p>
+        </p:txBody>
+      </p:sp>
+      <p:sp>
+        <p:nvSpPr>
+          <p:cNvPr id="7" name="6 Marcador de número de diapositiva"/>
+          <p:cNvSpPr>
+            <a:spLocks noGrp="1"/>
+          </p:cNvSpPr>
+          <p:nvPr>
+            <p:ph type="sldNum" sz="quarter" idx="5"/>
+          </p:nvPr>
+        </p:nvSpPr>
+        <p:spPr>
+          <a:xfrm>
+            <a:off x="3884613" y="8685213"/>
+            <a:ext cx="2971800" cy="457200"/>
+          </a:xfrm>
+          <a:prstGeom prst="rect">
+            <a:avLst/>
+          </a:prstGeom>
+        </p:spPr>
+        <p:txBody>
+          <a:bodyPr vert="horz" lIns="91440" tIns="45720" rIns="91440" bIns="45720" rtlCol="0" anchor="b"/>
+          <a:lstStyle>
+            <a:lvl1pPr algn="r">
+              <a:defRPr sz="1200"/>
+            </a:lvl1pPr>
+          </a:lstStyle>
+          <a:p>
+            <a:fld id="{D63FAA0B-072C-4C90-AC1D-B5D646D139D8}" type="slidenum">
+              <a:rPr lang="es-ES" smtClean="0"/>
+              <a:t>‹Nº›</a:t>
+            </a:fld>
+            <a:endParaRPr lang="es-ES"/>
+          </a:p>
+        </p:txBody>
+      </p:sp>
+    </p:spTree>
+  </p:cSld>
+  <p:clrMap bg1="lt1" tx1="dk1" bg2="lt2" tx2="dk2" accent1="accent1" accent2="accent2" accent3="accent3" accent4="accent4" accent5="accent5" accent6="accent6" hlink="hlink" folHlink="folHlink"/>
+  <p:notesStyle>
+    <a:lvl1pPr marL="0" algn="l" defTabSz="914400" rtl="0" eaLnBrk="1" latinLnBrk="0" hangingPunct="1">
+      <a:defRPr sz="1200" kern="1200">
+        <a:solidFill>
+          <a:schemeClr val="tx1"/>
+        </a:solidFill>
+        <a:latin typeface="+mn-lt"/>
+        <a:ea typeface="+mn-ea"/>
+        <a:cs typeface="+mn-cs"/>
+      </a:defRPr>
+    </a:lvl1pPr>
+    <a:lvl2pPr marL="457200" algn="l" defTabSz="914400" rtl="0" eaLnBrk="1" latinLnBrk="0" hangingPunct="1">
+      <a:defRPr sz="1200" kern="1200">
+        <a:solidFill>
+          <a:schemeClr val="tx1"/>
+        </a:solidFill>
+        <a:latin typeface="+mn-lt"/>
+        <a:ea typeface="+mn-ea"/>
+        <a:cs typeface="+mn-cs"/>
+      </a:defRPr>
+    </a:lvl2pPr>
+    <a:lvl3pPr marL="914400" algn="l" defTabSz="914400" rtl="0" eaLnBrk="1" latinLnBrk="0" hangingPunct="1">
+      <a:defRPr sz="1200" kern="1200">
+        <a:solidFill>
+          <a:schemeClr val="tx1"/>
+        </a:solidFill>
+        <a:latin typeface="+mn-lt"/>
+        <a:ea typeface="+mn-ea"/>
+        <a:cs typeface="+mn-cs"/>
+      </a:defRPr>
+    </a:lvl3pPr>
+    <a:lvl4pPr marL="1371600" algn="l" defTabSz="914400" rtl="0" eaLnBrk="1" latinLnBrk="0" hangingPunct="1">
+      <a:defRPr sz="1200" kern="1200">
+        <a:solidFill>
+          <a:schemeClr val="tx1"/>
+        </a:solidFill>
+        <a:latin typeface="+mn-lt"/>
+        <a:ea typeface="+mn-ea"/>
+        <a:cs typeface="+mn-cs"/>
+      </a:defRPr>
+    </a:lvl4pPr>
+    <a:lvl5pPr marL="1828800" algn="l" defTabSz="914400" rtl="0" eaLnBrk="1" latinLnBrk="0" hangingPunct="1">
+      <a:defRPr sz="1200" kern="1200">
+        <a:solidFill>
+          <a:schemeClr val="tx1"/>
+        </a:solidFill>
+        <a:latin typeface="+mn-lt"/>
+        <a:ea typeface="+mn-ea"/>
+        <a:cs typeface="+mn-cs"/>
+      </a:defRPr>
+    </a:lvl5pPr>
+    <a:lvl6pPr marL="2286000" algn="l" defTabSz="914400" rtl="0" eaLnBrk="1" latinLnBrk="0" hangingPunct="1">
+      <a:defRPr sz="1200" kern="1200">
+        <a:solidFill>
+          <a:schemeClr val="tx1"/>
+        </a:solidFill>
+        <a:latin typeface="+mn-lt"/>
+        <a:ea typeface="+mn-ea"/>
+        <a:cs typeface="+mn-cs"/>
+      </a:defRPr>
+    </a:lvl6pPr>
+    <a:lvl7pPr marL="2743200" algn="l" defTabSz="914400" rtl="0" eaLnBrk="1" latinLnBrk="0" hangingPunct="1">
+      <a:defRPr sz="1200" kern="1200">
+        <a:solidFill>
+          <a:schemeClr val="tx1"/>
+        </a:solidFill>
+        <a:latin typeface="+mn-lt"/>
+        <a:ea typeface="+mn-ea"/>
+        <a:cs typeface="+mn-cs"/>
+      </a:defRPr>
+    </a:lvl7pPr>
+    <a:lvl8pPr marL="3200400" algn="l" defTabSz="914400" rtl="0" eaLnBrk="1" latinLnBrk="0" hangingPunct="1">
+      <a:defRPr sz="1200" kern="1200">
+        <a:solidFill>
+          <a:schemeClr val="tx1"/>
+        </a:solidFill>
+        <a:latin typeface="+mn-lt"/>
+        <a:ea typeface="+mn-ea"/>
+        <a:cs typeface="+mn-cs"/>
+      </a:defRPr>
+    </a:lvl8pPr>
+    <a:lvl9pPr marL="3657600" algn="l" defTabSz="914400" rtl="0" eaLnBrk="1" latinLnBrk="0" hangingPunct="1">
+      <a:defRPr sz="1200" kern="1200">
+        <a:solidFill>
+          <a:schemeClr val="tx1"/>
+        </a:solidFill>
+        <a:latin typeface="+mn-lt"/>
+        <a:ea typeface="+mn-ea"/>
+        <a:cs typeface="+mn-cs"/>
+      </a:defRPr>
+    </a:lvl9pPr>
+  </p:notesStyle>
+</p:notesMaster>
+</file>
+
+<file path=ppt/notesSlides/notesSlide1.xml><?xml version="1.0" encoding="utf-8"?>
+<p:notes xmlns:a="http://schemas.openxmlformats.org/drawingml/2006/main" xmlns:r="http://schemas.openxmlformats.org/officeDocument/2006/relationships" xmlns:p="http://schemas.openxmlformats.org/presentationml/2006/main">
+  <p:cSld>
+    <p:spTree>
+      <p:nvGrpSpPr>
+        <p:cNvPr id="1" name=""/>
+        <p:cNvGrpSpPr/>
+        <p:nvPr/>
+      </p:nvGrpSpPr>
+      <p:grpSpPr>
+        <a:xfrm>
+          <a:off x="0" y="0"/>
+          <a:ext cx="0" cy="0"/>
+          <a:chOff x="0" y="0"/>
+          <a:chExt cx="0" cy="0"/>
+        </a:xfrm>
+      </p:grpSpPr>
+      <p:sp>
+        <p:nvSpPr>
+          <p:cNvPr id="2" name="1 Marcador de imagen de diapositiva"/>
+          <p:cNvSpPr>
+            <a:spLocks noGrp="1" noRot="1" noChangeAspect="1"/>
+          </p:cNvSpPr>
+          <p:nvPr>
+            <p:ph type="sldImg"/>
+          </p:nvPr>
+        </p:nvSpPr>
+        <p:spPr/>
+      </p:sp>
+      <p:sp>
+        <p:nvSpPr>
+          <p:cNvPr id="3" name="2 Marcador de notas"/>
+          <p:cNvSpPr>
+            <a:spLocks noGrp="1"/>
+          </p:cNvSpPr>
+          <p:nvPr>
+            <p:ph type="body" idx="1"/>
+          </p:nvPr>
+        </p:nvSpPr>
+        <p:spPr/>
+        <p:txBody>
+          <a:bodyPr>
+            <a:normAutofit/>
+          </a:bodyPr>
+          <a:lstStyle/>
+          <a:p>
+            <a:r>
+              <a:rPr lang="es-ES_tradnl" b="1" i="1" u="sng" dirty="0" smtClean="0"/>
+              <a:t>Ver ejemplos en :  </a:t>
+            </a:r>
+            <a:r>
+              <a:rPr lang="es-ES_tradnl" b="0" i="0" u="none" dirty="0" smtClean="0"/>
+              <a:t>conductas-motrices-baloncesto.pdf</a:t>
+            </a:r>
+          </a:p>
+          <a:p>
+            <a:endParaRPr lang="es-ES_tradnl" b="1" i="1" u="sng" dirty="0" smtClean="0"/>
+          </a:p>
+          <a:p>
+            <a:r>
+              <a:rPr lang="es-ES_tradnl" b="1" i="1" u="sng" dirty="0" smtClean="0"/>
+              <a:t>Conductas motrices: </a:t>
+            </a:r>
+          </a:p>
+          <a:p>
+            <a:r>
+              <a:rPr lang="es-ES" sz="1200" b="0" i="0" kern="1200" dirty="0" smtClean="0">
+                <a:solidFill>
+                  <a:schemeClr val="tx1"/>
+                </a:solidFill>
+                <a:latin typeface="+mn-lt"/>
+                <a:ea typeface="+mn-ea"/>
+                <a:cs typeface="+mn-cs"/>
+              </a:rPr>
+              <a:t>“Organización significativa del comportamiento motor”-Una conducta motriz sólo puede ser observada indirectamente-Se manifiesta mediante un comportamiento motor cuyos datos observados están dotados de sentido-Es vivido de forma consciente o inconsciente por la persona que actúa-Se trata de captar, junto a las manifestaciones observables, el significado de la vivencia tiene asociado directamente (intención, percepción, imagen mental, </a:t>
+            </a:r>
+            <a:r>
+              <a:rPr lang="es-ES" sz="1200" b="0" i="0" u="sng" kern="1200" dirty="0" smtClean="0">
+                <a:solidFill>
+                  <a:schemeClr val="tx1"/>
+                </a:solidFill>
+                <a:latin typeface="+mn-lt"/>
+                <a:ea typeface="+mn-ea"/>
+                <a:cs typeface="+mn-cs"/>
+                <a:hlinkClick r:id="rId3"/>
+              </a:rPr>
+              <a:t>proyecto</a:t>
+            </a:r>
+            <a:r>
+              <a:rPr lang="es-ES" sz="1200" b="0" i="0" kern="1200" dirty="0" smtClean="0">
+                <a:solidFill>
+                  <a:schemeClr val="tx1"/>
+                </a:solidFill>
+                <a:latin typeface="+mn-lt"/>
+                <a:ea typeface="+mn-ea"/>
+                <a:cs typeface="+mn-cs"/>
+              </a:rPr>
+              <a:t>, motivación, deseo, frustración, </a:t>
+            </a:r>
+            <a:r>
+              <a:rPr lang="es-ES" sz="1200" b="0" i="0" kern="1200" dirty="0" err="1" smtClean="0">
+                <a:solidFill>
+                  <a:schemeClr val="tx1"/>
+                </a:solidFill>
+                <a:latin typeface="+mn-lt"/>
+                <a:ea typeface="+mn-ea"/>
+                <a:cs typeface="+mn-cs"/>
+              </a:rPr>
+              <a:t>etc</a:t>
+            </a:r>
+            <a:r>
+              <a:rPr lang="es-ES" sz="1200" b="0" i="0" kern="1200" dirty="0" smtClean="0">
+                <a:solidFill>
+                  <a:schemeClr val="tx1"/>
+                </a:solidFill>
+                <a:latin typeface="+mn-lt"/>
+                <a:ea typeface="+mn-ea"/>
+                <a:cs typeface="+mn-cs"/>
+              </a:rPr>
+              <a:t>…) </a:t>
+            </a:r>
+          </a:p>
+          <a:p>
+            <a:endParaRPr lang="es-ES" sz="1200" b="0" i="0" kern="1200" dirty="0" smtClean="0">
+              <a:solidFill>
+                <a:schemeClr val="tx1"/>
+              </a:solidFill>
+              <a:latin typeface="+mn-lt"/>
+              <a:ea typeface="+mn-ea"/>
+              <a:cs typeface="+mn-cs"/>
+            </a:endParaRPr>
+          </a:p>
+          <a:p>
+            <a:r>
+              <a:rPr lang="es-ES" sz="1200" b="1" i="1" u="sng" kern="1200" dirty="0" smtClean="0">
+                <a:solidFill>
+                  <a:schemeClr val="tx1"/>
+                </a:solidFill>
+                <a:latin typeface="+mn-lt"/>
+                <a:ea typeface="+mn-ea"/>
+                <a:cs typeface="+mn-cs"/>
+              </a:rPr>
+              <a:t>Ejemplo</a:t>
+            </a:r>
+            <a:r>
+              <a:rPr lang="es-ES" sz="1200" b="0" i="0" kern="1200" dirty="0" smtClean="0">
+                <a:solidFill>
+                  <a:schemeClr val="tx1"/>
+                </a:solidFill>
+                <a:latin typeface="+mn-lt"/>
+                <a:ea typeface="+mn-ea"/>
+                <a:cs typeface="+mn-cs"/>
+              </a:rPr>
+              <a:t>: una finta, un desmarque, una “jugada”</a:t>
+            </a:r>
+            <a:endParaRPr lang="es-ES" b="0" i="1" u="sng" dirty="0"/>
+          </a:p>
+        </p:txBody>
+      </p:sp>
+      <p:sp>
+        <p:nvSpPr>
+          <p:cNvPr id="4" name="3 Marcador de número de diapositiva"/>
+          <p:cNvSpPr>
+            <a:spLocks noGrp="1"/>
+          </p:cNvSpPr>
+          <p:nvPr>
+            <p:ph type="sldNum" sz="quarter" idx="10"/>
+          </p:nvPr>
+        </p:nvSpPr>
+        <p:spPr/>
+        <p:txBody>
+          <a:bodyPr/>
+          <a:lstStyle/>
+          <a:p>
+            <a:fld id="{D63FAA0B-072C-4C90-AC1D-B5D646D139D8}" type="slidenum">
+              <a:rPr lang="es-ES" smtClean="0"/>
+              <a:t>9</a:t>
+            </a:fld>
+            <a:endParaRPr lang="es-ES"/>
+          </a:p>
+        </p:txBody>
+      </p:sp>
+    </p:spTree>
+  </p:cSld>
+  <p:clrMapOvr>
+    <a:masterClrMapping/>
+  </p:clrMapOvr>
+</p:notes>
+</file>
+
 <file path=ppt/slideLayouts/slideLayout1.xml><?xml version="1.0" encoding="utf-8"?>
 <p:sldLayout xmlns:a="http://schemas.openxmlformats.org/drawingml/2006/main" xmlns:r="http://schemas.openxmlformats.org/officeDocument/2006/relationships" xmlns:p="http://schemas.openxmlformats.org/presentationml/2006/main" showMasterSp="0" type="title" preserve="1">
   <p:cSld name="Diapositiva de título">
@@ -262,7 +810,8 @@
           <a:p>
             <a:fld id="{8A79DEAF-908E-4103-97F0-970C66AA9D1C}" type="datetimeFigureOut">
               <a:rPr lang="es-ES" smtClean="0"/>
-              <a:t>16/08/2011</a:t>
+              <a:pPr/>
+              <a:t>18/08/2011</a:t>
             </a:fld>
             <a:endParaRPr lang="es-ES"/>
           </a:p>
@@ -314,6 +863,7 @@
           <a:p>
             <a:fld id="{5E13C9A3-3158-4414-BADC-C46F41E7DD55}" type="slidenum">
               <a:rPr lang="es-ES" smtClean="0"/>
+              <a:pPr/>
               <a:t>‹Nº›</a:t>
             </a:fld>
             <a:endParaRPr lang="es-ES"/>
@@ -621,7 +1171,8 @@
           <a:p>
             <a:fld id="{8A79DEAF-908E-4103-97F0-970C66AA9D1C}" type="datetimeFigureOut">
               <a:rPr lang="es-ES" smtClean="0"/>
-              <a:t>16/08/2011</a:t>
+              <a:pPr/>
+              <a:t>18/08/2011</a:t>
             </a:fld>
             <a:endParaRPr lang="es-ES"/>
           </a:p>
@@ -663,6 +1214,7 @@
           <a:p>
             <a:fld id="{5E13C9A3-3158-4414-BADC-C46F41E7DD55}" type="slidenum">
               <a:rPr lang="es-ES" smtClean="0"/>
+              <a:pPr/>
               <a:t>‹Nº›</a:t>
             </a:fld>
             <a:endParaRPr lang="es-ES"/>
@@ -796,7 +1348,8 @@
           <a:p>
             <a:fld id="{8A79DEAF-908E-4103-97F0-970C66AA9D1C}" type="datetimeFigureOut">
               <a:rPr lang="es-ES" smtClean="0"/>
-              <a:t>16/08/2011</a:t>
+              <a:pPr/>
+              <a:t>18/08/2011</a:t>
             </a:fld>
             <a:endParaRPr lang="es-ES"/>
           </a:p>
@@ -838,6 +1391,7 @@
           <a:p>
             <a:fld id="{5E13C9A3-3158-4414-BADC-C46F41E7DD55}" type="slidenum">
               <a:rPr lang="es-ES" smtClean="0"/>
+              <a:pPr/>
               <a:t>‹Nº›</a:t>
             </a:fld>
             <a:endParaRPr lang="es-ES"/>
@@ -1254,7 +1808,8 @@
           <a:p>
             <a:fld id="{8A79DEAF-908E-4103-97F0-970C66AA9D1C}" type="datetimeFigureOut">
               <a:rPr lang="es-ES" smtClean="0"/>
-              <a:t>16/08/2011</a:t>
+              <a:pPr/>
+              <a:t>18/08/2011</a:t>
             </a:fld>
             <a:endParaRPr lang="es-ES"/>
           </a:p>
@@ -1296,6 +1851,7 @@
           <a:p>
             <a:fld id="{5E13C9A3-3158-4414-BADC-C46F41E7DD55}" type="slidenum">
               <a:rPr lang="es-ES" smtClean="0"/>
+              <a:pPr/>
               <a:t>‹Nº›</a:t>
             </a:fld>
             <a:endParaRPr lang="es-ES"/>
@@ -1523,7 +2079,8 @@
           <a:p>
             <a:fld id="{8A79DEAF-908E-4103-97F0-970C66AA9D1C}" type="datetimeFigureOut">
               <a:rPr lang="es-ES" smtClean="0"/>
-              <a:t>16/08/2011</a:t>
+              <a:pPr/>
+              <a:t>18/08/2011</a:t>
             </a:fld>
             <a:endParaRPr lang="es-ES"/>
           </a:p>
@@ -1575,6 +2132,7 @@
           <a:p>
             <a:fld id="{5E13C9A3-3158-4414-BADC-C46F41E7DD55}" type="slidenum">
               <a:rPr lang="es-ES" smtClean="0"/>
+              <a:pPr/>
               <a:t>‹Nº›</a:t>
             </a:fld>
             <a:endParaRPr lang="es-ES"/>
@@ -1743,7 +2301,8 @@
           <a:p>
             <a:fld id="{8A79DEAF-908E-4103-97F0-970C66AA9D1C}" type="datetimeFigureOut">
               <a:rPr lang="es-ES" smtClean="0"/>
-              <a:t>16/08/2011</a:t>
+              <a:pPr/>
+              <a:t>18/08/2011</a:t>
             </a:fld>
             <a:endParaRPr lang="es-ES"/>
           </a:p>
@@ -1785,6 +2344,7 @@
           <a:p>
             <a:fld id="{5E13C9A3-3158-4414-BADC-C46F41E7DD55}" type="slidenum">
               <a:rPr lang="es-ES" smtClean="0"/>
+              <a:pPr/>
               <a:t>‹Nº›</a:t>
             </a:fld>
             <a:endParaRPr lang="es-ES"/>
@@ -2095,7 +2655,8 @@
           <a:p>
             <a:fld id="{8A79DEAF-908E-4103-97F0-970C66AA9D1C}" type="datetimeFigureOut">
               <a:rPr lang="es-ES" smtClean="0"/>
-              <a:t>16/08/2011</a:t>
+              <a:pPr/>
+              <a:t>18/08/2011</a:t>
             </a:fld>
             <a:endParaRPr lang="es-ES"/>
           </a:p>
@@ -2137,6 +2698,7 @@
           <a:p>
             <a:fld id="{5E13C9A3-3158-4414-BADC-C46F41E7DD55}" type="slidenum">
               <a:rPr lang="es-ES" smtClean="0"/>
+              <a:pPr/>
               <a:t>‹Nº›</a:t>
             </a:fld>
             <a:endParaRPr lang="es-ES"/>
@@ -2327,7 +2889,8 @@
           <a:p>
             <a:fld id="{8A79DEAF-908E-4103-97F0-970C66AA9D1C}" type="datetimeFigureOut">
               <a:rPr lang="es-ES" smtClean="0"/>
-              <a:t>16/08/2011</a:t>
+              <a:pPr/>
+              <a:t>18/08/2011</a:t>
             </a:fld>
             <a:endParaRPr lang="es-ES"/>
           </a:p>
@@ -2369,6 +2932,7 @@
           <a:p>
             <a:fld id="{5E13C9A3-3158-4414-BADC-C46F41E7DD55}" type="slidenum">
               <a:rPr lang="es-ES" smtClean="0"/>
+              <a:pPr/>
               <a:t>‹Nº›</a:t>
             </a:fld>
             <a:endParaRPr lang="es-ES"/>
@@ -2467,7 +3031,8 @@
           <a:p>
             <a:fld id="{8A79DEAF-908E-4103-97F0-970C66AA9D1C}" type="datetimeFigureOut">
               <a:rPr lang="es-ES" smtClean="0"/>
-              <a:t>16/08/2011</a:t>
+              <a:pPr/>
+              <a:t>18/08/2011</a:t>
             </a:fld>
             <a:endParaRPr lang="es-ES"/>
           </a:p>
@@ -2509,6 +3074,7 @@
           <a:p>
             <a:fld id="{5E13C9A3-3158-4414-BADC-C46F41E7DD55}" type="slidenum">
               <a:rPr lang="es-ES" smtClean="0"/>
+              <a:pPr/>
               <a:t>‹Nº›</a:t>
             </a:fld>
             <a:endParaRPr lang="es-ES"/>
@@ -2744,7 +3310,8 @@
           <a:p>
             <a:fld id="{8A79DEAF-908E-4103-97F0-970C66AA9D1C}" type="datetimeFigureOut">
               <a:rPr lang="es-ES" smtClean="0"/>
-              <a:t>16/08/2011</a:t>
+              <a:pPr/>
+              <a:t>18/08/2011</a:t>
             </a:fld>
             <a:endParaRPr lang="es-ES"/>
           </a:p>
@@ -2786,6 +3353,7 @@
           <a:p>
             <a:fld id="{5E13C9A3-3158-4414-BADC-C46F41E7DD55}" type="slidenum">
               <a:rPr lang="es-ES" smtClean="0"/>
+              <a:pPr/>
               <a:t>‹Nº›</a:t>
             </a:fld>
             <a:endParaRPr lang="es-ES"/>
@@ -3151,7 +3719,8 @@
           <a:p>
             <a:fld id="{8A79DEAF-908E-4103-97F0-970C66AA9D1C}" type="datetimeFigureOut">
               <a:rPr lang="es-ES" smtClean="0"/>
-              <a:t>16/08/2011</a:t>
+              <a:pPr/>
+              <a:t>18/08/2011</a:t>
             </a:fld>
             <a:endParaRPr lang="es-ES"/>
           </a:p>
@@ -3193,6 +3762,7 @@
           <a:p>
             <a:fld id="{5E13C9A3-3158-4414-BADC-C46F41E7DD55}" type="slidenum">
               <a:rPr lang="es-ES" smtClean="0"/>
+              <a:pPr/>
               <a:t>‹Nº›</a:t>
             </a:fld>
             <a:endParaRPr lang="es-ES"/>
@@ -3489,7 +4059,8 @@
           <a:p>
             <a:fld id="{8A79DEAF-908E-4103-97F0-970C66AA9D1C}" type="datetimeFigureOut">
               <a:rPr lang="es-ES" smtClean="0"/>
-              <a:t>16/08/2011</a:t>
+              <a:pPr/>
+              <a:t>18/08/2011</a:t>
             </a:fld>
             <a:endParaRPr lang="es-ES"/>
           </a:p>
@@ -3563,6 +4134,7 @@
           <a:p>
             <a:fld id="{5E13C9A3-3158-4414-BADC-C46F41E7DD55}" type="slidenum">
               <a:rPr lang="es-ES" smtClean="0"/>
+              <a:pPr/>
               <a:t>‹Nº›</a:t>
             </a:fld>
             <a:endParaRPr lang="es-ES"/>
@@ -4040,11 +4612,7 @@
           <a:p>
             <a:r>
               <a:rPr lang="es-ES" sz="3600" dirty="0" smtClean="0"/>
-              <a:t>Desarrollo </a:t>
-            </a:r>
-            <a:r>
-              <a:rPr lang="es-ES" sz="3600" dirty="0" smtClean="0"/>
-              <a:t>de la idea ofensiva</a:t>
+              <a:t>Desarrollo de la idea ofensiva</a:t>
             </a:r>
             <a:endParaRPr lang="es-ES" sz="3600" dirty="0"/>
           </a:p>
@@ -4103,7 +4671,7 @@
       </p:grpSpPr>
       <p:sp>
         <p:nvSpPr>
-          <p:cNvPr id="3" name="2 Título"/>
+          <p:cNvPr id="2" name="1 Título"/>
           <p:cNvSpPr>
             <a:spLocks noGrp="1"/>
           </p:cNvSpPr>
@@ -4113,54 +4681,10 @@
         </p:nvSpPr>
         <p:spPr/>
         <p:txBody>
-          <a:bodyPr>
-            <a:normAutofit/>
-          </a:bodyPr>
-          <a:lstStyle/>
-          <a:p>
-            <a:r>
-              <a:rPr lang="es-ES" dirty="0" smtClean="0"/>
-              <a:t>Formas y sistemas de juego </a:t>
-            </a:r>
-            <a:r>
-              <a:rPr lang="es-ES" dirty="0" smtClean="0"/>
-              <a:t>colectivas</a:t>
-            </a:r>
-            <a:endParaRPr lang="es-ES" dirty="0"/>
-          </a:p>
-        </p:txBody>
-      </p:sp>
-      <p:sp>
-        <p:nvSpPr>
-          <p:cNvPr id="4" name="3 CuadroTexto"/>
-          <p:cNvSpPr txBox="1"/>
-          <p:nvPr/>
-        </p:nvSpPr>
-        <p:spPr>
-          <a:xfrm>
-            <a:off x="642910" y="1357298"/>
-            <a:ext cx="5572164" cy="461665"/>
-          </a:xfrm>
-          <a:prstGeom prst="rect">
-            <a:avLst/>
-          </a:prstGeom>
-          <a:noFill/>
-        </p:spPr>
-        <p:txBody>
-          <a:bodyPr wrap="square" rtlCol="0">
-            <a:spAutoFit/>
-          </a:bodyPr>
-          <a:lstStyle/>
-          <a:p>
-            <a:pPr>
-              <a:buFont typeface="Wingdings" pitchFamily="2" charset="2"/>
-              <a:buChar char="q"/>
-            </a:pPr>
-            <a:r>
-              <a:rPr lang="es-ES" sz="2400" dirty="0" smtClean="0"/>
-              <a:t>  Ataque contra 5:1</a:t>
-            </a:r>
-            <a:endParaRPr lang="es-ES" sz="2400" dirty="0"/>
+          <a:bodyPr/>
+          <a:lstStyle/>
+          <a:p>
+            <a:endParaRPr lang="es-ES"/>
           </a:p>
         </p:txBody>
       </p:sp>
@@ -4169,13 +4693,6 @@
   <p:clrMapOvr>
     <a:masterClrMapping/>
   </p:clrMapOvr>
-  <p:timing>
-    <p:tnLst>
-      <p:par>
-        <p:cTn id="1" dur="indefinite" restart="never" nodeType="tmRoot"/>
-      </p:par>
-    </p:tnLst>
-  </p:timing>
 </p:sld>
 </file>
 
@@ -4198,7 +4715,33 @@
       </p:grpSpPr>
       <p:sp>
         <p:nvSpPr>
-          <p:cNvPr id="3" name="2 Título"/>
+          <p:cNvPr id="3" name="2 Marcador de texto"/>
+          <p:cNvSpPr>
+            <a:spLocks noGrp="1"/>
+          </p:cNvSpPr>
+          <p:nvPr>
+            <p:ph type="body" idx="1"/>
+          </p:nvPr>
+        </p:nvSpPr>
+        <p:spPr/>
+        <p:txBody>
+          <a:bodyPr/>
+          <a:lstStyle/>
+          <a:p>
+            <a:r>
+              <a:rPr lang="es-ES_tradnl" b="1" dirty="0" smtClean="0"/>
+              <a:t>Formas y sistemas de juego colectivas</a:t>
+            </a:r>
+            <a:endParaRPr lang="es-ES" dirty="0" smtClean="0"/>
+          </a:p>
+          <a:p>
+            <a:endParaRPr lang="es-ES" dirty="0"/>
+          </a:p>
+        </p:txBody>
+      </p:sp>
+      <p:sp>
+        <p:nvSpPr>
+          <p:cNvPr id="5" name="1 Título"/>
           <p:cNvSpPr>
             <a:spLocks noGrp="1"/>
           </p:cNvSpPr>
@@ -4214,56 +4757,10 @@
           <a:lstStyle/>
           <a:p>
             <a:r>
-              <a:rPr lang="es-ES" dirty="0" smtClean="0"/>
-              <a:t>Formas y sistemas de juego </a:t>
-            </a:r>
-            <a:r>
-              <a:rPr lang="es-ES" dirty="0" smtClean="0"/>
-              <a:t>colectivas</a:t>
-            </a:r>
-            <a:endParaRPr lang="es-ES" dirty="0"/>
-          </a:p>
-        </p:txBody>
-      </p:sp>
-      <p:sp>
-        <p:nvSpPr>
-          <p:cNvPr id="4" name="3 CuadroTexto"/>
-          <p:cNvSpPr txBox="1"/>
-          <p:nvPr/>
-        </p:nvSpPr>
-        <p:spPr>
-          <a:xfrm>
-            <a:off x="642910" y="1357298"/>
-            <a:ext cx="6215106" cy="461665"/>
-          </a:xfrm>
-          <a:prstGeom prst="rect">
-            <a:avLst/>
-          </a:prstGeom>
-          <a:noFill/>
-        </p:spPr>
-        <p:txBody>
-          <a:bodyPr wrap="square" rtlCol="0">
-            <a:spAutoFit/>
-          </a:bodyPr>
-          <a:lstStyle/>
-          <a:p>
-            <a:pPr>
-              <a:buFont typeface="Wingdings" pitchFamily="2" charset="2"/>
-              <a:buChar char="q"/>
-            </a:pPr>
-            <a:r>
-              <a:rPr lang="es-ES" sz="2400" dirty="0" smtClean="0"/>
-              <a:t>  Ataque contra 5:1(Zona lateral, </a:t>
-            </a:r>
-            <a:r>
-              <a:rPr lang="es-ES" sz="2400" dirty="0" err="1" smtClean="0"/>
-              <a:t>ej</a:t>
-            </a:r>
-            <a:r>
-              <a:rPr lang="es-ES" sz="2400" dirty="0" smtClean="0"/>
-              <a:t>: Pilar)</a:t>
-            </a:r>
-            <a:endParaRPr lang="es-ES" sz="2400" dirty="0"/>
+              <a:rPr lang="es-ES" sz="3600" dirty="0" smtClean="0"/>
+              <a:t>Desarrollo de la idea ofensiva</a:t>
+            </a:r>
+            <a:endParaRPr lang="es-ES" sz="3600" dirty="0"/>
           </a:p>
         </p:txBody>
       </p:sp>
@@ -4318,11 +4815,7 @@
           <a:p>
             <a:r>
               <a:rPr lang="es-ES" dirty="0" smtClean="0"/>
-              <a:t>Formas y sistemas de juego </a:t>
-            </a:r>
-            <a:r>
-              <a:rPr lang="es-ES" dirty="0" smtClean="0"/>
-              <a:t>colectivas</a:t>
+              <a:t>Formas y sistemas de juego colectivas</a:t>
             </a:r>
             <a:endParaRPr lang="es-ES" dirty="0"/>
           </a:p>
@@ -4330,20 +4823,80 @@
       </p:sp>
       <p:sp>
         <p:nvSpPr>
-          <p:cNvPr id="4" name="3 CuadroTexto"/>
-          <p:cNvSpPr txBox="1"/>
+          <p:cNvPr id="5" name="4 Rectángulo"/>
+          <p:cNvSpPr/>
           <p:nvPr/>
         </p:nvSpPr>
         <p:spPr>
           <a:xfrm>
-            <a:off x="642910" y="1357298"/>
-            <a:ext cx="6215106" cy="461665"/>
+            <a:off x="500034" y="1285860"/>
+            <a:ext cx="7643866" cy="461665"/>
           </a:xfrm>
           <a:prstGeom prst="rect">
             <a:avLst/>
           </a:prstGeom>
-          <a:noFill/>
-        </p:spPr>
+        </p:spPr>
+        <p:style>
+          <a:lnRef idx="0">
+            <a:schemeClr val="accent2"/>
+          </a:lnRef>
+          <a:fillRef idx="3">
+            <a:schemeClr val="accent2"/>
+          </a:fillRef>
+          <a:effectRef idx="3">
+            <a:schemeClr val="accent2"/>
+          </a:effectRef>
+          <a:fontRef idx="minor">
+            <a:schemeClr val="lt1"/>
+          </a:fontRef>
+        </p:style>
+        <p:txBody>
+          <a:bodyPr wrap="square">
+            <a:spAutoFit/>
+          </a:bodyPr>
+          <a:lstStyle/>
+          <a:p>
+            <a:r>
+              <a:rPr lang="es-ES" dirty="0" smtClean="0"/>
+              <a:t> </a:t>
+            </a:r>
+            <a:r>
+              <a:rPr lang="es-ES" sz="2400" dirty="0" smtClean="0"/>
+              <a:t>Trabajo de FALTAS</a:t>
+            </a:r>
+            <a:endParaRPr lang="es-ES" sz="2400" dirty="0"/>
+          </a:p>
+        </p:txBody>
+      </p:sp>
+      <p:sp>
+        <p:nvSpPr>
+          <p:cNvPr id="7" name="6 CuadroTexto"/>
+          <p:cNvSpPr txBox="1"/>
+          <p:nvPr/>
+        </p:nvSpPr>
+        <p:spPr>
+          <a:xfrm>
+            <a:off x="500034" y="1928802"/>
+            <a:ext cx="8358246" cy="1200329"/>
+          </a:xfrm>
+          <a:prstGeom prst="rect">
+            <a:avLst/>
+          </a:prstGeom>
+        </p:spPr>
+        <p:style>
+          <a:lnRef idx="2">
+            <a:schemeClr val="accent2"/>
+          </a:lnRef>
+          <a:fillRef idx="1">
+            <a:schemeClr val="lt1"/>
+          </a:fillRef>
+          <a:effectRef idx="0">
+            <a:schemeClr val="accent2"/>
+          </a:effectRef>
+          <a:fontRef idx="minor">
+            <a:schemeClr val="dk1"/>
+          </a:fontRef>
+        </p:style>
         <p:txBody>
           <a:bodyPr wrap="square" rtlCol="0">
             <a:spAutoFit/>
@@ -4351,14 +4904,53 @@
           <a:lstStyle/>
           <a:p>
             <a:pPr>
+              <a:buClr>
+                <a:schemeClr val="bg2">
+                  <a:lumMod val="75000"/>
+                </a:schemeClr>
+              </a:buClr>
               <a:buFont typeface="Wingdings" pitchFamily="2" charset="2"/>
               <a:buChar char="q"/>
             </a:pPr>
             <a:r>
               <a:rPr lang="es-ES" sz="2400" dirty="0" smtClean="0"/>
-              <a:t>  Ataque Superioridad</a:t>
-            </a:r>
-            <a:endParaRPr lang="es-ES" sz="2400" dirty="0"/>
+              <a:t> En el centro</a:t>
+            </a:r>
+          </a:p>
+          <a:p>
+            <a:pPr lvl="2">
+              <a:buClr>
+                <a:schemeClr val="bg2">
+                  <a:lumMod val="75000"/>
+                </a:schemeClr>
+              </a:buClr>
+              <a:buFont typeface="Courier New" pitchFamily="49" charset="0"/>
+              <a:buChar char="o"/>
+            </a:pPr>
+            <a:r>
+              <a:rPr lang="es-ES" sz="2400" dirty="0" smtClean="0"/>
+              <a:t> 2 x 2  B – E con pivote en diferentes posiciones</a:t>
+            </a:r>
+          </a:p>
+          <a:p>
+            <a:pPr lvl="2">
+              <a:buClr>
+                <a:schemeClr val="bg2">
+                  <a:lumMod val="75000"/>
+                </a:schemeClr>
+              </a:buClr>
+              <a:buFont typeface="Courier New" pitchFamily="49" charset="0"/>
+              <a:buChar char="o"/>
+            </a:pPr>
+            <a:r>
+              <a:rPr lang="es-ES" sz="2400" dirty="0" smtClean="0"/>
+              <a:t>  Cruce B – A (con pivote en diferentes </a:t>
+            </a:r>
+            <a:r>
+              <a:rPr lang="es-ES" sz="2400" smtClean="0"/>
+              <a:t>posiciones)</a:t>
+            </a:r>
+            <a:endParaRPr lang="es-ES" sz="2000" dirty="0"/>
           </a:p>
         </p:txBody>
       </p:sp>
@@ -4413,11 +5005,1106 @@
           <a:p>
             <a:r>
               <a:rPr lang="es-ES" dirty="0" smtClean="0"/>
-              <a:t>Formas y sistemas de juego </a:t>
-            </a:r>
+              <a:t>Formas y sistemas de juego colectivas</a:t>
+            </a:r>
+            <a:endParaRPr lang="es-ES" dirty="0"/>
+          </a:p>
+        </p:txBody>
+      </p:sp>
+      <p:sp>
+        <p:nvSpPr>
+          <p:cNvPr id="4" name="3 CuadroTexto"/>
+          <p:cNvSpPr txBox="1"/>
+          <p:nvPr/>
+        </p:nvSpPr>
+        <p:spPr>
+          <a:xfrm>
+            <a:off x="500034" y="1928802"/>
+            <a:ext cx="8286808" cy="1754326"/>
+          </a:xfrm>
+          <a:prstGeom prst="rect">
+            <a:avLst/>
+          </a:prstGeom>
+        </p:spPr>
+        <p:style>
+          <a:lnRef idx="2">
+            <a:schemeClr val="accent2"/>
+          </a:lnRef>
+          <a:fillRef idx="1">
+            <a:schemeClr val="lt1"/>
+          </a:fillRef>
+          <a:effectRef idx="0">
+            <a:schemeClr val="accent2"/>
+          </a:effectRef>
+          <a:fontRef idx="minor">
+            <a:schemeClr val="dk1"/>
+          </a:fontRef>
+        </p:style>
+        <p:txBody>
+          <a:bodyPr wrap="square" rtlCol="0">
+            <a:spAutoFit/>
+          </a:bodyPr>
+          <a:lstStyle/>
+          <a:p>
+            <a:pPr>
+              <a:buClr>
+                <a:schemeClr val="bg2">
+                  <a:lumMod val="75000"/>
+                </a:schemeClr>
+              </a:buClr>
+              <a:buFont typeface="Wingdings" pitchFamily="2" charset="2"/>
+              <a:buChar char="q"/>
+            </a:pPr>
+            <a:r>
+              <a:rPr lang="es-ES" sz="2400" dirty="0" smtClean="0"/>
+              <a:t> Trabajo de cruces + (CONTINUIDAD)</a:t>
+            </a:r>
+          </a:p>
+          <a:p>
+            <a:pPr lvl="2">
+              <a:buClr>
+                <a:schemeClr val="bg2">
+                  <a:lumMod val="75000"/>
+                </a:schemeClr>
+              </a:buClr>
+              <a:buFont typeface="Courier New" pitchFamily="49" charset="0"/>
+              <a:buChar char="o"/>
+            </a:pPr>
+            <a:r>
+              <a:rPr lang="es-ES" sz="2400" dirty="0" smtClean="0"/>
+              <a:t> </a:t>
+            </a:r>
+            <a:r>
+              <a:rPr lang="es-ES" sz="2000" dirty="0" smtClean="0"/>
+              <a:t>Cruce            (Con pivote en diferentes posiciones)</a:t>
+            </a:r>
+          </a:p>
+          <a:p>
+            <a:pPr lvl="2">
+              <a:buClr>
+                <a:schemeClr val="bg2">
+                  <a:lumMod val="75000"/>
+                </a:schemeClr>
+              </a:buClr>
+              <a:buFont typeface="Courier New" pitchFamily="49" charset="0"/>
+              <a:buChar char="o"/>
+            </a:pPr>
+            <a:r>
+              <a:rPr lang="es-ES" sz="2000" dirty="0" smtClean="0"/>
+              <a:t>  Contra-cruce (Con pivote en diferentes posiciones)</a:t>
+            </a:r>
+          </a:p>
+          <a:p>
+            <a:pPr lvl="2">
+              <a:buClr>
+                <a:schemeClr val="bg2">
+                  <a:lumMod val="75000"/>
+                </a:schemeClr>
+              </a:buClr>
+              <a:buFont typeface="Courier New" pitchFamily="49" charset="0"/>
+              <a:buChar char="o"/>
+            </a:pPr>
+            <a:r>
+              <a:rPr lang="es-ES" sz="2000" dirty="0" smtClean="0"/>
+              <a:t>  Cruce largo , lateral – lateral</a:t>
+            </a:r>
+          </a:p>
+          <a:p>
+            <a:pPr lvl="2">
+              <a:buClr>
+                <a:schemeClr val="bg2">
+                  <a:lumMod val="75000"/>
+                </a:schemeClr>
+              </a:buClr>
+              <a:buFont typeface="Courier New" pitchFamily="49" charset="0"/>
+              <a:buChar char="o"/>
+            </a:pPr>
+            <a:r>
+              <a:rPr lang="es-ES" sz="2000" dirty="0" smtClean="0"/>
+              <a:t>  Cruce con pivote</a:t>
+            </a:r>
+            <a:endParaRPr lang="es-ES" sz="2000" dirty="0"/>
+          </a:p>
+        </p:txBody>
+      </p:sp>
+      <p:sp>
+        <p:nvSpPr>
+          <p:cNvPr id="5" name="4 Rectángulo"/>
+          <p:cNvSpPr/>
+          <p:nvPr/>
+        </p:nvSpPr>
+        <p:spPr>
+          <a:xfrm>
+            <a:off x="500034" y="1285860"/>
+            <a:ext cx="7643866" cy="461665"/>
+          </a:xfrm>
+          <a:prstGeom prst="rect">
+            <a:avLst/>
+          </a:prstGeom>
+        </p:spPr>
+        <p:style>
+          <a:lnRef idx="0">
+            <a:schemeClr val="accent2"/>
+          </a:lnRef>
+          <a:fillRef idx="3">
+            <a:schemeClr val="accent2"/>
+          </a:fillRef>
+          <a:effectRef idx="3">
+            <a:schemeClr val="accent2"/>
+          </a:effectRef>
+          <a:fontRef idx="minor">
+            <a:schemeClr val="lt1"/>
+          </a:fontRef>
+        </p:style>
+        <p:txBody>
+          <a:bodyPr wrap="square">
+            <a:spAutoFit/>
+          </a:bodyPr>
+          <a:lstStyle/>
+          <a:p>
             <a:r>
               <a:rPr lang="es-ES" dirty="0" smtClean="0"/>
-              <a:t>colectivas</a:t>
+              <a:t> </a:t>
+            </a:r>
+            <a:r>
+              <a:rPr lang="es-ES" sz="2400" dirty="0" smtClean="0"/>
+              <a:t>Ataque contra 6:0</a:t>
+            </a:r>
+            <a:endParaRPr lang="es-ES" sz="2400" dirty="0"/>
+          </a:p>
+        </p:txBody>
+      </p:sp>
+    </p:spTree>
+  </p:cSld>
+  <p:clrMapOvr>
+    <a:masterClrMapping/>
+  </p:clrMapOvr>
+  <p:timing>
+    <p:tnLst>
+      <p:par>
+        <p:cTn id="1" dur="indefinite" restart="never" nodeType="tmRoot"/>
+      </p:par>
+    </p:tnLst>
+  </p:timing>
+</p:sld>
+</file>
+
+<file path=ppt/slides/slide14.xml><?xml version="1.0" encoding="utf-8"?>
+<p:sld xmlns:a="http://schemas.openxmlformats.org/drawingml/2006/main" xmlns:r="http://schemas.openxmlformats.org/officeDocument/2006/relationships" xmlns:p="http://schemas.openxmlformats.org/presentationml/2006/main">
+  <p:cSld>
+    <p:spTree>
+      <p:nvGrpSpPr>
+        <p:cNvPr id="1" name=""/>
+        <p:cNvGrpSpPr/>
+        <p:nvPr/>
+      </p:nvGrpSpPr>
+      <p:grpSpPr>
+        <a:xfrm>
+          <a:off x="0" y="0"/>
+          <a:ext cx="0" cy="0"/>
+          <a:chOff x="0" y="0"/>
+          <a:chExt cx="0" cy="0"/>
+        </a:xfrm>
+      </p:grpSpPr>
+      <p:sp>
+        <p:nvSpPr>
+          <p:cNvPr id="3" name="2 Título"/>
+          <p:cNvSpPr>
+            <a:spLocks noGrp="1"/>
+          </p:cNvSpPr>
+          <p:nvPr>
+            <p:ph type="title"/>
+          </p:nvPr>
+        </p:nvSpPr>
+        <p:spPr/>
+        <p:txBody>
+          <a:bodyPr>
+            <a:normAutofit/>
+          </a:bodyPr>
+          <a:lstStyle/>
+          <a:p>
+            <a:r>
+              <a:rPr lang="es-ES" dirty="0" smtClean="0"/>
+              <a:t>Formas y sistemas de juego colectivas</a:t>
+            </a:r>
+            <a:endParaRPr lang="es-ES" dirty="0"/>
+          </a:p>
+        </p:txBody>
+      </p:sp>
+      <p:sp>
+        <p:nvSpPr>
+          <p:cNvPr id="5" name="4 Rectángulo"/>
+          <p:cNvSpPr/>
+          <p:nvPr/>
+        </p:nvSpPr>
+        <p:spPr>
+          <a:xfrm>
+            <a:off x="500034" y="1285860"/>
+            <a:ext cx="7643866" cy="461665"/>
+          </a:xfrm>
+          <a:prstGeom prst="rect">
+            <a:avLst/>
+          </a:prstGeom>
+        </p:spPr>
+        <p:style>
+          <a:lnRef idx="0">
+            <a:schemeClr val="accent2"/>
+          </a:lnRef>
+          <a:fillRef idx="3">
+            <a:schemeClr val="accent2"/>
+          </a:fillRef>
+          <a:effectRef idx="3">
+            <a:schemeClr val="accent2"/>
+          </a:effectRef>
+          <a:fontRef idx="minor">
+            <a:schemeClr val="lt1"/>
+          </a:fontRef>
+        </p:style>
+        <p:txBody>
+          <a:bodyPr wrap="square">
+            <a:spAutoFit/>
+          </a:bodyPr>
+          <a:lstStyle/>
+          <a:p>
+            <a:r>
+              <a:rPr lang="es-ES" dirty="0" smtClean="0"/>
+              <a:t> </a:t>
+            </a:r>
+            <a:r>
+              <a:rPr lang="es-ES" sz="2400" dirty="0" smtClean="0"/>
+              <a:t>Ataque contra 6:0</a:t>
+            </a:r>
+            <a:endParaRPr lang="es-ES" sz="2400" dirty="0"/>
+          </a:p>
+        </p:txBody>
+      </p:sp>
+      <p:sp>
+        <p:nvSpPr>
+          <p:cNvPr id="6" name="5 CuadroTexto"/>
+          <p:cNvSpPr txBox="1"/>
+          <p:nvPr/>
+        </p:nvSpPr>
+        <p:spPr>
+          <a:xfrm>
+            <a:off x="500034" y="2000240"/>
+            <a:ext cx="8286808" cy="3293209"/>
+          </a:xfrm>
+          <a:prstGeom prst="rect">
+            <a:avLst/>
+          </a:prstGeom>
+        </p:spPr>
+        <p:style>
+          <a:lnRef idx="2">
+            <a:schemeClr val="accent2"/>
+          </a:lnRef>
+          <a:fillRef idx="1">
+            <a:schemeClr val="lt1"/>
+          </a:fillRef>
+          <a:effectRef idx="0">
+            <a:schemeClr val="accent2"/>
+          </a:effectRef>
+          <a:fontRef idx="minor">
+            <a:schemeClr val="dk1"/>
+          </a:fontRef>
+        </p:style>
+        <p:txBody>
+          <a:bodyPr wrap="square" rtlCol="0">
+            <a:spAutoFit/>
+          </a:bodyPr>
+          <a:lstStyle/>
+          <a:p>
+            <a:pPr>
+              <a:buClr>
+                <a:schemeClr val="bg2">
+                  <a:lumMod val="75000"/>
+                </a:schemeClr>
+              </a:buClr>
+              <a:buFont typeface="Wingdings" pitchFamily="2" charset="2"/>
+              <a:buChar char="q"/>
+            </a:pPr>
+            <a:r>
+              <a:rPr lang="es-ES" sz="2400" dirty="0" smtClean="0"/>
+              <a:t> Trabajo desdoblamientos CON BALON + (</a:t>
+            </a:r>
+            <a:r>
+              <a:rPr lang="es-ES" sz="2400" dirty="0" smtClean="0">
+                <a:effectLst>
+                  <a:outerShdw blurRad="38100" dist="38100" dir="2700000" algn="tl">
+                    <a:srgbClr val="000000">
+                      <a:alpha val="43137"/>
+                    </a:srgbClr>
+                  </a:outerShdw>
+                </a:effectLst>
+              </a:rPr>
+              <a:t>CONTINUIDAD</a:t>
+            </a:r>
+            <a:r>
+              <a:rPr lang="es-ES" sz="2400" dirty="0" smtClean="0"/>
+              <a:t>)</a:t>
+            </a:r>
+          </a:p>
+          <a:p>
+            <a:pPr lvl="2">
+              <a:buClr>
+                <a:schemeClr val="bg2">
+                  <a:lumMod val="75000"/>
+                </a:schemeClr>
+              </a:buClr>
+              <a:buFont typeface="Courier New" pitchFamily="49" charset="0"/>
+              <a:buChar char="o"/>
+            </a:pPr>
+            <a:r>
+              <a:rPr lang="es-ES" sz="2400" dirty="0" smtClean="0"/>
+              <a:t> </a:t>
+            </a:r>
+            <a:r>
+              <a:rPr lang="es-ES" sz="2000" dirty="0" smtClean="0"/>
+              <a:t>Desdoblamiento de lateral :</a:t>
+            </a:r>
+          </a:p>
+          <a:p>
+            <a:pPr lvl="3">
+              <a:buClr>
+                <a:schemeClr val="bg2">
+                  <a:lumMod val="75000"/>
+                </a:schemeClr>
+              </a:buClr>
+              <a:buFont typeface="Courier New" pitchFamily="49" charset="0"/>
+              <a:buChar char="o"/>
+            </a:pPr>
+            <a:r>
+              <a:rPr lang="es-ES" sz="2000" dirty="0" smtClean="0"/>
+              <a:t>  Corto </a:t>
+            </a:r>
+            <a:r>
+              <a:rPr lang="es-ES" sz="2000" dirty="0" smtClean="0">
+                <a:sym typeface="Wingdings" pitchFamily="2" charset="2"/>
+              </a:rPr>
+              <a:t> Pantalla</a:t>
+            </a:r>
+          </a:p>
+          <a:p>
+            <a:pPr lvl="3">
+              <a:buClr>
+                <a:schemeClr val="bg2">
+                  <a:lumMod val="75000"/>
+                </a:schemeClr>
+              </a:buClr>
+              <a:buFont typeface="Courier New" pitchFamily="49" charset="0"/>
+              <a:buChar char="o"/>
+            </a:pPr>
+            <a:r>
+              <a:rPr lang="es-ES" sz="2000" dirty="0" smtClean="0">
+                <a:sym typeface="Wingdings" pitchFamily="2" charset="2"/>
+              </a:rPr>
+              <a:t>  Largo  Situación de 1 x 1</a:t>
+            </a:r>
+            <a:endParaRPr lang="es-ES" sz="2000" dirty="0" smtClean="0"/>
+          </a:p>
+          <a:p>
+            <a:pPr lvl="2">
+              <a:buClr>
+                <a:schemeClr val="bg2">
+                  <a:lumMod val="75000"/>
+                </a:schemeClr>
+              </a:buClr>
+              <a:buFont typeface="Courier New" pitchFamily="49" charset="0"/>
+              <a:buChar char="o"/>
+            </a:pPr>
+            <a:r>
+              <a:rPr lang="es-ES" sz="2000" dirty="0" smtClean="0"/>
+              <a:t>  Desdoblamiento de extremo</a:t>
+            </a:r>
+          </a:p>
+          <a:p>
+            <a:pPr lvl="3">
+              <a:buClr>
+                <a:schemeClr val="bg2">
+                  <a:lumMod val="75000"/>
+                </a:schemeClr>
+              </a:buClr>
+              <a:buFont typeface="Courier New" pitchFamily="49" charset="0"/>
+              <a:buChar char="o"/>
+            </a:pPr>
+            <a:r>
+              <a:rPr lang="es-ES" sz="2000" dirty="0" smtClean="0"/>
+              <a:t>  2 x 2 </a:t>
+            </a:r>
+          </a:p>
+          <a:p>
+            <a:pPr lvl="3">
+              <a:buClr>
+                <a:schemeClr val="bg2">
+                  <a:lumMod val="75000"/>
+                </a:schemeClr>
+              </a:buClr>
+              <a:buFont typeface="Courier New" pitchFamily="49" charset="0"/>
+              <a:buChar char="o"/>
+            </a:pPr>
+            <a:r>
+              <a:rPr lang="es-ES" sz="2000" dirty="0" smtClean="0"/>
+              <a:t>  Iniciar ataque al centro sin balón.</a:t>
+            </a:r>
+          </a:p>
+          <a:p>
+            <a:pPr lvl="3">
+              <a:buClr>
+                <a:schemeClr val="bg2">
+                  <a:lumMod val="75000"/>
+                </a:schemeClr>
+              </a:buClr>
+              <a:buFont typeface="Courier New" pitchFamily="49" charset="0"/>
+              <a:buChar char="o"/>
+            </a:pPr>
+            <a:r>
+              <a:rPr lang="es-ES" sz="2000" dirty="0" smtClean="0"/>
+              <a:t>  No hacer nada </a:t>
+            </a:r>
+            <a:r>
+              <a:rPr lang="es-ES" sz="2000" dirty="0" smtClean="0">
+                <a:sym typeface="Wingdings" pitchFamily="2" charset="2"/>
+              </a:rPr>
+              <a:t> abrir para que inicie el ataque el central</a:t>
+            </a:r>
+          </a:p>
+          <a:p>
+            <a:pPr lvl="2">
+              <a:buClr>
+                <a:schemeClr val="bg2">
+                  <a:lumMod val="75000"/>
+                </a:schemeClr>
+              </a:buClr>
+              <a:buFont typeface="Courier New" pitchFamily="49" charset="0"/>
+              <a:buChar char="o"/>
+            </a:pPr>
+            <a:r>
+              <a:rPr lang="es-ES" sz="2000" dirty="0" smtClean="0">
+                <a:sym typeface="Wingdings" pitchFamily="2" charset="2"/>
+              </a:rPr>
+              <a:t>  Desdoblamiento de central</a:t>
+            </a:r>
+          </a:p>
+          <a:p>
+            <a:pPr lvl="3">
+              <a:buClr>
+                <a:schemeClr val="bg2">
+                  <a:lumMod val="75000"/>
+                </a:schemeClr>
+              </a:buClr>
+              <a:buFont typeface="Courier New" pitchFamily="49" charset="0"/>
+              <a:buChar char="o"/>
+            </a:pPr>
+            <a:r>
+              <a:rPr lang="es-ES" sz="2000" dirty="0" smtClean="0">
+                <a:solidFill>
+                  <a:srgbClr val="FF0000"/>
+                </a:solidFill>
+                <a:sym typeface="Wingdings" pitchFamily="2" charset="2"/>
+              </a:rPr>
+              <a:t>  ??????????????????????</a:t>
+            </a:r>
+            <a:endParaRPr lang="es-ES" sz="2000" dirty="0">
+              <a:solidFill>
+                <a:srgbClr val="FF0000"/>
+              </a:solidFill>
+            </a:endParaRPr>
+          </a:p>
+        </p:txBody>
+      </p:sp>
+    </p:spTree>
+  </p:cSld>
+  <p:clrMapOvr>
+    <a:masterClrMapping/>
+  </p:clrMapOvr>
+  <p:timing>
+    <p:tnLst>
+      <p:par>
+        <p:cTn id="1" dur="indefinite" restart="never" nodeType="tmRoot"/>
+      </p:par>
+    </p:tnLst>
+  </p:timing>
+</p:sld>
+</file>
+
+<file path=ppt/slides/slide15.xml><?xml version="1.0" encoding="utf-8"?>
+<p:sld xmlns:a="http://schemas.openxmlformats.org/drawingml/2006/main" xmlns:r="http://schemas.openxmlformats.org/officeDocument/2006/relationships" xmlns:p="http://schemas.openxmlformats.org/presentationml/2006/main">
+  <p:cSld>
+    <p:spTree>
+      <p:nvGrpSpPr>
+        <p:cNvPr id="1" name=""/>
+        <p:cNvGrpSpPr/>
+        <p:nvPr/>
+      </p:nvGrpSpPr>
+      <p:grpSpPr>
+        <a:xfrm>
+          <a:off x="0" y="0"/>
+          <a:ext cx="0" cy="0"/>
+          <a:chOff x="0" y="0"/>
+          <a:chExt cx="0" cy="0"/>
+        </a:xfrm>
+      </p:grpSpPr>
+      <p:sp>
+        <p:nvSpPr>
+          <p:cNvPr id="3" name="2 Título"/>
+          <p:cNvSpPr>
+            <a:spLocks noGrp="1"/>
+          </p:cNvSpPr>
+          <p:nvPr>
+            <p:ph type="title"/>
+          </p:nvPr>
+        </p:nvSpPr>
+        <p:spPr/>
+        <p:txBody>
+          <a:bodyPr>
+            <a:normAutofit/>
+          </a:bodyPr>
+          <a:lstStyle/>
+          <a:p>
+            <a:r>
+              <a:rPr lang="es-ES" dirty="0" smtClean="0"/>
+              <a:t>Formas y sistemas de juego colectivas</a:t>
+            </a:r>
+            <a:endParaRPr lang="es-ES" dirty="0"/>
+          </a:p>
+        </p:txBody>
+      </p:sp>
+      <p:sp>
+        <p:nvSpPr>
+          <p:cNvPr id="5" name="4 Rectángulo"/>
+          <p:cNvSpPr/>
+          <p:nvPr/>
+        </p:nvSpPr>
+        <p:spPr>
+          <a:xfrm>
+            <a:off x="500034" y="1285860"/>
+            <a:ext cx="7643866" cy="461665"/>
+          </a:xfrm>
+          <a:prstGeom prst="rect">
+            <a:avLst/>
+          </a:prstGeom>
+        </p:spPr>
+        <p:style>
+          <a:lnRef idx="0">
+            <a:schemeClr val="accent2"/>
+          </a:lnRef>
+          <a:fillRef idx="3">
+            <a:schemeClr val="accent2"/>
+          </a:fillRef>
+          <a:effectRef idx="3">
+            <a:schemeClr val="accent2"/>
+          </a:effectRef>
+          <a:fontRef idx="minor">
+            <a:schemeClr val="lt1"/>
+          </a:fontRef>
+        </p:style>
+        <p:txBody>
+          <a:bodyPr wrap="square">
+            <a:spAutoFit/>
+          </a:bodyPr>
+          <a:lstStyle/>
+          <a:p>
+            <a:r>
+              <a:rPr lang="es-ES" dirty="0" smtClean="0"/>
+              <a:t> </a:t>
+            </a:r>
+            <a:r>
+              <a:rPr lang="es-ES" sz="2400" dirty="0" smtClean="0"/>
+              <a:t>Ataque contra 6:0</a:t>
+            </a:r>
+            <a:endParaRPr lang="es-ES" sz="2400" dirty="0"/>
+          </a:p>
+        </p:txBody>
+      </p:sp>
+      <p:sp>
+        <p:nvSpPr>
+          <p:cNvPr id="6" name="5 CuadroTexto"/>
+          <p:cNvSpPr txBox="1"/>
+          <p:nvPr/>
+        </p:nvSpPr>
+        <p:spPr>
+          <a:xfrm>
+            <a:off x="500034" y="2000240"/>
+            <a:ext cx="8286808" cy="2369880"/>
+          </a:xfrm>
+          <a:prstGeom prst="rect">
+            <a:avLst/>
+          </a:prstGeom>
+        </p:spPr>
+        <p:style>
+          <a:lnRef idx="2">
+            <a:schemeClr val="accent2"/>
+          </a:lnRef>
+          <a:fillRef idx="1">
+            <a:schemeClr val="lt1"/>
+          </a:fillRef>
+          <a:effectRef idx="0">
+            <a:schemeClr val="accent2"/>
+          </a:effectRef>
+          <a:fontRef idx="minor">
+            <a:schemeClr val="dk1"/>
+          </a:fontRef>
+        </p:style>
+        <p:txBody>
+          <a:bodyPr wrap="square" rtlCol="0">
+            <a:spAutoFit/>
+          </a:bodyPr>
+          <a:lstStyle/>
+          <a:p>
+            <a:pPr>
+              <a:buClr>
+                <a:schemeClr val="bg2">
+                  <a:lumMod val="75000"/>
+                </a:schemeClr>
+              </a:buClr>
+              <a:buFont typeface="Wingdings" pitchFamily="2" charset="2"/>
+              <a:buChar char="q"/>
+            </a:pPr>
+            <a:r>
+              <a:rPr lang="es-ES" sz="2400" dirty="0" smtClean="0"/>
+              <a:t> Trabajo desdoblamientos SIN BALON + (</a:t>
+            </a:r>
+            <a:r>
+              <a:rPr lang="es-ES" sz="2400" dirty="0" smtClean="0">
+                <a:effectLst>
+                  <a:outerShdw blurRad="38100" dist="38100" dir="2700000" algn="tl">
+                    <a:srgbClr val="000000">
+                      <a:alpha val="43137"/>
+                    </a:srgbClr>
+                  </a:outerShdw>
+                </a:effectLst>
+              </a:rPr>
+              <a:t>CONTINUIDAD</a:t>
+            </a:r>
+            <a:r>
+              <a:rPr lang="es-ES" sz="2400" dirty="0" smtClean="0"/>
+              <a:t>)</a:t>
+            </a:r>
+          </a:p>
+          <a:p>
+            <a:pPr lvl="2">
+              <a:buClr>
+                <a:schemeClr val="bg2">
+                  <a:lumMod val="75000"/>
+                </a:schemeClr>
+              </a:buClr>
+              <a:buFont typeface="Courier New" pitchFamily="49" charset="0"/>
+              <a:buChar char="o"/>
+            </a:pPr>
+            <a:r>
+              <a:rPr lang="es-ES" sz="2400" dirty="0" smtClean="0"/>
+              <a:t> </a:t>
+            </a:r>
+            <a:r>
+              <a:rPr lang="es-ES" sz="2000" dirty="0" smtClean="0"/>
+              <a:t>Desdoblamiento de lateral :</a:t>
+            </a:r>
+          </a:p>
+          <a:p>
+            <a:pPr lvl="3">
+              <a:buClr>
+                <a:schemeClr val="bg2">
+                  <a:lumMod val="75000"/>
+                </a:schemeClr>
+              </a:buClr>
+            </a:pPr>
+            <a:endParaRPr lang="es-ES" sz="2000" dirty="0" smtClean="0"/>
+          </a:p>
+          <a:p>
+            <a:pPr lvl="2">
+              <a:buClr>
+                <a:schemeClr val="bg2">
+                  <a:lumMod val="75000"/>
+                </a:schemeClr>
+              </a:buClr>
+              <a:buFont typeface="Courier New" pitchFamily="49" charset="0"/>
+              <a:buChar char="o"/>
+            </a:pPr>
+            <a:r>
+              <a:rPr lang="es-ES" sz="2000" dirty="0" smtClean="0"/>
+              <a:t>  Desdoblamiento de extremo</a:t>
+            </a:r>
+          </a:p>
+          <a:p>
+            <a:pPr lvl="3">
+              <a:buClr>
+                <a:schemeClr val="bg2">
+                  <a:lumMod val="75000"/>
+                </a:schemeClr>
+              </a:buClr>
+            </a:pPr>
+            <a:endParaRPr lang="es-ES" sz="2000" dirty="0" smtClean="0">
+              <a:sym typeface="Wingdings" pitchFamily="2" charset="2"/>
+            </a:endParaRPr>
+          </a:p>
+          <a:p>
+            <a:pPr lvl="2">
+              <a:buClr>
+                <a:schemeClr val="bg2">
+                  <a:lumMod val="75000"/>
+                </a:schemeClr>
+              </a:buClr>
+              <a:buFont typeface="Courier New" pitchFamily="49" charset="0"/>
+              <a:buChar char="o"/>
+            </a:pPr>
+            <a:r>
+              <a:rPr lang="es-ES" sz="2000" dirty="0" smtClean="0">
+                <a:sym typeface="Wingdings" pitchFamily="2" charset="2"/>
+              </a:rPr>
+              <a:t>  Desdoblamiento de central</a:t>
+            </a:r>
+          </a:p>
+          <a:p>
+            <a:pPr lvl="3">
+              <a:buClr>
+                <a:schemeClr val="bg2">
+                  <a:lumMod val="75000"/>
+                </a:schemeClr>
+              </a:buClr>
+              <a:buFont typeface="Courier New" pitchFamily="49" charset="0"/>
+              <a:buChar char="o"/>
+            </a:pPr>
+            <a:r>
+              <a:rPr lang="es-ES" sz="2000" dirty="0" smtClean="0">
+                <a:sym typeface="Wingdings" pitchFamily="2" charset="2"/>
+              </a:rPr>
+              <a:t>  Pantalla para lateral </a:t>
+            </a:r>
+            <a:endParaRPr lang="es-ES" sz="2000" dirty="0"/>
+          </a:p>
+        </p:txBody>
+      </p:sp>
+    </p:spTree>
+  </p:cSld>
+  <p:clrMapOvr>
+    <a:masterClrMapping/>
+  </p:clrMapOvr>
+  <p:timing>
+    <p:tnLst>
+      <p:par>
+        <p:cTn id="1" dur="indefinite" restart="never" nodeType="tmRoot"/>
+      </p:par>
+    </p:tnLst>
+  </p:timing>
+</p:sld>
+</file>
+
+<file path=ppt/slides/slide16.xml><?xml version="1.0" encoding="utf-8"?>
+<p:sld xmlns:a="http://schemas.openxmlformats.org/drawingml/2006/main" xmlns:r="http://schemas.openxmlformats.org/officeDocument/2006/relationships" xmlns:p="http://schemas.openxmlformats.org/presentationml/2006/main">
+  <p:cSld>
+    <p:spTree>
+      <p:nvGrpSpPr>
+        <p:cNvPr id="1" name=""/>
+        <p:cNvGrpSpPr/>
+        <p:nvPr/>
+      </p:nvGrpSpPr>
+      <p:grpSpPr>
+        <a:xfrm>
+          <a:off x="0" y="0"/>
+          <a:ext cx="0" cy="0"/>
+          <a:chOff x="0" y="0"/>
+          <a:chExt cx="0" cy="0"/>
+        </a:xfrm>
+      </p:grpSpPr>
+      <p:sp>
+        <p:nvSpPr>
+          <p:cNvPr id="3" name="2 Título"/>
+          <p:cNvSpPr>
+            <a:spLocks noGrp="1"/>
+          </p:cNvSpPr>
+          <p:nvPr>
+            <p:ph type="title"/>
+          </p:nvPr>
+        </p:nvSpPr>
+        <p:spPr/>
+        <p:txBody>
+          <a:bodyPr>
+            <a:normAutofit/>
+          </a:bodyPr>
+          <a:lstStyle/>
+          <a:p>
+            <a:r>
+              <a:rPr lang="es-ES" dirty="0" smtClean="0"/>
+              <a:t>Formas y sistemas de juego colectivas</a:t>
+            </a:r>
+            <a:endParaRPr lang="es-ES" dirty="0"/>
+          </a:p>
+        </p:txBody>
+      </p:sp>
+      <p:sp>
+        <p:nvSpPr>
+          <p:cNvPr id="5" name="4 Rectángulo"/>
+          <p:cNvSpPr/>
+          <p:nvPr/>
+        </p:nvSpPr>
+        <p:spPr>
+          <a:xfrm>
+            <a:off x="500034" y="1285860"/>
+            <a:ext cx="7643866" cy="461665"/>
+          </a:xfrm>
+          <a:prstGeom prst="rect">
+            <a:avLst/>
+          </a:prstGeom>
+        </p:spPr>
+        <p:style>
+          <a:lnRef idx="0">
+            <a:schemeClr val="accent2"/>
+          </a:lnRef>
+          <a:fillRef idx="3">
+            <a:schemeClr val="accent2"/>
+          </a:fillRef>
+          <a:effectRef idx="3">
+            <a:schemeClr val="accent2"/>
+          </a:effectRef>
+          <a:fontRef idx="minor">
+            <a:schemeClr val="lt1"/>
+          </a:fontRef>
+        </p:style>
+        <p:txBody>
+          <a:bodyPr wrap="square">
+            <a:spAutoFit/>
+          </a:bodyPr>
+          <a:lstStyle/>
+          <a:p>
+            <a:r>
+              <a:rPr lang="es-ES" dirty="0" smtClean="0"/>
+              <a:t> </a:t>
+            </a:r>
+            <a:r>
+              <a:rPr lang="es-ES" sz="2400" dirty="0" smtClean="0"/>
+              <a:t>Ataque contra 6:0</a:t>
+            </a:r>
+            <a:endParaRPr lang="es-ES" sz="2400" dirty="0"/>
+          </a:p>
+        </p:txBody>
+      </p:sp>
+      <p:sp>
+        <p:nvSpPr>
+          <p:cNvPr id="6" name="5 CuadroTexto"/>
+          <p:cNvSpPr txBox="1"/>
+          <p:nvPr/>
+        </p:nvSpPr>
+        <p:spPr>
+          <a:xfrm>
+            <a:off x="500034" y="2000240"/>
+            <a:ext cx="8286808" cy="1138773"/>
+          </a:xfrm>
+          <a:prstGeom prst="rect">
+            <a:avLst/>
+          </a:prstGeom>
+        </p:spPr>
+        <p:style>
+          <a:lnRef idx="2">
+            <a:schemeClr val="accent2"/>
+          </a:lnRef>
+          <a:fillRef idx="1">
+            <a:schemeClr val="lt1"/>
+          </a:fillRef>
+          <a:effectRef idx="0">
+            <a:schemeClr val="accent2"/>
+          </a:effectRef>
+          <a:fontRef idx="minor">
+            <a:schemeClr val="dk1"/>
+          </a:fontRef>
+        </p:style>
+        <p:txBody>
+          <a:bodyPr wrap="square" rtlCol="0">
+            <a:spAutoFit/>
+          </a:bodyPr>
+          <a:lstStyle/>
+          <a:p>
+            <a:pPr>
+              <a:buClr>
+                <a:schemeClr val="bg2">
+                  <a:lumMod val="75000"/>
+                </a:schemeClr>
+              </a:buClr>
+              <a:buFont typeface="Wingdings" pitchFamily="2" charset="2"/>
+              <a:buChar char="q"/>
+            </a:pPr>
+            <a:r>
+              <a:rPr lang="es-ES" sz="2400" dirty="0" smtClean="0"/>
+              <a:t> Otras acciones + (CONTINUIDAD)</a:t>
+            </a:r>
+          </a:p>
+          <a:p>
+            <a:pPr lvl="2">
+              <a:buClr>
+                <a:schemeClr val="bg2">
+                  <a:lumMod val="75000"/>
+                </a:schemeClr>
+              </a:buClr>
+              <a:buFont typeface="Courier New" pitchFamily="49" charset="0"/>
+              <a:buChar char="o"/>
+            </a:pPr>
+            <a:r>
+              <a:rPr lang="es-ES" sz="2400" dirty="0" smtClean="0"/>
+              <a:t> </a:t>
+            </a:r>
+            <a:r>
+              <a:rPr lang="es-ES" sz="2000" dirty="0" smtClean="0"/>
+              <a:t>“Hacer saltar”</a:t>
+            </a:r>
+          </a:p>
+          <a:p>
+            <a:pPr lvl="2">
+              <a:buClr>
+                <a:schemeClr val="bg2">
+                  <a:lumMod val="75000"/>
+                </a:schemeClr>
+              </a:buClr>
+              <a:buFont typeface="Courier New" pitchFamily="49" charset="0"/>
+              <a:buChar char="o"/>
+            </a:pPr>
+            <a:r>
+              <a:rPr lang="es-ES" sz="2000" dirty="0" smtClean="0"/>
+              <a:t>  2 : 3 :  2</a:t>
+            </a:r>
+          </a:p>
+        </p:txBody>
+      </p:sp>
+    </p:spTree>
+  </p:cSld>
+  <p:clrMapOvr>
+    <a:masterClrMapping/>
+  </p:clrMapOvr>
+  <p:timing>
+    <p:tnLst>
+      <p:par>
+        <p:cTn id="1" dur="indefinite" restart="never" nodeType="tmRoot"/>
+      </p:par>
+    </p:tnLst>
+  </p:timing>
+</p:sld>
+</file>
+
+<file path=ppt/slides/slide17.xml><?xml version="1.0" encoding="utf-8"?>
+<p:sld xmlns:a="http://schemas.openxmlformats.org/drawingml/2006/main" xmlns:r="http://schemas.openxmlformats.org/officeDocument/2006/relationships" xmlns:p="http://schemas.openxmlformats.org/presentationml/2006/main">
+  <p:cSld>
+    <p:spTree>
+      <p:nvGrpSpPr>
+        <p:cNvPr id="1" name=""/>
+        <p:cNvGrpSpPr/>
+        <p:nvPr/>
+      </p:nvGrpSpPr>
+      <p:grpSpPr>
+        <a:xfrm>
+          <a:off x="0" y="0"/>
+          <a:ext cx="0" cy="0"/>
+          <a:chOff x="0" y="0"/>
+          <a:chExt cx="0" cy="0"/>
+        </a:xfrm>
+      </p:grpSpPr>
+      <p:sp>
+        <p:nvSpPr>
+          <p:cNvPr id="3" name="2 Título"/>
+          <p:cNvSpPr>
+            <a:spLocks noGrp="1"/>
+          </p:cNvSpPr>
+          <p:nvPr>
+            <p:ph type="title"/>
+          </p:nvPr>
+        </p:nvSpPr>
+        <p:spPr/>
+        <p:txBody>
+          <a:bodyPr>
+            <a:normAutofit/>
+          </a:bodyPr>
+          <a:lstStyle/>
+          <a:p>
+            <a:r>
+              <a:rPr lang="es-ES" dirty="0" smtClean="0"/>
+              <a:t>Formas y sistemas de juego colectivas</a:t>
+            </a:r>
+            <a:endParaRPr lang="es-ES" dirty="0"/>
+          </a:p>
+        </p:txBody>
+      </p:sp>
+      <p:sp>
+        <p:nvSpPr>
+          <p:cNvPr id="4" name="3 CuadroTexto"/>
+          <p:cNvSpPr txBox="1"/>
+          <p:nvPr/>
+        </p:nvSpPr>
+        <p:spPr>
+          <a:xfrm>
+            <a:off x="642910" y="1357298"/>
+            <a:ext cx="5572164" cy="461665"/>
+          </a:xfrm>
+          <a:prstGeom prst="rect">
+            <a:avLst/>
+          </a:prstGeom>
+          <a:noFill/>
+        </p:spPr>
+        <p:txBody>
+          <a:bodyPr wrap="square" rtlCol="0">
+            <a:spAutoFit/>
+          </a:bodyPr>
+          <a:lstStyle/>
+          <a:p>
+            <a:pPr>
+              <a:buFont typeface="Wingdings" pitchFamily="2" charset="2"/>
+              <a:buChar char="q"/>
+            </a:pPr>
+            <a:r>
+              <a:rPr lang="es-ES" sz="2400" dirty="0" smtClean="0"/>
+              <a:t>  Ataque contra 5:1</a:t>
+            </a:r>
+            <a:endParaRPr lang="es-ES" sz="2400" dirty="0"/>
+          </a:p>
+        </p:txBody>
+      </p:sp>
+    </p:spTree>
+  </p:cSld>
+  <p:clrMapOvr>
+    <a:masterClrMapping/>
+  </p:clrMapOvr>
+  <p:timing>
+    <p:tnLst>
+      <p:par>
+        <p:cTn id="1" dur="indefinite" restart="never" nodeType="tmRoot"/>
+      </p:par>
+    </p:tnLst>
+  </p:timing>
+</p:sld>
+</file>
+
+<file path=ppt/slides/slide18.xml><?xml version="1.0" encoding="utf-8"?>
+<p:sld xmlns:a="http://schemas.openxmlformats.org/drawingml/2006/main" xmlns:r="http://schemas.openxmlformats.org/officeDocument/2006/relationships" xmlns:p="http://schemas.openxmlformats.org/presentationml/2006/main">
+  <p:cSld>
+    <p:spTree>
+      <p:nvGrpSpPr>
+        <p:cNvPr id="1" name=""/>
+        <p:cNvGrpSpPr/>
+        <p:nvPr/>
+      </p:nvGrpSpPr>
+      <p:grpSpPr>
+        <a:xfrm>
+          <a:off x="0" y="0"/>
+          <a:ext cx="0" cy="0"/>
+          <a:chOff x="0" y="0"/>
+          <a:chExt cx="0" cy="0"/>
+        </a:xfrm>
+      </p:grpSpPr>
+      <p:sp>
+        <p:nvSpPr>
+          <p:cNvPr id="3" name="2 Título"/>
+          <p:cNvSpPr>
+            <a:spLocks noGrp="1"/>
+          </p:cNvSpPr>
+          <p:nvPr>
+            <p:ph type="title"/>
+          </p:nvPr>
+        </p:nvSpPr>
+        <p:spPr/>
+        <p:txBody>
+          <a:bodyPr>
+            <a:normAutofit/>
+          </a:bodyPr>
+          <a:lstStyle/>
+          <a:p>
+            <a:r>
+              <a:rPr lang="es-ES" dirty="0" smtClean="0"/>
+              <a:t>Formas y sistemas de juego colectivas</a:t>
             </a:r>
             <a:endParaRPr lang="es-ES" dirty="0"/>
           </a:p>
@@ -4451,11 +6138,106 @@
             </a:pPr>
             <a:r>
               <a:rPr lang="es-ES" sz="2400" dirty="0" smtClean="0"/>
-              <a:t>  </a:t>
-            </a:r>
-            <a:r>
-              <a:rPr lang="es-ES" sz="2400" smtClean="0"/>
-              <a:t>Ataque inferioridad</a:t>
+              <a:t>  Ataque contra 5:1(Zona lateral, </a:t>
+            </a:r>
+            <a:r>
+              <a:rPr lang="es-ES" sz="2400" dirty="0" err="1" smtClean="0"/>
+              <a:t>ej</a:t>
+            </a:r>
+            <a:r>
+              <a:rPr lang="es-ES" sz="2400" dirty="0" smtClean="0"/>
+              <a:t>: Pilar)</a:t>
+            </a:r>
+            <a:endParaRPr lang="es-ES" sz="2400" dirty="0"/>
+          </a:p>
+        </p:txBody>
+      </p:sp>
+    </p:spTree>
+  </p:cSld>
+  <p:clrMapOvr>
+    <a:masterClrMapping/>
+  </p:clrMapOvr>
+  <p:timing>
+    <p:tnLst>
+      <p:par>
+        <p:cTn id="1" dur="indefinite" restart="never" nodeType="tmRoot"/>
+      </p:par>
+    </p:tnLst>
+  </p:timing>
+</p:sld>
+</file>
+
+<file path=ppt/slides/slide19.xml><?xml version="1.0" encoding="utf-8"?>
+<p:sld xmlns:a="http://schemas.openxmlformats.org/drawingml/2006/main" xmlns:r="http://schemas.openxmlformats.org/officeDocument/2006/relationships" xmlns:p="http://schemas.openxmlformats.org/presentationml/2006/main">
+  <p:cSld>
+    <p:spTree>
+      <p:nvGrpSpPr>
+        <p:cNvPr id="1" name=""/>
+        <p:cNvGrpSpPr/>
+        <p:nvPr/>
+      </p:nvGrpSpPr>
+      <p:grpSpPr>
+        <a:xfrm>
+          <a:off x="0" y="0"/>
+          <a:ext cx="0" cy="0"/>
+          <a:chOff x="0" y="0"/>
+          <a:chExt cx="0" cy="0"/>
+        </a:xfrm>
+      </p:grpSpPr>
+      <p:sp>
+        <p:nvSpPr>
+          <p:cNvPr id="3" name="2 Título"/>
+          <p:cNvSpPr>
+            <a:spLocks noGrp="1"/>
+          </p:cNvSpPr>
+          <p:nvPr>
+            <p:ph type="title"/>
+          </p:nvPr>
+        </p:nvSpPr>
+        <p:spPr/>
+        <p:txBody>
+          <a:bodyPr>
+            <a:normAutofit/>
+          </a:bodyPr>
+          <a:lstStyle/>
+          <a:p>
+            <a:r>
+              <a:rPr lang="es-ES" dirty="0" smtClean="0"/>
+              <a:t>Formas y sistemas de juego colectivas</a:t>
+            </a:r>
+            <a:endParaRPr lang="es-ES" dirty="0"/>
+          </a:p>
+        </p:txBody>
+      </p:sp>
+      <p:sp>
+        <p:nvSpPr>
+          <p:cNvPr id="4" name="3 CuadroTexto"/>
+          <p:cNvSpPr txBox="1"/>
+          <p:nvPr/>
+        </p:nvSpPr>
+        <p:spPr>
+          <a:xfrm>
+            <a:off x="642910" y="1357298"/>
+            <a:ext cx="6215106" cy="461665"/>
+          </a:xfrm>
+          <a:prstGeom prst="rect">
+            <a:avLst/>
+          </a:prstGeom>
+          <a:noFill/>
+        </p:spPr>
+        <p:txBody>
+          <a:bodyPr wrap="square" rtlCol="0">
+            <a:spAutoFit/>
+          </a:bodyPr>
+          <a:lstStyle/>
+          <a:p>
+            <a:pPr>
+              <a:buFont typeface="Wingdings" pitchFamily="2" charset="2"/>
+              <a:buChar char="q"/>
+            </a:pPr>
+            <a:r>
+              <a:rPr lang="es-ES" sz="2400" dirty="0" smtClean="0"/>
+              <a:t>  Ataque ante defensa 4:2 (Romo 9/11/2010)</a:t>
             </a:r>
             <a:endParaRPr lang="es-ES" sz="2400" dirty="0"/>
           </a:p>
@@ -4495,211 +6277,577 @@
       </p:grpSpPr>
       <p:sp>
         <p:nvSpPr>
-          <p:cNvPr id="17415" name="Text Box 7"/>
+          <p:cNvPr id="2" name="1 Título"/>
+          <p:cNvSpPr>
+            <a:spLocks noGrp="1"/>
+          </p:cNvSpPr>
+          <p:nvPr>
+            <p:ph type="title"/>
+          </p:nvPr>
+        </p:nvSpPr>
+        <p:spPr/>
+        <p:txBody>
+          <a:bodyPr/>
+          <a:lstStyle/>
+          <a:p>
+            <a:endParaRPr lang="es-ES"/>
+          </a:p>
+        </p:txBody>
+      </p:sp>
+      <p:sp>
+        <p:nvSpPr>
+          <p:cNvPr id="5" name="Rectangle 3"/>
           <p:cNvSpPr txBox="1">
             <a:spLocks noChangeArrowheads="1"/>
           </p:cNvSpPr>
           <p:nvPr/>
         </p:nvSpPr>
-        <p:spPr bwMode="auto">
+        <p:spPr>
           <a:xfrm>
-            <a:off x="3203575" y="3573463"/>
-            <a:ext cx="4464050" cy="1314450"/>
+            <a:off x="642910" y="1428736"/>
+            <a:ext cx="7215238" cy="3429024"/>
           </a:xfrm>
           <a:prstGeom prst="rect">
             <a:avLst/>
           </a:prstGeom>
-          <a:ln>
-            <a:headEnd/>
-            <a:tailEnd/>
+          <a:ln w="28575">
+            <a:solidFill>
+              <a:srgbClr val="000066"/>
+            </a:solidFill>
           </a:ln>
         </p:spPr>
-        <p:style>
-          <a:lnRef idx="0">
-            <a:schemeClr val="accent1"/>
-          </a:lnRef>
-          <a:fillRef idx="3">
-            <a:schemeClr val="accent1"/>
-          </a:fillRef>
-          <a:effectRef idx="3">
-            <a:schemeClr val="accent1"/>
-          </a:effectRef>
-          <a:fontRef idx="minor">
-            <a:schemeClr val="lt1"/>
-          </a:fontRef>
-        </p:style>
+        <p:txBody>
+          <a:bodyPr vert="horz">
+            <a:normAutofit/>
+          </a:bodyPr>
+          <a:lstStyle/>
+          <a:p>
+            <a:pPr marL="274320" marR="0" lvl="0" indent="-274320" algn="l" defTabSz="914400" rtl="0" eaLnBrk="1" fontAlgn="auto" latinLnBrk="0" hangingPunct="1">
+              <a:lnSpc>
+                <a:spcPct val="100000"/>
+              </a:lnSpc>
+              <a:spcBef>
+                <a:spcPts val="600"/>
+              </a:spcBef>
+              <a:spcAft>
+                <a:spcPts val="0"/>
+              </a:spcAft>
+              <a:buClr>
+                <a:schemeClr val="accent1"/>
+              </a:buClr>
+              <a:buSzPct val="76000"/>
+              <a:buFont typeface="Wingdings 3"/>
+              <a:buChar char=""/>
+              <a:tabLst/>
+              <a:defRPr/>
+            </a:pPr>
+            <a:r>
+              <a:rPr kumimoji="0" lang="es-ES_tradnl" sz="2400" b="0" i="0" u="none" strike="noStrike" kern="1200" cap="none" spc="0" normalizeH="0" baseline="0" noProof="0" dirty="0" smtClean="0">
+                <a:ln>
+                  <a:noFill/>
+                </a:ln>
+                <a:solidFill>
+                  <a:srgbClr val="000066"/>
+                </a:solidFill>
+                <a:effectLst/>
+                <a:uLnTx/>
+                <a:uFillTx/>
+                <a:latin typeface="+mn-lt"/>
+                <a:ea typeface="+mn-ea"/>
+                <a:cs typeface="+mn-cs"/>
+              </a:rPr>
+              <a:t>PRIMER OBJETIVO:</a:t>
+            </a:r>
+          </a:p>
+          <a:p>
+            <a:pPr marL="548640" marR="0" lvl="1" indent="-274320" algn="l" defTabSz="914400" rtl="0" eaLnBrk="1" fontAlgn="auto" latinLnBrk="0" hangingPunct="1">
+              <a:lnSpc>
+                <a:spcPct val="100000"/>
+              </a:lnSpc>
+              <a:spcBef>
+                <a:spcPts val="500"/>
+              </a:spcBef>
+              <a:spcAft>
+                <a:spcPts val="0"/>
+              </a:spcAft>
+              <a:buClr>
+                <a:schemeClr val="accent2"/>
+              </a:buClr>
+              <a:buSzPct val="76000"/>
+              <a:buFont typeface="Wingdings 3"/>
+              <a:buChar char=""/>
+              <a:tabLst/>
+              <a:defRPr/>
+            </a:pPr>
+            <a:r>
+              <a:rPr kumimoji="0" lang="es-ES_tradnl" sz="2400" b="0" i="0" u="none" strike="noStrike" kern="1200" cap="none" spc="0" normalizeH="0" baseline="0" noProof="0" dirty="0" smtClean="0">
+                <a:ln>
+                  <a:noFill/>
+                </a:ln>
+                <a:solidFill>
+                  <a:srgbClr val="000066"/>
+                </a:solidFill>
+                <a:effectLst/>
+                <a:uLnTx/>
+                <a:uFillTx/>
+                <a:latin typeface="+mn-lt"/>
+                <a:ea typeface="+mn-ea"/>
+                <a:cs typeface="+mn-cs"/>
+              </a:rPr>
+              <a:t>Creación de un modelo teórico</a:t>
+            </a:r>
+            <a:r>
+              <a:rPr kumimoji="0" lang="es-ES_tradnl" sz="2400" b="0" i="0" u="none" strike="noStrike" kern="1200" cap="none" spc="0" normalizeH="0" baseline="0" noProof="0" dirty="0" smtClean="0">
+                <a:ln>
+                  <a:noFill/>
+                </a:ln>
+                <a:solidFill>
+                  <a:schemeClr val="tx2"/>
+                </a:solidFill>
+                <a:effectLst/>
+                <a:uLnTx/>
+                <a:uFillTx/>
+                <a:latin typeface="+mn-lt"/>
+                <a:ea typeface="+mn-ea"/>
+                <a:cs typeface="+mn-cs"/>
+              </a:rPr>
+              <a:t>.</a:t>
+            </a:r>
+          </a:p>
+          <a:p>
+            <a:pPr marL="274320" marR="0" lvl="0" indent="-274320" algn="l" defTabSz="914400" rtl="0" eaLnBrk="1" fontAlgn="auto" latinLnBrk="0" hangingPunct="1">
+              <a:lnSpc>
+                <a:spcPct val="100000"/>
+              </a:lnSpc>
+              <a:spcBef>
+                <a:spcPts val="600"/>
+              </a:spcBef>
+              <a:spcAft>
+                <a:spcPts val="0"/>
+              </a:spcAft>
+              <a:buClr>
+                <a:schemeClr val="accent1"/>
+              </a:buClr>
+              <a:buSzPct val="76000"/>
+              <a:buFont typeface="Wingdings 3"/>
+              <a:buChar char=""/>
+              <a:tabLst/>
+              <a:defRPr/>
+            </a:pPr>
+            <a:r>
+              <a:rPr kumimoji="0" lang="es-ES_tradnl" sz="2400" b="0" i="0" u="none" strike="noStrike" kern="1200" cap="none" spc="0" normalizeH="0" baseline="0" noProof="0" dirty="0" smtClean="0">
+                <a:ln>
+                  <a:noFill/>
+                </a:ln>
+                <a:solidFill>
+                  <a:srgbClr val="000066"/>
+                </a:solidFill>
+                <a:effectLst/>
+                <a:uLnTx/>
+                <a:uFillTx/>
+                <a:latin typeface="+mn-lt"/>
+                <a:ea typeface="+mn-ea"/>
+                <a:cs typeface="+mn-cs"/>
+              </a:rPr>
+              <a:t>SEGUNDO OBJETIVO</a:t>
+            </a:r>
+            <a:r>
+              <a:rPr kumimoji="0" lang="es-ES_tradnl" sz="2800" b="0" i="0" u="none" strike="noStrike" kern="1200" cap="none" spc="0" normalizeH="0" baseline="0" noProof="0" dirty="0" smtClean="0">
+                <a:ln>
+                  <a:noFill/>
+                </a:ln>
+                <a:solidFill>
+                  <a:srgbClr val="000066"/>
+                </a:solidFill>
+                <a:effectLst/>
+                <a:uLnTx/>
+                <a:uFillTx/>
+                <a:latin typeface="+mn-lt"/>
+                <a:ea typeface="+mn-ea"/>
+                <a:cs typeface="+mn-cs"/>
+              </a:rPr>
+              <a:t>:</a:t>
+            </a:r>
+          </a:p>
+          <a:p>
+            <a:pPr marL="548640" marR="0" lvl="1" indent="-274320" algn="l" defTabSz="914400" rtl="0" eaLnBrk="1" fontAlgn="auto" latinLnBrk="0" hangingPunct="1">
+              <a:lnSpc>
+                <a:spcPct val="100000"/>
+              </a:lnSpc>
+              <a:spcBef>
+                <a:spcPts val="500"/>
+              </a:spcBef>
+              <a:spcAft>
+                <a:spcPts val="0"/>
+              </a:spcAft>
+              <a:buClr>
+                <a:schemeClr val="accent2"/>
+              </a:buClr>
+              <a:buSzPct val="76000"/>
+              <a:buFont typeface="Wingdings 3"/>
+              <a:buChar char=""/>
+              <a:tabLst/>
+              <a:defRPr/>
+            </a:pPr>
+            <a:r>
+              <a:rPr kumimoji="0" lang="es-ES_tradnl" sz="2400" b="0" i="0" u="none" strike="noStrike" kern="1200" cap="none" spc="0" normalizeH="0" baseline="0" noProof="0" dirty="0" smtClean="0">
+                <a:ln>
+                  <a:noFill/>
+                </a:ln>
+                <a:solidFill>
+                  <a:srgbClr val="000066"/>
+                </a:solidFill>
+                <a:effectLst/>
+                <a:uLnTx/>
+                <a:uFillTx/>
+                <a:latin typeface="+mn-lt"/>
+                <a:ea typeface="+mn-ea"/>
+                <a:cs typeface="+mn-cs"/>
+              </a:rPr>
+              <a:t>Transmitirlo a los jugadores y entrenarlo</a:t>
+            </a:r>
+          </a:p>
+          <a:p>
+            <a:pPr marL="274320" marR="0" lvl="0" indent="-274320" algn="l" defTabSz="914400" rtl="0" eaLnBrk="1" fontAlgn="auto" latinLnBrk="0" hangingPunct="1">
+              <a:lnSpc>
+                <a:spcPct val="100000"/>
+              </a:lnSpc>
+              <a:spcBef>
+                <a:spcPts val="600"/>
+              </a:spcBef>
+              <a:spcAft>
+                <a:spcPts val="0"/>
+              </a:spcAft>
+              <a:buClr>
+                <a:schemeClr val="accent1"/>
+              </a:buClr>
+              <a:buSzPct val="76000"/>
+              <a:buFont typeface="Wingdings 3"/>
+              <a:buChar char=""/>
+              <a:tabLst/>
+              <a:defRPr/>
+            </a:pPr>
+            <a:r>
+              <a:rPr kumimoji="0" lang="es-ES_tradnl" sz="2400" b="0" i="0" u="none" strike="noStrike" kern="1200" cap="none" spc="0" normalizeH="0" baseline="0" noProof="0" dirty="0" smtClean="0">
+                <a:ln>
+                  <a:noFill/>
+                </a:ln>
+                <a:solidFill>
+                  <a:srgbClr val="000066"/>
+                </a:solidFill>
+                <a:effectLst/>
+                <a:uLnTx/>
+                <a:uFillTx/>
+                <a:latin typeface="+mn-lt"/>
+                <a:ea typeface="+mn-ea"/>
+                <a:cs typeface="+mn-cs"/>
+              </a:rPr>
+              <a:t>TERCER OBJETIVO</a:t>
+            </a:r>
+            <a:r>
+              <a:rPr kumimoji="0" lang="es-ES_tradnl" sz="2800" b="0" i="0" u="none" strike="noStrike" kern="1200" cap="none" spc="0" normalizeH="0" baseline="0" noProof="0" dirty="0" smtClean="0">
+                <a:ln>
+                  <a:noFill/>
+                </a:ln>
+                <a:solidFill>
+                  <a:srgbClr val="000066"/>
+                </a:solidFill>
+                <a:effectLst/>
+                <a:uLnTx/>
+                <a:uFillTx/>
+                <a:latin typeface="+mn-lt"/>
+                <a:ea typeface="+mn-ea"/>
+                <a:cs typeface="+mn-cs"/>
+              </a:rPr>
+              <a:t>:</a:t>
+            </a:r>
+          </a:p>
+          <a:p>
+            <a:pPr marL="548640" marR="0" lvl="1" indent="-274320" algn="l" defTabSz="914400" rtl="0" eaLnBrk="1" fontAlgn="auto" latinLnBrk="0" hangingPunct="1">
+              <a:lnSpc>
+                <a:spcPct val="100000"/>
+              </a:lnSpc>
+              <a:spcBef>
+                <a:spcPts val="500"/>
+              </a:spcBef>
+              <a:spcAft>
+                <a:spcPts val="0"/>
+              </a:spcAft>
+              <a:buClr>
+                <a:schemeClr val="accent2"/>
+              </a:buClr>
+              <a:buSzPct val="76000"/>
+              <a:buFont typeface="Wingdings 3"/>
+              <a:buChar char=""/>
+              <a:tabLst/>
+              <a:defRPr/>
+            </a:pPr>
+            <a:r>
+              <a:rPr kumimoji="0" lang="es-ES_tradnl" sz="2400" b="0" i="0" u="none" strike="noStrike" kern="1200" cap="none" spc="0" normalizeH="0" baseline="0" noProof="0" dirty="0" smtClean="0">
+                <a:ln>
+                  <a:noFill/>
+                </a:ln>
+                <a:solidFill>
+                  <a:srgbClr val="000066"/>
+                </a:solidFill>
+                <a:effectLst/>
+                <a:uLnTx/>
+                <a:uFillTx/>
+                <a:latin typeface="+mn-lt"/>
+                <a:ea typeface="+mn-ea"/>
+                <a:cs typeface="+mn-cs"/>
+              </a:rPr>
+              <a:t>Consolidarlo y perfeccionarlo.</a:t>
+            </a:r>
+          </a:p>
+          <a:p>
+            <a:pPr marL="274320" marR="0" lvl="0" indent="-274320" algn="l" defTabSz="914400" rtl="0" eaLnBrk="1" fontAlgn="auto" latinLnBrk="0" hangingPunct="1">
+              <a:lnSpc>
+                <a:spcPct val="100000"/>
+              </a:lnSpc>
+              <a:spcBef>
+                <a:spcPts val="600"/>
+              </a:spcBef>
+              <a:spcAft>
+                <a:spcPts val="0"/>
+              </a:spcAft>
+              <a:buClr>
+                <a:schemeClr val="accent1"/>
+              </a:buClr>
+              <a:buSzPct val="76000"/>
+              <a:buFont typeface="Wingdings 3"/>
+              <a:buChar char=""/>
+              <a:tabLst/>
+              <a:defRPr/>
+            </a:pPr>
+            <a:endParaRPr kumimoji="0" lang="es-ES_tradnl" sz="2800" b="0" i="0" u="none" strike="noStrike" kern="1200" cap="none" spc="0" normalizeH="0" baseline="0" noProof="0" dirty="0" smtClean="0">
+              <a:ln>
+                <a:noFill/>
+              </a:ln>
+              <a:solidFill>
+                <a:srgbClr val="000066"/>
+              </a:solidFill>
+              <a:effectLst/>
+              <a:uLnTx/>
+              <a:uFillTx/>
+              <a:latin typeface="+mn-lt"/>
+              <a:ea typeface="+mn-ea"/>
+              <a:cs typeface="+mn-cs"/>
+            </a:endParaRPr>
+          </a:p>
+          <a:p>
+            <a:pPr marL="548640" marR="0" lvl="1" indent="-274320" algn="l" defTabSz="914400" rtl="0" eaLnBrk="1" fontAlgn="auto" latinLnBrk="0" hangingPunct="1">
+              <a:lnSpc>
+                <a:spcPct val="100000"/>
+              </a:lnSpc>
+              <a:spcBef>
+                <a:spcPts val="500"/>
+              </a:spcBef>
+              <a:spcAft>
+                <a:spcPts val="0"/>
+              </a:spcAft>
+              <a:buClr>
+                <a:schemeClr val="accent2"/>
+              </a:buClr>
+              <a:buSzPct val="76000"/>
+              <a:buFont typeface="Wingdings 3"/>
+              <a:buChar char=""/>
+              <a:tabLst/>
+              <a:defRPr/>
+            </a:pPr>
+            <a:endParaRPr kumimoji="0" lang="es-ES_tradnl" sz="2400" b="0" i="0" u="none" strike="noStrike" kern="1200" cap="none" spc="0" normalizeH="0" baseline="0" noProof="0" dirty="0">
+              <a:ln>
+                <a:noFill/>
+              </a:ln>
+              <a:solidFill>
+                <a:schemeClr val="tx2"/>
+              </a:solidFill>
+              <a:effectLst/>
+              <a:uLnTx/>
+              <a:uFillTx/>
+              <a:latin typeface="+mn-lt"/>
+              <a:ea typeface="+mn-ea"/>
+              <a:cs typeface="+mn-cs"/>
+            </a:endParaRPr>
+          </a:p>
+        </p:txBody>
+      </p:sp>
+    </p:spTree>
+  </p:cSld>
+  <p:clrMapOvr>
+    <a:masterClrMapping/>
+  </p:clrMapOvr>
+</p:sld>
+</file>
+
+<file path=ppt/slides/slide20.xml><?xml version="1.0" encoding="utf-8"?>
+<p:sld xmlns:a="http://schemas.openxmlformats.org/drawingml/2006/main" xmlns:r="http://schemas.openxmlformats.org/officeDocument/2006/relationships" xmlns:p="http://schemas.openxmlformats.org/presentationml/2006/main">
+  <p:cSld>
+    <p:spTree>
+      <p:nvGrpSpPr>
+        <p:cNvPr id="1" name=""/>
+        <p:cNvGrpSpPr/>
+        <p:nvPr/>
+      </p:nvGrpSpPr>
+      <p:grpSpPr>
+        <a:xfrm>
+          <a:off x="0" y="0"/>
+          <a:ext cx="0" cy="0"/>
+          <a:chOff x="0" y="0"/>
+          <a:chExt cx="0" cy="0"/>
+        </a:xfrm>
+      </p:grpSpPr>
+      <p:sp>
+        <p:nvSpPr>
+          <p:cNvPr id="3" name="2 Título"/>
+          <p:cNvSpPr>
+            <a:spLocks noGrp="1"/>
+          </p:cNvSpPr>
+          <p:nvPr>
+            <p:ph type="title"/>
+          </p:nvPr>
+        </p:nvSpPr>
+        <p:spPr/>
         <p:txBody>
           <a:bodyPr>
-            <a:spAutoFit/>
-            <a:flatTx/>
+            <a:normAutofit/>
           </a:bodyPr>
           <a:lstStyle/>
           <a:p>
             <a:r>
-              <a:rPr lang="es-ES_tradnl" sz="1600" b="1" dirty="0"/>
-              <a:t>Filosofía ofensiva</a:t>
-            </a:r>
-          </a:p>
-          <a:p>
-            <a:r>
-              <a:rPr lang="es-ES_tradnl" sz="1600" b="1" dirty="0"/>
-              <a:t>Conductas motrices y comportamientos asociados al modelo de juego</a:t>
-            </a:r>
-          </a:p>
-          <a:p>
-            <a:r>
-              <a:rPr lang="es-ES_tradnl" sz="1600" b="1" dirty="0"/>
+              <a:rPr lang="es-ES" dirty="0" smtClean="0"/>
               <a:t>Formas y sistemas de juego colectivas</a:t>
             </a:r>
-          </a:p>
-        </p:txBody>
-      </p:sp>
-      <p:sp>
-        <p:nvSpPr>
-          <p:cNvPr id="17418" name="Text Box 10"/>
-          <p:cNvSpPr txBox="1">
-            <a:spLocks noChangeArrowheads="1"/>
-          </p:cNvSpPr>
+            <a:endParaRPr lang="es-ES" dirty="0"/>
+          </a:p>
+        </p:txBody>
+      </p:sp>
+      <p:sp>
+        <p:nvSpPr>
+          <p:cNvPr id="4" name="3 CuadroTexto"/>
+          <p:cNvSpPr txBox="1"/>
           <p:nvPr/>
         </p:nvSpPr>
-        <p:spPr bwMode="auto">
-          <a:xfrm rot="10800000">
-            <a:off x="858699" y="1052513"/>
-            <a:ext cx="1046440" cy="4826000"/>
+        <p:spPr>
+          <a:xfrm>
+            <a:off x="642910" y="1357298"/>
+            <a:ext cx="6215106" cy="461665"/>
           </a:xfrm>
           <a:prstGeom prst="rect">
             <a:avLst/>
           </a:prstGeom>
-          <a:ln>
-            <a:headEnd/>
-            <a:tailEnd/>
-          </a:ln>
-        </p:spPr>
-        <p:style>
-          <a:lnRef idx="0">
-            <a:schemeClr val="accent6"/>
-          </a:lnRef>
-          <a:fillRef idx="3">
-            <a:schemeClr val="accent6"/>
-          </a:fillRef>
-          <a:effectRef idx="3">
-            <a:schemeClr val="accent6"/>
-          </a:effectRef>
-          <a:fontRef idx="minor">
-            <a:schemeClr val="lt1"/>
-          </a:fontRef>
-        </p:style>
-        <p:txBody>
-          <a:bodyPr vert="eaVert">
+          <a:noFill/>
+        </p:spPr>
+        <p:txBody>
+          <a:bodyPr wrap="square" rtlCol="0">
             <a:spAutoFit/>
           </a:bodyPr>
           <a:lstStyle/>
           <a:p>
-            <a:pPr algn="ctr"/>
-            <a:r>
-              <a:rPr lang="es-ES_tradnl" sz="2800" b="1" dirty="0">
-                <a:ln w="12700">
-                  <a:solidFill>
-                    <a:schemeClr val="tx2">
-                      <a:satMod val="155000"/>
-                    </a:schemeClr>
-                  </a:solidFill>
-                  <a:prstDash val="solid"/>
-                </a:ln>
-                <a:solidFill>
-                  <a:schemeClr val="bg2">
-                    <a:tint val="85000"/>
-                    <a:satMod val="155000"/>
-                  </a:schemeClr>
-                </a:solidFill>
-                <a:effectLst>
-                  <a:outerShdw blurRad="41275" dist="20320" dir="1800000" algn="tl" rotWithShape="0">
-                    <a:srgbClr val="000000">
-                      <a:alpha val="40000"/>
-                    </a:srgbClr>
-                  </a:outerShdw>
-                </a:effectLst>
-              </a:rPr>
-              <a:t>SOPORTE  FÍSICO </a:t>
-            </a:r>
-          </a:p>
-          <a:p>
-            <a:pPr algn="ctr"/>
-            <a:r>
-              <a:rPr lang="es-ES_tradnl" sz="2800" b="1" dirty="0">
-                <a:ln w="12700">
-                  <a:solidFill>
-                    <a:schemeClr val="tx2">
-                      <a:satMod val="155000"/>
-                    </a:schemeClr>
-                  </a:solidFill>
-                  <a:prstDash val="solid"/>
-                </a:ln>
-                <a:solidFill>
-                  <a:schemeClr val="bg2">
-                    <a:tint val="85000"/>
-                    <a:satMod val="155000"/>
-                  </a:schemeClr>
-                </a:solidFill>
-                <a:effectLst>
-                  <a:outerShdw blurRad="41275" dist="20320" dir="1800000" algn="tl" rotWithShape="0">
-                    <a:srgbClr val="000000">
-                      <a:alpha val="40000"/>
-                    </a:srgbClr>
-                  </a:outerShdw>
-                </a:effectLst>
-              </a:rPr>
-              <a:t>CARGA</a:t>
-            </a:r>
-          </a:p>
-        </p:txBody>
-      </p:sp>
-      <p:sp>
-        <p:nvSpPr>
-          <p:cNvPr id="17425" name="AutoShape 17"/>
-          <p:cNvSpPr>
-            <a:spLocks noChangeArrowheads="1"/>
-          </p:cNvSpPr>
+            <a:pPr>
+              <a:buFont typeface="Wingdings" pitchFamily="2" charset="2"/>
+              <a:buChar char="q"/>
+            </a:pPr>
+            <a:r>
+              <a:rPr lang="es-ES" sz="2400" dirty="0" smtClean="0"/>
+              <a:t>  Ataque Superioridad</a:t>
+            </a:r>
+            <a:endParaRPr lang="es-ES" sz="2400" dirty="0"/>
+          </a:p>
+        </p:txBody>
+      </p:sp>
+    </p:spTree>
+  </p:cSld>
+  <p:clrMapOvr>
+    <a:masterClrMapping/>
+  </p:clrMapOvr>
+  <p:timing>
+    <p:tnLst>
+      <p:par>
+        <p:cTn id="1" dur="indefinite" restart="never" nodeType="tmRoot"/>
+      </p:par>
+    </p:tnLst>
+  </p:timing>
+</p:sld>
+</file>
+
+<file path=ppt/slides/slide21.xml><?xml version="1.0" encoding="utf-8"?>
+<p:sld xmlns:a="http://schemas.openxmlformats.org/drawingml/2006/main" xmlns:r="http://schemas.openxmlformats.org/officeDocument/2006/relationships" xmlns:p="http://schemas.openxmlformats.org/presentationml/2006/main">
+  <p:cSld>
+    <p:spTree>
+      <p:nvGrpSpPr>
+        <p:cNvPr id="1" name=""/>
+        <p:cNvGrpSpPr/>
+        <p:nvPr/>
+      </p:nvGrpSpPr>
+      <p:grpSpPr>
+        <a:xfrm>
+          <a:off x="0" y="0"/>
+          <a:ext cx="0" cy="0"/>
+          <a:chOff x="0" y="0"/>
+          <a:chExt cx="0" cy="0"/>
+        </a:xfrm>
+      </p:grpSpPr>
+      <p:sp>
+        <p:nvSpPr>
+          <p:cNvPr id="3" name="2 Título"/>
+          <p:cNvSpPr>
+            <a:spLocks noGrp="1"/>
+          </p:cNvSpPr>
+          <p:nvPr>
+            <p:ph type="title"/>
+          </p:nvPr>
+        </p:nvSpPr>
+        <p:spPr/>
+        <p:txBody>
+          <a:bodyPr>
+            <a:normAutofit/>
+          </a:bodyPr>
+          <a:lstStyle/>
+          <a:p>
+            <a:r>
+              <a:rPr lang="es-ES" dirty="0" smtClean="0"/>
+              <a:t>Formas y sistemas de juego colectivas</a:t>
+            </a:r>
+            <a:endParaRPr lang="es-ES" dirty="0"/>
+          </a:p>
+        </p:txBody>
+      </p:sp>
+      <p:sp>
+        <p:nvSpPr>
+          <p:cNvPr id="4" name="3 CuadroTexto"/>
+          <p:cNvSpPr txBox="1"/>
           <p:nvPr/>
         </p:nvSpPr>
-        <p:spPr bwMode="auto">
+        <p:spPr>
           <a:xfrm>
-            <a:off x="2268538" y="3644900"/>
-            <a:ext cx="576262" cy="719138"/>
-          </a:xfrm>
-          <a:prstGeom prst="leftRightArrow">
-            <a:avLst>
-              <a:gd name="adj1" fmla="val 50000"/>
-              <a:gd name="adj2" fmla="val 20000"/>
-            </a:avLst>
+            <a:off x="642910" y="1357298"/>
+            <a:ext cx="6215106" cy="461665"/>
+          </a:xfrm>
+          <a:prstGeom prst="rect">
+            <a:avLst/>
           </a:prstGeom>
-          <a:ln>
-            <a:headEnd/>
-            <a:tailEnd/>
-          </a:ln>
-        </p:spPr>
-        <p:style>
-          <a:lnRef idx="2">
-            <a:schemeClr val="accent6"/>
-          </a:lnRef>
-          <a:fillRef idx="1">
-            <a:schemeClr val="lt1"/>
-          </a:fillRef>
-          <a:effectRef idx="0">
-            <a:schemeClr val="accent6"/>
-          </a:effectRef>
-          <a:fontRef idx="minor">
-            <a:schemeClr val="dk1"/>
-          </a:fontRef>
-        </p:style>
-        <p:txBody>
-          <a:bodyPr vert="eaVert" wrap="none" anchor="ctr">
+          <a:noFill/>
+        </p:spPr>
+        <p:txBody>
+          <a:bodyPr wrap="square" rtlCol="0">
             <a:spAutoFit/>
-            <a:flatTx/>
           </a:bodyPr>
           <a:lstStyle/>
           <a:p>
-            <a:endParaRPr lang="es-ES"/>
+            <a:pPr>
+              <a:buFont typeface="Wingdings" pitchFamily="2" charset="2"/>
+              <a:buChar char="q"/>
+            </a:pPr>
+            <a:r>
+              <a:rPr lang="es-ES" sz="2400" dirty="0" smtClean="0"/>
+              <a:t>  </a:t>
+            </a:r>
+            <a:r>
+              <a:rPr lang="es-ES" sz="2400" smtClean="0"/>
+              <a:t>Ataque inferioridad</a:t>
+            </a:r>
+            <a:endParaRPr lang="es-ES" sz="2400" dirty="0"/>
           </a:p>
         </p:txBody>
       </p:sp>
@@ -4737,172 +6885,249 @@
       </p:grpSpPr>
       <p:sp>
         <p:nvSpPr>
-          <p:cNvPr id="8194" name="Rectangle 2"/>
-          <p:cNvSpPr>
-            <a:spLocks noGrp="1" noChangeArrowheads="1"/>
-          </p:cNvSpPr>
-          <p:nvPr>
-            <p:ph type="title"/>
-          </p:nvPr>
-        </p:nvSpPr>
-        <p:spPr>
+          <p:cNvPr id="17415" name="Text Box 7"/>
+          <p:cNvSpPr txBox="1">
+            <a:spLocks noChangeArrowheads="1"/>
+          </p:cNvSpPr>
+          <p:nvPr/>
+        </p:nvSpPr>
+        <p:spPr bwMode="auto">
           <a:xfrm>
-            <a:off x="684213" y="260350"/>
-            <a:ext cx="7772400" cy="1143000"/>
-          </a:xfrm>
+            <a:off x="2927452" y="2500306"/>
+            <a:ext cx="6002266" cy="1938992"/>
+          </a:xfrm>
+          <a:prstGeom prst="rect">
+            <a:avLst/>
+          </a:prstGeom>
           <a:ln>
-            <a:solidFill>
-              <a:srgbClr val="FFFF00"/>
-            </a:solidFill>
+            <a:headEnd/>
+            <a:tailEnd/>
           </a:ln>
         </p:spPr>
-        <p:txBody>
-          <a:bodyPr>
-            <a:normAutofit fontScale="90000"/>
+        <p:style>
+          <a:lnRef idx="0">
+            <a:schemeClr val="accent1"/>
+          </a:lnRef>
+          <a:fillRef idx="3">
+            <a:schemeClr val="accent1"/>
+          </a:fillRef>
+          <a:effectRef idx="3">
+            <a:schemeClr val="accent1"/>
+          </a:effectRef>
+          <a:fontRef idx="minor">
+            <a:schemeClr val="lt1"/>
+          </a:fontRef>
+        </p:style>
+        <p:txBody>
+          <a:bodyPr wrap="square">
+            <a:spAutoFit/>
+            <a:flatTx/>
           </a:bodyPr>
           <a:lstStyle/>
           <a:p>
-            <a:r>
-              <a:rPr lang="es-ES_tradnl" sz="3600">
+            <a:pPr>
+              <a:buFont typeface="Wingdings" pitchFamily="2" charset="2"/>
+              <a:buChar char="q"/>
+            </a:pPr>
+            <a:r>
+              <a:rPr lang="es-ES_tradnl" sz="2000" b="1" dirty="0" smtClean="0"/>
+              <a:t>  Filosofía ofensiva</a:t>
+            </a:r>
+          </a:p>
+          <a:p>
+            <a:pPr>
+              <a:buFont typeface="Wingdings" pitchFamily="2" charset="2"/>
+              <a:buChar char="q"/>
+            </a:pPr>
+            <a:endParaRPr lang="es-ES_tradnl" sz="2000" b="1" dirty="0"/>
+          </a:p>
+          <a:p>
+            <a:pPr>
+              <a:buFont typeface="Wingdings" pitchFamily="2" charset="2"/>
+              <a:buChar char="q"/>
+            </a:pPr>
+            <a:r>
+              <a:rPr lang="es-ES_tradnl" sz="2000" b="1" dirty="0" smtClean="0"/>
+              <a:t>  Conductas </a:t>
+            </a:r>
+            <a:r>
+              <a:rPr lang="es-ES_tradnl" sz="2000" b="1" dirty="0"/>
+              <a:t>motrices y comportamientos asociados al modelo de </a:t>
+            </a:r>
+            <a:r>
+              <a:rPr lang="es-ES_tradnl" sz="2000" b="1" dirty="0" smtClean="0"/>
+              <a:t>juego</a:t>
+            </a:r>
+          </a:p>
+          <a:p>
+            <a:pPr>
+              <a:buFont typeface="Wingdings" pitchFamily="2" charset="2"/>
+              <a:buChar char="q"/>
+            </a:pPr>
+            <a:endParaRPr lang="es-ES_tradnl" sz="2000" b="1" dirty="0"/>
+          </a:p>
+          <a:p>
+            <a:pPr>
+              <a:buFont typeface="Wingdings" pitchFamily="2" charset="2"/>
+              <a:buChar char="q"/>
+            </a:pPr>
+            <a:r>
+              <a:rPr lang="es-ES_tradnl" sz="2000" b="1" dirty="0" smtClean="0"/>
+              <a:t>  Formas </a:t>
+            </a:r>
+            <a:r>
+              <a:rPr lang="es-ES_tradnl" sz="2000" b="1" dirty="0"/>
+              <a:t>y sistemas de juego colectivas</a:t>
+            </a:r>
+          </a:p>
+        </p:txBody>
+      </p:sp>
+      <p:sp>
+        <p:nvSpPr>
+          <p:cNvPr id="17418" name="Text Box 10"/>
+          <p:cNvSpPr txBox="1">
+            <a:spLocks noChangeArrowheads="1"/>
+          </p:cNvSpPr>
+          <p:nvPr/>
+        </p:nvSpPr>
+        <p:spPr bwMode="auto">
+          <a:xfrm rot="10800000">
+            <a:off x="642911" y="1052513"/>
+            <a:ext cx="1046440" cy="4826000"/>
+          </a:xfrm>
+          <a:prstGeom prst="rect">
+            <a:avLst/>
+          </a:prstGeom>
+          <a:ln>
+            <a:headEnd/>
+            <a:tailEnd/>
+          </a:ln>
+        </p:spPr>
+        <p:style>
+          <a:lnRef idx="0">
+            <a:schemeClr val="accent3"/>
+          </a:lnRef>
+          <a:fillRef idx="3">
+            <a:schemeClr val="accent3"/>
+          </a:fillRef>
+          <a:effectRef idx="3">
+            <a:schemeClr val="accent3"/>
+          </a:effectRef>
+          <a:fontRef idx="minor">
+            <a:schemeClr val="lt1"/>
+          </a:fontRef>
+        </p:style>
+        <p:txBody>
+          <a:bodyPr vert="eaVert">
+            <a:spAutoFit/>
+          </a:bodyPr>
+          <a:lstStyle/>
+          <a:p>
+            <a:pPr algn="ctr"/>
+            <a:r>
+              <a:rPr lang="es-ES_tradnl" sz="2800" b="1" dirty="0">
+                <a:ln w="12700">
+                  <a:solidFill>
+                    <a:schemeClr val="tx2">
+                      <a:satMod val="155000"/>
+                    </a:schemeClr>
+                  </a:solidFill>
+                  <a:prstDash val="solid"/>
+                </a:ln>
                 <a:solidFill>
-                  <a:srgbClr val="FFFF00"/>
+                  <a:schemeClr val="bg2">
+                    <a:tint val="85000"/>
+                    <a:satMod val="155000"/>
+                  </a:schemeClr>
                 </a:solidFill>
+                <a:effectLst>
+                  <a:outerShdw blurRad="41275" dist="20320" dir="1800000" algn="tl" rotWithShape="0">
+                    <a:srgbClr val="000000">
+                      <a:alpha val="40000"/>
+                    </a:srgbClr>
+                  </a:outerShdw>
+                </a:effectLst>
               </a:rPr>
-              <a:t>CONCEPCIÓN DEL MODELO DE JUEGO</a:t>
-            </a:r>
-            <a:endParaRPr lang="es-ES_tradnl">
-              <a:solidFill>
-                <a:srgbClr val="FFFF00"/>
-              </a:solidFill>
-            </a:endParaRPr>
-          </a:p>
-        </p:txBody>
-      </p:sp>
-      <p:sp>
-        <p:nvSpPr>
-          <p:cNvPr id="8195" name="Rectangle 3"/>
-          <p:cNvSpPr>
-            <a:spLocks noGrp="1" noChangeArrowheads="1"/>
-          </p:cNvSpPr>
-          <p:nvPr>
-            <p:ph sz="quarter" idx="1"/>
-          </p:nvPr>
-        </p:nvSpPr>
-        <p:spPr/>
-        <p:txBody>
-          <a:bodyPr/>
-          <a:lstStyle/>
-          <a:p>
-            <a:endParaRPr lang="es-ES_tradnl"/>
-          </a:p>
-          <a:p>
-            <a:endParaRPr lang="es-ES_tradnl">
-              <a:solidFill>
-                <a:srgbClr val="000066"/>
-              </a:solidFill>
-            </a:endParaRPr>
-          </a:p>
-        </p:txBody>
-      </p:sp>
-      <p:sp>
-        <p:nvSpPr>
-          <p:cNvPr id="8200" name="Text Box 8"/>
-          <p:cNvSpPr txBox="1">
-            <a:spLocks noGrp="1" noChangeArrowheads="1"/>
-          </p:cNvSpPr>
-          <p:nvPr>
-            <p:ph sz="quarter" idx="2"/>
-          </p:nvPr>
-        </p:nvSpPr>
-        <p:spPr>
+              <a:t>SOPORTE  FÍSICO </a:t>
+            </a:r>
+          </a:p>
+          <a:p>
+            <a:pPr algn="ctr"/>
+            <a:r>
+              <a:rPr lang="es-ES_tradnl" sz="2800" b="1" dirty="0">
+                <a:ln w="12700">
+                  <a:solidFill>
+                    <a:schemeClr val="tx2">
+                      <a:satMod val="155000"/>
+                    </a:schemeClr>
+                  </a:solidFill>
+                  <a:prstDash val="solid"/>
+                </a:ln>
+                <a:solidFill>
+                  <a:schemeClr val="bg2">
+                    <a:tint val="85000"/>
+                    <a:satMod val="155000"/>
+                  </a:schemeClr>
+                </a:solidFill>
+                <a:effectLst>
+                  <a:outerShdw blurRad="41275" dist="20320" dir="1800000" algn="tl" rotWithShape="0">
+                    <a:srgbClr val="000000">
+                      <a:alpha val="40000"/>
+                    </a:srgbClr>
+                  </a:outerShdw>
+                </a:effectLst>
+              </a:rPr>
+              <a:t>CARGA</a:t>
+            </a:r>
+          </a:p>
+        </p:txBody>
+      </p:sp>
+      <p:sp>
+        <p:nvSpPr>
+          <p:cNvPr id="17425" name="AutoShape 17"/>
+          <p:cNvSpPr>
+            <a:spLocks noChangeArrowheads="1"/>
+          </p:cNvSpPr>
+          <p:nvPr/>
+        </p:nvSpPr>
+        <p:spPr bwMode="auto">
           <a:xfrm>
-            <a:off x="785786" y="1785926"/>
-            <a:ext cx="6786610" cy="2857520"/>
-          </a:xfrm>
-          <a:noFill/>
+            <a:off x="2063853" y="2995614"/>
+            <a:ext cx="576262" cy="719138"/>
+          </a:xfrm>
+          <a:prstGeom prst="leftRightArrow">
+            <a:avLst>
+              <a:gd name="adj1" fmla="val 50000"/>
+              <a:gd name="adj2" fmla="val 20000"/>
+            </a:avLst>
+          </a:prstGeom>
           <a:ln>
-            <a:solidFill>
-              <a:srgbClr val="000066"/>
-            </a:solidFill>
+            <a:headEnd/>
+            <a:tailEnd/>
           </a:ln>
         </p:spPr>
-        <p:txBody>
-          <a:bodyPr/>
-          <a:lstStyle/>
-          <a:p>
-            <a:pPr algn="ctr">
-              <a:spcBef>
-                <a:spcPct val="50000"/>
-              </a:spcBef>
-              <a:buFontTx/>
-              <a:buNone/>
-            </a:pPr>
-            <a:r>
-              <a:rPr lang="es-ES_tradnl" dirty="0">
-                <a:solidFill>
-                  <a:srgbClr val="000066"/>
-                </a:solidFill>
-              </a:rPr>
-              <a:t>Concepción </a:t>
-            </a:r>
-            <a:r>
-              <a:rPr lang="es-ES_tradnl" dirty="0" smtClean="0">
-                <a:solidFill>
-                  <a:srgbClr val="000066"/>
-                </a:solidFill>
-              </a:rPr>
-              <a:t>estructuralista</a:t>
-            </a:r>
-            <a:endParaRPr lang="es-ES_tradnl" sz="2400" dirty="0">
-              <a:solidFill>
-                <a:srgbClr val="000066"/>
-              </a:solidFill>
-            </a:endParaRPr>
-          </a:p>
-          <a:p>
-            <a:pPr>
-              <a:spcBef>
-                <a:spcPct val="50000"/>
-              </a:spcBef>
-            </a:pPr>
-            <a:r>
-              <a:rPr lang="es-ES_tradnl" sz="2400" dirty="0">
-                <a:solidFill>
-                  <a:srgbClr val="000066"/>
-                </a:solidFill>
-              </a:rPr>
-              <a:t>Juego complejo y sistematizado: sensación de orden, regularidad y ce situaciones entrenadas.</a:t>
-            </a:r>
-          </a:p>
-          <a:p>
-            <a:pPr>
-              <a:spcBef>
-                <a:spcPct val="50000"/>
-              </a:spcBef>
-            </a:pPr>
-            <a:r>
-              <a:rPr lang="es-ES_tradnl" sz="2400" dirty="0">
-                <a:solidFill>
-                  <a:srgbClr val="000066"/>
-                </a:solidFill>
-              </a:rPr>
-              <a:t>Plan operativo de juego previsto y organizado.</a:t>
-            </a:r>
-          </a:p>
-          <a:p>
-            <a:pPr>
-              <a:spcBef>
-                <a:spcPct val="50000"/>
-              </a:spcBef>
-            </a:pPr>
-            <a:r>
-              <a:rPr lang="es-ES_tradnl" sz="2400" dirty="0">
-                <a:solidFill>
-                  <a:srgbClr val="000066"/>
-                </a:solidFill>
-              </a:rPr>
-              <a:t>Predominio de lo colectivo sobre lo individual.</a:t>
-            </a:r>
+        <p:style>
+          <a:lnRef idx="2">
+            <a:schemeClr val="accent6"/>
+          </a:lnRef>
+          <a:fillRef idx="1">
+            <a:schemeClr val="lt1"/>
+          </a:fillRef>
+          <a:effectRef idx="0">
+            <a:schemeClr val="accent6"/>
+          </a:effectRef>
+          <a:fontRef idx="minor">
+            <a:schemeClr val="dk1"/>
+          </a:fontRef>
+        </p:style>
+        <p:txBody>
+          <a:bodyPr vert="eaVert" wrap="none" anchor="ctr">
+            <a:spAutoFit/>
+            <a:flatTx/>
+          </a:bodyPr>
+          <a:lstStyle/>
+          <a:p>
+            <a:endParaRPr lang="es-ES"/>
           </a:p>
         </p:txBody>
       </p:sp>
@@ -4940,327 +7165,262 @@
       </p:grpSpPr>
       <p:sp>
         <p:nvSpPr>
-          <p:cNvPr id="9219" name="Rectangle 3"/>
-          <p:cNvSpPr>
+          <p:cNvPr id="8200" name="Text Box 8"/>
+          <p:cNvSpPr txBox="1">
             <a:spLocks noGrp="1" noChangeArrowheads="1"/>
           </p:cNvSpPr>
           <p:nvPr>
-            <p:ph type="title"/>
+            <p:ph sz="quarter" idx="2"/>
           </p:nvPr>
         </p:nvSpPr>
         <p:spPr>
           <a:xfrm>
-            <a:off x="533400" y="533400"/>
-            <a:ext cx="7772400" cy="457200"/>
-          </a:xfrm>
-        </p:spPr>
+            <a:off x="642910" y="2500306"/>
+            <a:ext cx="7143800" cy="3429024"/>
+          </a:xfrm>
+          <a:ln/>
+        </p:spPr>
+        <p:style>
+          <a:lnRef idx="0">
+            <a:schemeClr val="accent1"/>
+          </a:lnRef>
+          <a:fillRef idx="3">
+            <a:schemeClr val="accent1"/>
+          </a:fillRef>
+          <a:effectRef idx="3">
+            <a:schemeClr val="accent1"/>
+          </a:effectRef>
+          <a:fontRef idx="minor">
+            <a:schemeClr val="lt1"/>
+          </a:fontRef>
+        </p:style>
         <p:txBody>
           <a:bodyPr>
-            <a:normAutofit fontScale="90000"/>
+            <a:normAutofit/>
           </a:bodyPr>
           <a:lstStyle/>
           <a:p>
-            <a:r>
-              <a:rPr lang="es-ES_tradnl" sz="3600" dirty="0">
+            <a:pPr>
+              <a:spcBef>
+                <a:spcPct val="50000"/>
+              </a:spcBef>
+              <a:buClr>
+                <a:schemeClr val="bg1"/>
+              </a:buClr>
+            </a:pPr>
+            <a:r>
+              <a:rPr lang="es-ES_tradnl" sz="2400" dirty="0" smtClean="0">
+                <a:solidFill>
+                  <a:schemeClr val="bg1"/>
+                </a:solidFill>
+              </a:rPr>
+              <a:t>Juego </a:t>
+            </a:r>
+            <a:r>
+              <a:rPr lang="es-ES_tradnl" sz="2400" dirty="0">
+                <a:solidFill>
+                  <a:schemeClr val="bg1"/>
+                </a:solidFill>
+              </a:rPr>
+              <a:t>complejo y sistematizado: </a:t>
+            </a:r>
+            <a:endParaRPr lang="es-ES_tradnl" sz="2400" dirty="0" smtClean="0">
+              <a:solidFill>
+                <a:schemeClr val="bg1"/>
+              </a:solidFill>
+            </a:endParaRPr>
+          </a:p>
+          <a:p>
+            <a:pPr lvl="2">
+              <a:spcBef>
+                <a:spcPct val="50000"/>
+              </a:spcBef>
+              <a:buClr>
+                <a:schemeClr val="bg1"/>
+              </a:buClr>
+            </a:pPr>
+            <a:r>
+              <a:rPr lang="es-ES_tradnl" sz="1800" dirty="0" smtClean="0">
+                <a:solidFill>
+                  <a:schemeClr val="bg1"/>
+                </a:solidFill>
+              </a:rPr>
+              <a:t>sensación </a:t>
+            </a:r>
+            <a:r>
+              <a:rPr lang="es-ES_tradnl" sz="1800" dirty="0">
+                <a:solidFill>
+                  <a:schemeClr val="bg1"/>
+                </a:solidFill>
+              </a:rPr>
+              <a:t>de orden, </a:t>
+            </a:r>
+            <a:endParaRPr lang="es-ES_tradnl" sz="1800" dirty="0" smtClean="0">
+              <a:solidFill>
+                <a:schemeClr val="bg1"/>
+              </a:solidFill>
+            </a:endParaRPr>
+          </a:p>
+          <a:p>
+            <a:pPr lvl="2">
+              <a:spcBef>
+                <a:spcPct val="50000"/>
+              </a:spcBef>
+              <a:buClr>
+                <a:schemeClr val="bg1"/>
+              </a:buClr>
+            </a:pPr>
+            <a:r>
+              <a:rPr lang="es-ES_tradnl" sz="1800" dirty="0" smtClean="0">
+                <a:solidFill>
+                  <a:schemeClr val="bg1"/>
+                </a:solidFill>
+              </a:rPr>
+              <a:t>regularidad </a:t>
+            </a:r>
+            <a:r>
+              <a:rPr lang="es-ES_tradnl" sz="1800" dirty="0">
+                <a:solidFill>
+                  <a:schemeClr val="bg1"/>
+                </a:solidFill>
+              </a:rPr>
+              <a:t>y </a:t>
+            </a:r>
+            <a:endParaRPr lang="es-ES_tradnl" sz="1800" dirty="0" smtClean="0">
+              <a:solidFill>
+                <a:schemeClr val="bg1"/>
+              </a:solidFill>
+            </a:endParaRPr>
+          </a:p>
+          <a:p>
+            <a:pPr lvl="2">
+              <a:spcBef>
+                <a:spcPct val="50000"/>
+              </a:spcBef>
+              <a:buClr>
+                <a:schemeClr val="bg1"/>
+              </a:buClr>
+            </a:pPr>
+            <a:r>
+              <a:rPr lang="es-ES_tradnl" sz="1800" dirty="0" smtClean="0">
+                <a:solidFill>
+                  <a:schemeClr val="bg1"/>
+                </a:solidFill>
+              </a:rPr>
+              <a:t>ce </a:t>
+            </a:r>
+            <a:r>
+              <a:rPr lang="es-ES_tradnl" sz="1800" dirty="0">
+                <a:solidFill>
+                  <a:schemeClr val="bg1"/>
+                </a:solidFill>
+              </a:rPr>
+              <a:t>situaciones entrenadas.</a:t>
+            </a:r>
+          </a:p>
+          <a:p>
+            <a:pPr>
+              <a:spcBef>
+                <a:spcPct val="50000"/>
+              </a:spcBef>
+              <a:buClr>
+                <a:schemeClr val="bg1"/>
+              </a:buClr>
+            </a:pPr>
+            <a:r>
+              <a:rPr lang="es-ES_tradnl" sz="2400" dirty="0">
+                <a:solidFill>
+                  <a:schemeClr val="bg1"/>
+                </a:solidFill>
+              </a:rPr>
+              <a:t>Plan operativo de juego previsto y organizado.</a:t>
+            </a:r>
+          </a:p>
+          <a:p>
+            <a:pPr>
+              <a:spcBef>
+                <a:spcPct val="50000"/>
+              </a:spcBef>
+              <a:buClr>
+                <a:schemeClr val="bg1"/>
+              </a:buClr>
+            </a:pPr>
+            <a:r>
+              <a:rPr lang="es-ES_tradnl" sz="2400" dirty="0">
+                <a:solidFill>
+                  <a:schemeClr val="bg1"/>
+                </a:solidFill>
+              </a:rPr>
+              <a:t>Predominio de lo colectivo sobre lo individual.</a:t>
+            </a:r>
+          </a:p>
+        </p:txBody>
+      </p:sp>
+      <p:sp>
+        <p:nvSpPr>
+          <p:cNvPr id="7" name="2 Título"/>
+          <p:cNvSpPr>
+            <a:spLocks noGrp="1"/>
+          </p:cNvSpPr>
+          <p:nvPr>
+            <p:ph type="title"/>
+          </p:nvPr>
+        </p:nvSpPr>
+        <p:spPr/>
+        <p:txBody>
+          <a:bodyPr>
+            <a:normAutofit/>
+          </a:bodyPr>
+          <a:lstStyle/>
+          <a:p>
+            <a:r>
+              <a:rPr lang="es-ES" dirty="0" smtClean="0"/>
+              <a:t>Concepción del modelo de juego</a:t>
+            </a:r>
+            <a:endParaRPr lang="es-ES" dirty="0"/>
+          </a:p>
+        </p:txBody>
+      </p:sp>
+      <p:sp>
+        <p:nvSpPr>
+          <p:cNvPr id="8" name="7 Rectángulo"/>
+          <p:cNvSpPr/>
+          <p:nvPr/>
+        </p:nvSpPr>
+        <p:spPr>
+          <a:xfrm>
+            <a:off x="642910" y="1357298"/>
+            <a:ext cx="7072362" cy="584775"/>
+          </a:xfrm>
+          <a:prstGeom prst="rect">
+            <a:avLst/>
+          </a:prstGeom>
+        </p:spPr>
+        <p:txBody>
+          <a:bodyPr wrap="square">
+            <a:spAutoFit/>
+          </a:bodyPr>
+          <a:lstStyle/>
+          <a:p>
+            <a:pPr algn="ctr">
+              <a:spcBef>
+                <a:spcPct val="50000"/>
+              </a:spcBef>
+              <a:buFontTx/>
+              <a:buNone/>
+            </a:pPr>
+            <a:r>
+              <a:rPr lang="es-ES_tradnl" sz="3200" dirty="0" smtClean="0">
                 <a:solidFill>
                   <a:srgbClr val="000066"/>
                 </a:solidFill>
               </a:rPr>
-              <a:t>UN MODELO DE JUEGO</a:t>
-            </a:r>
-            <a:endParaRPr lang="es-ES_tradnl" dirty="0"/>
-          </a:p>
-        </p:txBody>
-      </p:sp>
-      <p:sp>
-        <p:nvSpPr>
-          <p:cNvPr id="9221" name="Text Box 5"/>
-          <p:cNvSpPr txBox="1">
-            <a:spLocks noChangeArrowheads="1"/>
-          </p:cNvSpPr>
-          <p:nvPr/>
-        </p:nvSpPr>
-        <p:spPr bwMode="auto">
-          <a:xfrm>
-            <a:off x="785786" y="1611989"/>
-            <a:ext cx="7834338" cy="2031325"/>
-          </a:xfrm>
-          <a:prstGeom prst="rect">
-            <a:avLst/>
-          </a:prstGeom>
-          <a:noFill/>
-          <a:ln w="9525">
-            <a:solidFill>
-              <a:srgbClr val="000066"/>
-            </a:solidFill>
-            <a:miter lim="800000"/>
-            <a:headEnd/>
-            <a:tailEnd/>
-          </a:ln>
-          <a:effectLst/>
-        </p:spPr>
-        <p:txBody>
-          <a:bodyPr wrap="square">
-            <a:spAutoFit/>
-          </a:bodyPr>
-          <a:lstStyle/>
-          <a:p>
-            <a:pPr algn="l"/>
-            <a:r>
-              <a:rPr lang="es-ES_tradnl" b="1" dirty="0" smtClean="0">
-                <a:solidFill>
-                  <a:srgbClr val="000066"/>
-                </a:solidFill>
-                <a:latin typeface="Tahoma" charset="0"/>
-              </a:rPr>
-              <a:t>-</a:t>
-            </a:r>
-            <a:r>
-              <a:rPr lang="es-ES_tradnl" b="1" dirty="0">
-                <a:solidFill>
-                  <a:srgbClr val="000066"/>
-                </a:solidFill>
-                <a:latin typeface="Tahoma" charset="0"/>
-              </a:rPr>
-              <a:t>Juego libre o creativo</a:t>
-            </a:r>
-          </a:p>
-          <a:p>
-            <a:pPr lvl="1" algn="l"/>
-            <a:r>
-              <a:rPr lang="es-ES_tradnl" b="1" dirty="0">
-                <a:solidFill>
-                  <a:srgbClr val="000066"/>
-                </a:solidFill>
-                <a:latin typeface="Tahoma" charset="0"/>
-              </a:rPr>
-              <a:t>Priorización de medios y procedimientos tácticos.</a:t>
-            </a:r>
-          </a:p>
-          <a:p>
-            <a:pPr algn="l"/>
-            <a:r>
-              <a:rPr lang="es-ES_tradnl" b="1" dirty="0">
-                <a:solidFill>
-                  <a:srgbClr val="000066"/>
-                </a:solidFill>
-                <a:latin typeface="Tahoma" charset="0"/>
-              </a:rPr>
-              <a:t>-Juego sistematizado inicialmente.</a:t>
-            </a:r>
-          </a:p>
-          <a:p>
-            <a:pPr lvl="1" algn="l"/>
-            <a:r>
-              <a:rPr lang="es-ES_tradnl" b="1" dirty="0">
-                <a:solidFill>
-                  <a:srgbClr val="000066"/>
-                </a:solidFill>
-                <a:latin typeface="Tahoma" charset="0"/>
-              </a:rPr>
-              <a:t>Procedimientos tácticos</a:t>
-            </a:r>
-          </a:p>
-          <a:p>
-            <a:pPr lvl="1" algn="l"/>
-            <a:r>
-              <a:rPr lang="es-ES_tradnl" b="1" dirty="0">
-                <a:solidFill>
-                  <a:srgbClr val="000066"/>
-                </a:solidFill>
-                <a:latin typeface="Tahoma" charset="0"/>
-              </a:rPr>
-              <a:t>Coordinación de procedimientos </a:t>
-            </a:r>
-          </a:p>
-          <a:p>
-            <a:pPr lvl="1" algn="l"/>
-            <a:r>
-              <a:rPr lang="es-ES_tradnl" b="1" dirty="0">
-                <a:solidFill>
-                  <a:srgbClr val="000066"/>
-                </a:solidFill>
-                <a:latin typeface="Tahoma" charset="0"/>
-              </a:rPr>
-              <a:t>Respuestas variables.</a:t>
-            </a:r>
-          </a:p>
-          <a:p>
-            <a:pPr algn="l"/>
-            <a:r>
-              <a:rPr lang="es-ES_tradnl" b="1" dirty="0">
-                <a:solidFill>
-                  <a:srgbClr val="000066"/>
-                </a:solidFill>
-                <a:latin typeface="Tahoma" charset="0"/>
-              </a:rPr>
-              <a:t>-Juego sistemático</a:t>
-            </a:r>
-          </a:p>
-        </p:txBody>
-      </p:sp>
-      <p:sp>
-        <p:nvSpPr>
-          <p:cNvPr id="8" name="Text Box 5"/>
-          <p:cNvSpPr txBox="1">
-            <a:spLocks noChangeArrowheads="1"/>
-          </p:cNvSpPr>
-          <p:nvPr/>
-        </p:nvSpPr>
-        <p:spPr bwMode="auto">
-          <a:xfrm>
-            <a:off x="785786" y="3805672"/>
-            <a:ext cx="8101042" cy="2123658"/>
-          </a:xfrm>
-          <a:prstGeom prst="rect">
-            <a:avLst/>
-          </a:prstGeom>
-          <a:noFill/>
-          <a:ln w="9525">
-            <a:solidFill>
-              <a:srgbClr val="000066"/>
-            </a:solidFill>
-            <a:miter lim="800000"/>
-            <a:headEnd/>
-            <a:tailEnd/>
-          </a:ln>
-          <a:effectLst/>
-        </p:spPr>
-        <p:txBody>
-          <a:bodyPr wrap="square">
-            <a:spAutoFit/>
-          </a:bodyPr>
-          <a:lstStyle/>
-          <a:p>
-            <a:pPr algn="l"/>
-            <a:r>
-              <a:rPr lang="es-ES_tradnl" sz="2400" dirty="0" smtClean="0">
-                <a:solidFill>
-                  <a:srgbClr val="000066"/>
-                </a:solidFill>
-                <a:latin typeface="Tahoma" charset="0"/>
-              </a:rPr>
-              <a:t>-</a:t>
-            </a:r>
-            <a:r>
-              <a:rPr lang="es-ES_tradnl" dirty="0">
-                <a:solidFill>
-                  <a:srgbClr val="000066"/>
-                </a:solidFill>
-                <a:latin typeface="Tahoma" charset="0"/>
-              </a:rPr>
-              <a:t>Sistemas de juego</a:t>
-            </a:r>
-          </a:p>
-          <a:p>
-            <a:pPr lvl="1" algn="l"/>
-            <a:r>
-              <a:rPr lang="es-ES_tradnl" dirty="0">
-                <a:solidFill>
-                  <a:srgbClr val="000066"/>
-                </a:solidFill>
-                <a:latin typeface="Tahoma" charset="0"/>
-              </a:rPr>
-              <a:t>Sistemática de procedimientos  tácticos.</a:t>
-            </a:r>
-          </a:p>
-          <a:p>
-            <a:pPr lvl="1" algn="l"/>
-            <a:r>
-              <a:rPr lang="es-ES_tradnl" dirty="0">
-                <a:solidFill>
-                  <a:srgbClr val="000066"/>
-                </a:solidFill>
-                <a:latin typeface="Tahoma" charset="0"/>
-              </a:rPr>
-              <a:t>Alternancias</a:t>
-            </a:r>
-          </a:p>
-          <a:p>
-            <a:pPr lvl="1" algn="l"/>
-            <a:r>
-              <a:rPr lang="es-ES_tradnl" dirty="0">
-                <a:solidFill>
-                  <a:srgbClr val="000066"/>
-                </a:solidFill>
-                <a:latin typeface="Tahoma" charset="0"/>
-              </a:rPr>
-              <a:t>Transformaciones del sistema </a:t>
-            </a:r>
-          </a:p>
-          <a:p>
-            <a:pPr lvl="1" algn="l"/>
-            <a:r>
-              <a:rPr lang="es-ES_tradnl" dirty="0">
-                <a:solidFill>
-                  <a:srgbClr val="000066"/>
-                </a:solidFill>
-                <a:latin typeface="Tahoma" charset="0"/>
-              </a:rPr>
-              <a:t>Variantes.</a:t>
-            </a:r>
-          </a:p>
-          <a:p>
-            <a:pPr algn="l"/>
-            <a:r>
-              <a:rPr lang="es-ES_tradnl" dirty="0">
-                <a:solidFill>
-                  <a:srgbClr val="000066"/>
-                </a:solidFill>
-                <a:latin typeface="Tahoma" charset="0"/>
-              </a:rPr>
-              <a:t>-Soluciones en situaciones especiales.</a:t>
-            </a:r>
-          </a:p>
-          <a:p>
-            <a:pPr algn="l"/>
-            <a:r>
-              <a:rPr lang="es-ES_tradnl" dirty="0">
-                <a:solidFill>
-                  <a:srgbClr val="000066"/>
-                </a:solidFill>
-                <a:latin typeface="Tahoma" charset="0"/>
-              </a:rPr>
-              <a:t>“Sorpresas tácticas y estratégicas.</a:t>
-            </a:r>
-          </a:p>
-        </p:txBody>
-      </p:sp>
-      <p:sp>
-        <p:nvSpPr>
-          <p:cNvPr id="9" name="8 Rectángulo"/>
-          <p:cNvSpPr/>
-          <p:nvPr/>
-        </p:nvSpPr>
-        <p:spPr>
-          <a:xfrm>
-            <a:off x="785786" y="1071546"/>
-            <a:ext cx="2840842" cy="369332"/>
-          </a:xfrm>
-          <a:prstGeom prst="rect">
-            <a:avLst/>
-          </a:prstGeom>
-        </p:spPr>
-        <p:txBody>
-          <a:bodyPr wrap="none">
-            <a:spAutoFit/>
-          </a:bodyPr>
-          <a:lstStyle/>
-          <a:p>
-            <a:r>
-              <a:rPr lang="es-ES_tradnl" b="1" dirty="0" smtClean="0">
-                <a:solidFill>
-                  <a:srgbClr val="000066"/>
-                </a:solidFill>
-                <a:latin typeface="Tahoma" charset="0"/>
-              </a:rPr>
-              <a:t>Idea de juego ofensivo</a:t>
-            </a:r>
-            <a:endParaRPr lang="es-ES_tradnl" b="1" dirty="0" smtClean="0">
+              <a:t>Concepción estructuralista</a:t>
+            </a:r>
+            <a:endParaRPr lang="es-ES_tradnl" sz="3200" dirty="0">
               <a:solidFill>
                 <a:srgbClr val="000066"/>
               </a:solidFill>
-              <a:latin typeface="Tahoma" charset="0"/>
             </a:endParaRPr>
           </a:p>
         </p:txBody>
@@ -5299,37 +7459,7 @@
       </p:grpSpPr>
       <p:sp>
         <p:nvSpPr>
-          <p:cNvPr id="13315" name="Rectangle 3"/>
-          <p:cNvSpPr>
-            <a:spLocks noGrp="1" noChangeArrowheads="1"/>
-          </p:cNvSpPr>
-          <p:nvPr>
-            <p:ph type="title"/>
-          </p:nvPr>
-        </p:nvSpPr>
-        <p:spPr>
-          <a:xfrm>
-            <a:off x="533400" y="533400"/>
-            <a:ext cx="7772400" cy="457200"/>
-          </a:xfrm>
-        </p:spPr>
-        <p:txBody>
-          <a:bodyPr>
-            <a:normAutofit fontScale="90000"/>
-          </a:bodyPr>
-          <a:lstStyle/>
-          <a:p>
-            <a:r>
-              <a:rPr lang="es-ES" sz="3600" dirty="0" smtClean="0"/>
-              <a:t>desarrollo de la idea ofensiva</a:t>
-            </a:r>
-            <a:endParaRPr lang="es-ES_tradnl" dirty="0"/>
-          </a:p>
-        </p:txBody>
-      </p:sp>
-      <p:sp>
-        <p:nvSpPr>
-          <p:cNvPr id="8" name="Text Box 7"/>
+          <p:cNvPr id="9221" name="Text Box 5"/>
           <p:cNvSpPr txBox="1">
             <a:spLocks noChangeArrowheads="1"/>
           </p:cNvSpPr>
@@ -5337,8 +7467,8 @@
         </p:nvSpPr>
         <p:spPr bwMode="auto">
           <a:xfrm>
-            <a:off x="785786" y="1428736"/>
-            <a:ext cx="6786610" cy="1569660"/>
+            <a:off x="785786" y="1571612"/>
+            <a:ext cx="5929354" cy="1708160"/>
           </a:xfrm>
           <a:prstGeom prst="rect">
             <a:avLst/>
@@ -5365,64 +7495,406 @@
         <p:txBody>
           <a:bodyPr wrap="square">
             <a:spAutoFit/>
-            <a:flatTx/>
           </a:bodyPr>
           <a:lstStyle/>
           <a:p>
-            <a:pPr>
+            <a:pPr algn="l">
               <a:buFont typeface="Wingdings" pitchFamily="2" charset="2"/>
               <a:buChar char="q"/>
             </a:pPr>
             <a:r>
-              <a:rPr lang="es-ES_tradnl" sz="1600" b="1" dirty="0" smtClean="0"/>
-              <a:t>   Filosofía ofensiva</a:t>
-            </a:r>
-          </a:p>
-          <a:p>
-            <a:pPr>
+              <a:rPr lang="es-ES_tradnl" dirty="0" smtClean="0">
+                <a:solidFill>
+                  <a:schemeClr val="bg1"/>
+                </a:solidFill>
+                <a:latin typeface="Tahoma" charset="0"/>
+              </a:rPr>
+              <a:t> </a:t>
+            </a:r>
+            <a:r>
+              <a:rPr lang="es-ES_tradnl" dirty="0" smtClean="0">
+                <a:solidFill>
+                  <a:schemeClr val="bg1"/>
+                </a:solidFill>
+                <a:latin typeface="Tahoma" charset="0"/>
+              </a:rPr>
+              <a:t> </a:t>
+            </a:r>
+            <a:r>
+              <a:rPr lang="es-ES_tradnl" sz="2400" dirty="0" smtClean="0">
+                <a:solidFill>
+                  <a:schemeClr val="bg1"/>
+                </a:solidFill>
+                <a:latin typeface="Tahoma" charset="0"/>
+              </a:rPr>
+              <a:t>Juego </a:t>
+            </a:r>
+            <a:r>
+              <a:rPr lang="es-ES_tradnl" sz="2400" dirty="0">
+                <a:solidFill>
+                  <a:schemeClr val="bg1"/>
+                </a:solidFill>
+                <a:latin typeface="Tahoma" charset="0"/>
+              </a:rPr>
+              <a:t>sistematizado inicialmente</a:t>
+            </a:r>
+            <a:r>
+              <a:rPr lang="es-ES_tradnl" dirty="0">
+                <a:solidFill>
+                  <a:schemeClr val="bg1"/>
+                </a:solidFill>
+                <a:latin typeface="Tahoma" charset="0"/>
+              </a:rPr>
+              <a:t>.</a:t>
+            </a:r>
+          </a:p>
+          <a:p>
+            <a:pPr lvl="2">
+              <a:lnSpc>
+                <a:spcPct val="150000"/>
+              </a:lnSpc>
               <a:buFont typeface="Wingdings" pitchFamily="2" charset="2"/>
               <a:buChar char="q"/>
             </a:pPr>
-            <a:endParaRPr lang="es-ES_tradnl" sz="1600" b="1" dirty="0"/>
-          </a:p>
-          <a:p>
-            <a:pPr>
+            <a:r>
+              <a:rPr lang="es-ES_tradnl" dirty="0" smtClean="0">
+                <a:solidFill>
+                  <a:schemeClr val="bg1"/>
+                </a:solidFill>
+                <a:latin typeface="Tahoma" charset="0"/>
+              </a:rPr>
+              <a:t>  Procedimientos </a:t>
+            </a:r>
+            <a:r>
+              <a:rPr lang="es-ES_tradnl" dirty="0">
+                <a:solidFill>
+                  <a:schemeClr val="bg1"/>
+                </a:solidFill>
+                <a:latin typeface="Tahoma" charset="0"/>
+              </a:rPr>
+              <a:t>tácticos</a:t>
+            </a:r>
+          </a:p>
+          <a:p>
+            <a:pPr lvl="2">
+              <a:lnSpc>
+                <a:spcPct val="150000"/>
+              </a:lnSpc>
               <a:buFont typeface="Wingdings" pitchFamily="2" charset="2"/>
               <a:buChar char="q"/>
             </a:pPr>
             <a:r>
-              <a:rPr lang="es-ES_tradnl" sz="1600" b="1" dirty="0" smtClean="0"/>
-              <a:t>   Conductas </a:t>
-            </a:r>
-            <a:r>
-              <a:rPr lang="es-ES_tradnl" sz="1600" b="1" dirty="0"/>
-              <a:t>motrices y comportamientos asociados al modelo de </a:t>
-            </a:r>
-            <a:r>
-              <a:rPr lang="es-ES_tradnl" sz="1600" b="1" dirty="0" smtClean="0"/>
-              <a:t>juego</a:t>
-            </a:r>
-          </a:p>
-          <a:p>
-            <a:pPr>
+              <a:rPr lang="es-ES_tradnl" dirty="0" smtClean="0">
+                <a:solidFill>
+                  <a:schemeClr val="bg1"/>
+                </a:solidFill>
+                <a:latin typeface="Tahoma" charset="0"/>
+              </a:rPr>
+              <a:t>  Coordinación </a:t>
+            </a:r>
+            <a:r>
+              <a:rPr lang="es-ES_tradnl" dirty="0">
+                <a:solidFill>
+                  <a:schemeClr val="bg1"/>
+                </a:solidFill>
+                <a:latin typeface="Tahoma" charset="0"/>
+              </a:rPr>
+              <a:t>de procedimientos </a:t>
+            </a:r>
+          </a:p>
+          <a:p>
+            <a:pPr lvl="2">
+              <a:lnSpc>
+                <a:spcPct val="150000"/>
+              </a:lnSpc>
               <a:buFont typeface="Wingdings" pitchFamily="2" charset="2"/>
               <a:buChar char="q"/>
             </a:pPr>
-            <a:endParaRPr lang="es-ES_tradnl" sz="1600" b="1" dirty="0"/>
-          </a:p>
-          <a:p>
-            <a:pPr>
+            <a:r>
+              <a:rPr lang="es-ES_tradnl" dirty="0" smtClean="0">
+                <a:solidFill>
+                  <a:schemeClr val="bg1"/>
+                </a:solidFill>
+                <a:latin typeface="Tahoma" charset="0"/>
+              </a:rPr>
+              <a:t>  Respuestas </a:t>
+            </a:r>
+            <a:r>
+              <a:rPr lang="es-ES_tradnl" dirty="0">
+                <a:solidFill>
+                  <a:schemeClr val="bg1"/>
+                </a:solidFill>
+                <a:latin typeface="Tahoma" charset="0"/>
+              </a:rPr>
+              <a:t>variables</a:t>
+            </a:r>
+            <a:r>
+              <a:rPr lang="es-ES_tradnl" dirty="0" smtClean="0">
+                <a:solidFill>
+                  <a:schemeClr val="bg1"/>
+                </a:solidFill>
+                <a:latin typeface="Tahoma" charset="0"/>
+              </a:rPr>
+              <a:t>.</a:t>
+            </a:r>
+            <a:endParaRPr lang="es-ES_tradnl" dirty="0">
+              <a:solidFill>
+                <a:schemeClr val="bg1"/>
+              </a:solidFill>
+              <a:latin typeface="Tahoma" charset="0"/>
+            </a:endParaRPr>
+          </a:p>
+        </p:txBody>
+      </p:sp>
+      <p:sp>
+        <p:nvSpPr>
+          <p:cNvPr id="8" name="Text Box 5"/>
+          <p:cNvSpPr txBox="1">
+            <a:spLocks noChangeArrowheads="1"/>
+          </p:cNvSpPr>
+          <p:nvPr/>
+        </p:nvSpPr>
+        <p:spPr bwMode="auto">
+          <a:xfrm>
+            <a:off x="785786" y="3805672"/>
+            <a:ext cx="5929354" cy="2031325"/>
+          </a:xfrm>
+          <a:prstGeom prst="rect">
+            <a:avLst/>
+          </a:prstGeom>
+          <a:ln>
+            <a:headEnd/>
+            <a:tailEnd/>
+          </a:ln>
+        </p:spPr>
+        <p:style>
+          <a:lnRef idx="0">
+            <a:schemeClr val="accent1"/>
+          </a:lnRef>
+          <a:fillRef idx="3">
+            <a:schemeClr val="accent1"/>
+          </a:fillRef>
+          <a:effectRef idx="3">
+            <a:schemeClr val="accent1"/>
+          </a:effectRef>
+          <a:fontRef idx="minor">
+            <a:schemeClr val="lt1"/>
+          </a:fontRef>
+        </p:style>
+        <p:txBody>
+          <a:bodyPr wrap="square">
+            <a:spAutoFit/>
+          </a:bodyPr>
+          <a:lstStyle/>
+          <a:p>
+            <a:pPr algn="l">
               <a:buFont typeface="Wingdings" pitchFamily="2" charset="2"/>
               <a:buChar char="q"/>
             </a:pPr>
             <a:r>
-              <a:rPr lang="es-ES_tradnl" sz="1600" b="1" dirty="0" smtClean="0"/>
-              <a:t>   Formas </a:t>
-            </a:r>
-            <a:r>
-              <a:rPr lang="es-ES_tradnl" sz="1600" b="1" dirty="0"/>
-              <a:t>y sistemas de juego colectivas</a:t>
-            </a:r>
+              <a:rPr lang="es-ES_tradnl" dirty="0" smtClean="0">
+                <a:solidFill>
+                  <a:schemeClr val="bg1"/>
+                </a:solidFill>
+                <a:latin typeface="Tahoma" charset="0"/>
+              </a:rPr>
+              <a:t> Sistemas </a:t>
+            </a:r>
+            <a:r>
+              <a:rPr lang="es-ES_tradnl" dirty="0">
+                <a:solidFill>
+                  <a:schemeClr val="bg1"/>
+                </a:solidFill>
+                <a:latin typeface="Tahoma" charset="0"/>
+              </a:rPr>
+              <a:t>de juego</a:t>
+            </a:r>
+          </a:p>
+          <a:p>
+            <a:pPr lvl="2">
+              <a:buFont typeface="Wingdings" pitchFamily="2" charset="2"/>
+              <a:buChar char="q"/>
+            </a:pPr>
+            <a:r>
+              <a:rPr lang="es-ES_tradnl" dirty="0" smtClean="0">
+                <a:solidFill>
+                  <a:schemeClr val="bg1"/>
+                </a:solidFill>
+                <a:latin typeface="Tahoma" charset="0"/>
+              </a:rPr>
+              <a:t>  Sistemática </a:t>
+            </a:r>
+            <a:r>
+              <a:rPr lang="es-ES_tradnl" dirty="0">
+                <a:solidFill>
+                  <a:schemeClr val="bg1"/>
+                </a:solidFill>
+                <a:latin typeface="Tahoma" charset="0"/>
+              </a:rPr>
+              <a:t>de procedimientos  tácticos.</a:t>
+            </a:r>
+          </a:p>
+          <a:p>
+            <a:pPr lvl="2">
+              <a:buFont typeface="Wingdings" pitchFamily="2" charset="2"/>
+              <a:buChar char="q"/>
+            </a:pPr>
+            <a:r>
+              <a:rPr lang="es-ES_tradnl" dirty="0" smtClean="0">
+                <a:solidFill>
+                  <a:schemeClr val="bg1"/>
+                </a:solidFill>
+                <a:latin typeface="Tahoma" charset="0"/>
+              </a:rPr>
+              <a:t>  Alternancias</a:t>
+            </a:r>
+            <a:endParaRPr lang="es-ES_tradnl" dirty="0">
+              <a:solidFill>
+                <a:schemeClr val="bg1"/>
+              </a:solidFill>
+              <a:latin typeface="Tahoma" charset="0"/>
+            </a:endParaRPr>
+          </a:p>
+          <a:p>
+            <a:pPr lvl="2">
+              <a:buFont typeface="Wingdings" pitchFamily="2" charset="2"/>
+              <a:buChar char="q"/>
+            </a:pPr>
+            <a:r>
+              <a:rPr lang="es-ES_tradnl" dirty="0" smtClean="0">
+                <a:solidFill>
+                  <a:schemeClr val="bg1"/>
+                </a:solidFill>
+                <a:latin typeface="Tahoma" charset="0"/>
+              </a:rPr>
+              <a:t>  Transformaciones </a:t>
+            </a:r>
+            <a:r>
+              <a:rPr lang="es-ES_tradnl" dirty="0">
+                <a:solidFill>
+                  <a:schemeClr val="bg1"/>
+                </a:solidFill>
+                <a:latin typeface="Tahoma" charset="0"/>
+              </a:rPr>
+              <a:t>del sistema </a:t>
+            </a:r>
+          </a:p>
+          <a:p>
+            <a:pPr lvl="2">
+              <a:buFont typeface="Wingdings" pitchFamily="2" charset="2"/>
+              <a:buChar char="q"/>
+            </a:pPr>
+            <a:r>
+              <a:rPr lang="es-ES_tradnl" dirty="0" smtClean="0">
+                <a:solidFill>
+                  <a:schemeClr val="bg1"/>
+                </a:solidFill>
+                <a:latin typeface="Tahoma" charset="0"/>
+              </a:rPr>
+              <a:t>  Variantes.</a:t>
+            </a:r>
+            <a:endParaRPr lang="es-ES_tradnl" dirty="0">
+              <a:solidFill>
+                <a:schemeClr val="bg1"/>
+              </a:solidFill>
+              <a:latin typeface="Tahoma" charset="0"/>
+            </a:endParaRPr>
+          </a:p>
+          <a:p>
+            <a:pPr algn="l">
+              <a:buFont typeface="Wingdings" pitchFamily="2" charset="2"/>
+              <a:buChar char="q"/>
+            </a:pPr>
+            <a:r>
+              <a:rPr lang="es-ES_tradnl" dirty="0">
+                <a:solidFill>
+                  <a:schemeClr val="bg1"/>
+                </a:solidFill>
+                <a:latin typeface="Tahoma" charset="0"/>
+              </a:rPr>
+              <a:t> </a:t>
+            </a:r>
+            <a:r>
+              <a:rPr lang="es-ES_tradnl" dirty="0" smtClean="0">
+                <a:solidFill>
+                  <a:schemeClr val="bg1"/>
+                </a:solidFill>
+                <a:latin typeface="Tahoma" charset="0"/>
+              </a:rPr>
+              <a:t> </a:t>
+            </a:r>
+            <a:r>
+              <a:rPr lang="es-ES_tradnl" dirty="0" smtClean="0">
+                <a:solidFill>
+                  <a:schemeClr val="bg1"/>
+                </a:solidFill>
+                <a:latin typeface="Tahoma" charset="0"/>
+              </a:rPr>
+              <a:t>Soluciones </a:t>
+            </a:r>
+            <a:r>
+              <a:rPr lang="es-ES_tradnl" dirty="0">
+                <a:solidFill>
+                  <a:schemeClr val="bg1"/>
+                </a:solidFill>
+                <a:latin typeface="Tahoma" charset="0"/>
+              </a:rPr>
+              <a:t>en situaciones especiales.</a:t>
+            </a:r>
+          </a:p>
+          <a:p>
+            <a:pPr algn="l">
+              <a:buFont typeface="Wingdings" pitchFamily="2" charset="2"/>
+              <a:buChar char="q"/>
+            </a:pPr>
+            <a:r>
+              <a:rPr lang="es-ES_tradnl" dirty="0" smtClean="0">
+                <a:solidFill>
+                  <a:schemeClr val="bg1"/>
+                </a:solidFill>
+                <a:latin typeface="Tahoma" charset="0"/>
+              </a:rPr>
+              <a:t>  Sorpresas </a:t>
+            </a:r>
+            <a:r>
+              <a:rPr lang="es-ES_tradnl" dirty="0">
+                <a:solidFill>
+                  <a:schemeClr val="bg1"/>
+                </a:solidFill>
+                <a:latin typeface="Tahoma" charset="0"/>
+              </a:rPr>
+              <a:t>tácticas y estratégicas.</a:t>
+            </a:r>
+          </a:p>
+        </p:txBody>
+      </p:sp>
+      <p:sp>
+        <p:nvSpPr>
+          <p:cNvPr id="7" name="2 Título"/>
+          <p:cNvSpPr>
+            <a:spLocks noGrp="1"/>
+          </p:cNvSpPr>
+          <p:nvPr>
+            <p:ph type="title"/>
+          </p:nvPr>
+        </p:nvSpPr>
+        <p:spPr>
+          <a:xfrm>
+            <a:off x="457200" y="228600"/>
+            <a:ext cx="8229600" cy="914400"/>
+          </a:xfrm>
+        </p:spPr>
+        <p:txBody>
+          <a:bodyPr>
+            <a:normAutofit fontScale="90000"/>
+          </a:bodyPr>
+          <a:lstStyle/>
+          <a:p>
+            <a:r>
+              <a:rPr lang="es-ES" dirty="0" smtClean="0"/>
+              <a:t>Un modelo de juego: Idea de juego ofensivo</a:t>
+            </a:r>
+            <a:endParaRPr lang="es-ES" dirty="0"/>
           </a:p>
         </p:txBody>
       </p:sp>
@@ -5460,53 +7932,130 @@
       </p:grpSpPr>
       <p:sp>
         <p:nvSpPr>
-          <p:cNvPr id="3" name="2 Marcador de texto"/>
-          <p:cNvSpPr>
-            <a:spLocks noGrp="1"/>
-          </p:cNvSpPr>
-          <p:nvPr>
-            <p:ph type="body" idx="1"/>
-          </p:nvPr>
-        </p:nvSpPr>
-        <p:spPr/>
-        <p:txBody>
-          <a:bodyPr/>
-          <a:lstStyle/>
-          <a:p>
-            <a:r>
-              <a:rPr lang="es-ES_tradnl" b="1" dirty="0" smtClean="0"/>
-              <a:t>Filosofía ofensiva</a:t>
-            </a:r>
-            <a:endParaRPr lang="es-ES" dirty="0"/>
-          </a:p>
-        </p:txBody>
-      </p:sp>
-      <p:sp>
-        <p:nvSpPr>
-          <p:cNvPr id="5" name="1 Título"/>
-          <p:cNvSpPr>
-            <a:spLocks noGrp="1"/>
+          <p:cNvPr id="13315" name="Rectangle 3"/>
+          <p:cNvSpPr>
+            <a:spLocks noGrp="1" noChangeArrowheads="1"/>
           </p:cNvSpPr>
           <p:nvPr>
             <p:ph type="title"/>
           </p:nvPr>
         </p:nvSpPr>
-        <p:spPr/>
+        <p:spPr>
+          <a:xfrm>
+            <a:off x="533400" y="533400"/>
+            <a:ext cx="7772400" cy="457200"/>
+          </a:xfrm>
+        </p:spPr>
         <p:txBody>
           <a:bodyPr>
-            <a:normAutofit/>
+            <a:normAutofit fontScale="90000"/>
           </a:bodyPr>
           <a:lstStyle/>
           <a:p>
             <a:r>
               <a:rPr lang="es-ES" sz="3600" dirty="0" smtClean="0"/>
-              <a:t>Desarrollo </a:t>
-            </a:r>
-            <a:r>
-              <a:rPr lang="es-ES" sz="3600" dirty="0" smtClean="0"/>
-              <a:t>de la idea ofensiva</a:t>
-            </a:r>
-            <a:endParaRPr lang="es-ES" sz="3600" dirty="0"/>
+              <a:t>Desarrollo de la idea ofensiva</a:t>
+            </a:r>
+            <a:endParaRPr lang="es-ES_tradnl" dirty="0"/>
+          </a:p>
+        </p:txBody>
+      </p:sp>
+      <p:sp>
+        <p:nvSpPr>
+          <p:cNvPr id="8" name="Text Box 7"/>
+          <p:cNvSpPr txBox="1">
+            <a:spLocks noChangeArrowheads="1"/>
+          </p:cNvSpPr>
+          <p:nvPr/>
+        </p:nvSpPr>
+        <p:spPr bwMode="auto">
+          <a:xfrm>
+            <a:off x="785786" y="1428736"/>
+            <a:ext cx="6786610" cy="1569660"/>
+          </a:xfrm>
+          <a:prstGeom prst="rect">
+            <a:avLst/>
+          </a:prstGeom>
+          <a:ln>
+            <a:headEnd/>
+            <a:tailEnd/>
+          </a:ln>
+        </p:spPr>
+        <p:style>
+          <a:lnRef idx="0">
+            <a:schemeClr val="accent1"/>
+          </a:lnRef>
+          <a:fillRef idx="3">
+            <a:schemeClr val="accent1"/>
+          </a:fillRef>
+          <a:effectRef idx="3">
+            <a:schemeClr val="accent1"/>
+          </a:effectRef>
+          <a:fontRef idx="minor">
+            <a:schemeClr val="lt1"/>
+          </a:fontRef>
+        </p:style>
+        <p:txBody>
+          <a:bodyPr wrap="square">
+            <a:spAutoFit/>
+            <a:flatTx/>
+          </a:bodyPr>
+          <a:lstStyle/>
+          <a:p>
+            <a:pPr>
+              <a:buFont typeface="Wingdings" pitchFamily="2" charset="2"/>
+              <a:buChar char="q"/>
+            </a:pPr>
+            <a:r>
+              <a:rPr lang="es-ES_tradnl" sz="1600" b="1" dirty="0" smtClean="0"/>
+              <a:t>   Filosofía ofensiva</a:t>
+            </a:r>
+          </a:p>
+          <a:p>
+            <a:pPr>
+              <a:buFont typeface="Wingdings" pitchFamily="2" charset="2"/>
+              <a:buChar char="q"/>
+            </a:pPr>
+            <a:endParaRPr lang="es-ES_tradnl" sz="1600" b="1" dirty="0"/>
+          </a:p>
+          <a:p>
+            <a:pPr>
+              <a:buFont typeface="Wingdings" pitchFamily="2" charset="2"/>
+              <a:buChar char="q"/>
+            </a:pPr>
+            <a:r>
+              <a:rPr lang="es-ES_tradnl" sz="1600" b="1" dirty="0" smtClean="0"/>
+              <a:t>   Conductas </a:t>
+            </a:r>
+            <a:r>
+              <a:rPr lang="es-ES_tradnl" sz="1600" b="1" dirty="0"/>
+              <a:t>motrices y comportamientos asociados al modelo de </a:t>
+            </a:r>
+            <a:r>
+              <a:rPr lang="es-ES_tradnl" sz="1600" b="1" dirty="0" smtClean="0"/>
+              <a:t>juego</a:t>
+            </a:r>
+          </a:p>
+          <a:p>
+            <a:pPr>
+              <a:buFont typeface="Wingdings" pitchFamily="2" charset="2"/>
+              <a:buChar char="q"/>
+            </a:pPr>
+            <a:endParaRPr lang="es-ES_tradnl" sz="1600" b="1" dirty="0"/>
+          </a:p>
+          <a:p>
+            <a:pPr>
+              <a:buFont typeface="Wingdings" pitchFamily="2" charset="2"/>
+              <a:buChar char="q"/>
+            </a:pPr>
+            <a:r>
+              <a:rPr lang="es-ES_tradnl" sz="1600" b="1" dirty="0" smtClean="0"/>
+              <a:t>   Formas </a:t>
+            </a:r>
+            <a:r>
+              <a:rPr lang="es-ES_tradnl" sz="1600" b="1" dirty="0"/>
+              <a:t>y sistemas de juego colectivas</a:t>
+            </a:r>
           </a:p>
         </p:txBody>
       </p:sp>
@@ -5559,7 +8108,7 @@
           <a:p>
             <a:r>
               <a:rPr lang="es-ES_tradnl" b="1" dirty="0" smtClean="0"/>
-              <a:t>Conductas motrices y comportamientos asociados al modelo de juego</a:t>
+              <a:t>Filosofía ofensiva</a:t>
             </a:r>
             <a:endParaRPr lang="es-ES" dirty="0"/>
           </a:p>
@@ -5567,7 +8116,7 @@
       </p:sp>
       <p:sp>
         <p:nvSpPr>
-          <p:cNvPr id="4" name="1 Título"/>
+          <p:cNvPr id="5" name="1 Título"/>
           <p:cNvSpPr>
             <a:spLocks noGrp="1"/>
           </p:cNvSpPr>
@@ -5575,12 +8124,7 @@
             <p:ph type="title"/>
           </p:nvPr>
         </p:nvSpPr>
-        <p:spPr>
-          <a:xfrm>
-            <a:off x="1219200" y="2971800"/>
-            <a:ext cx="6858000" cy="1066800"/>
-          </a:xfrm>
-        </p:spPr>
+        <p:spPr/>
         <p:txBody>
           <a:bodyPr>
             <a:normAutofit/>
@@ -5589,11 +8133,7 @@
           <a:p>
             <a:r>
               <a:rPr lang="es-ES" sz="3600" dirty="0" smtClean="0"/>
-              <a:t>Desarrollo </a:t>
-            </a:r>
-            <a:r>
-              <a:rPr lang="es-ES" sz="3600" dirty="0" smtClean="0"/>
-              <a:t>de la idea ofensiva</a:t>
+              <a:t>Desarrollo de la idea ofensiva</a:t>
             </a:r>
             <a:endParaRPr lang="es-ES" sz="3600" dirty="0"/>
           </a:p>
@@ -5633,56 +8173,30 @@
       </p:grpSpPr>
       <p:sp>
         <p:nvSpPr>
-          <p:cNvPr id="3" name="2 Marcador de texto"/>
-          <p:cNvSpPr>
-            <a:spLocks noGrp="1"/>
-          </p:cNvSpPr>
-          <p:nvPr>
-            <p:ph type="body" idx="1"/>
-          </p:nvPr>
-        </p:nvSpPr>
-        <p:spPr/>
-        <p:txBody>
-          <a:bodyPr/>
-          <a:lstStyle/>
-          <a:p>
-            <a:r>
-              <a:rPr lang="es-ES_tradnl" b="1" dirty="0" smtClean="0"/>
-              <a:t>Formas y sistemas de juego colectivas</a:t>
-            </a:r>
-            <a:endParaRPr lang="es-ES" dirty="0" smtClean="0"/>
-          </a:p>
-          <a:p>
-            <a:endParaRPr lang="es-ES" dirty="0"/>
-          </a:p>
-        </p:txBody>
-      </p:sp>
-      <p:sp>
-        <p:nvSpPr>
-          <p:cNvPr id="5" name="1 Título"/>
-          <p:cNvSpPr>
-            <a:spLocks noGrp="1"/>
+          <p:cNvPr id="3" name="Rectangle 3"/>
+          <p:cNvSpPr>
+            <a:spLocks noGrp="1" noChangeArrowheads="1"/>
           </p:cNvSpPr>
           <p:nvPr>
             <p:ph type="title"/>
           </p:nvPr>
         </p:nvSpPr>
-        <p:spPr/>
+        <p:spPr>
+          <a:xfrm>
+            <a:off x="533400" y="533400"/>
+            <a:ext cx="7772400" cy="457200"/>
+          </a:xfrm>
+        </p:spPr>
         <p:txBody>
           <a:bodyPr>
-            <a:normAutofit/>
+            <a:normAutofit fontScale="90000"/>
           </a:bodyPr>
           <a:lstStyle/>
           <a:p>
             <a:r>
               <a:rPr lang="es-ES" sz="3600" dirty="0" smtClean="0"/>
-              <a:t>Desarrollo </a:t>
-            </a:r>
-            <a:r>
-              <a:rPr lang="es-ES" sz="3600" dirty="0" smtClean="0"/>
-              <a:t>de la idea ofensiva</a:t>
-            </a:r>
-            <a:endParaRPr lang="es-ES" sz="3600" dirty="0"/>
+              <a:t>Filosofía ofensiva</a:t>
+            </a:r>
           </a:p>
         </p:txBody>
       </p:sp>
@@ -5691,13 +8205,6 @@
   <p:clrMapOvr>
     <a:masterClrMapping/>
   </p:clrMapOvr>
-  <p:timing>
-    <p:tnLst>
-      <p:par>
-        <p:cTn id="1" dur="indefinite" restart="never" nodeType="tmRoot"/>
-      </p:par>
-    </p:tnLst>
-  </p:timing>
 </p:sld>
 </file>
 
@@ -5720,12 +8227,12 @@
       </p:grpSpPr>
       <p:sp>
         <p:nvSpPr>
-          <p:cNvPr id="3" name="2 Título"/>
-          <p:cNvSpPr>
-            <a:spLocks noGrp="1"/>
-          </p:cNvSpPr>
-          <p:nvPr>
-            <p:ph type="title"/>
+          <p:cNvPr id="3" name="2 Marcador de texto"/>
+          <p:cNvSpPr>
+            <a:spLocks noGrp="1"/>
+          </p:cNvSpPr>
+          <p:nvPr>
+            <p:ph type="body" idx="1"/>
           </p:nvPr>
         </p:nvSpPr>
         <p:spPr/>
@@ -5736,48 +8243,80 @@
           <a:lstStyle/>
           <a:p>
             <a:r>
-              <a:rPr lang="es-ES" dirty="0" smtClean="0"/>
-              <a:t>Formas y sistemas de juego </a:t>
-            </a:r>
-            <a:r>
-              <a:rPr lang="es-ES" dirty="0" smtClean="0"/>
-              <a:t>colectivas</a:t>
-            </a:r>
-            <a:endParaRPr lang="es-ES" dirty="0"/>
-          </a:p>
-        </p:txBody>
-      </p:sp>
-      <p:sp>
-        <p:nvSpPr>
-          <p:cNvPr id="4" name="3 CuadroTexto"/>
-          <p:cNvSpPr txBox="1"/>
-          <p:nvPr/>
+              <a:rPr lang="es-ES_tradnl" b="1" dirty="0" smtClean="0"/>
+              <a:t>Conductas motrices y comportamientos asociados al modelo de </a:t>
+            </a:r>
+            <a:r>
+              <a:rPr lang="es-ES_tradnl" b="1" dirty="0" smtClean="0"/>
+              <a:t>juego</a:t>
+            </a:r>
+          </a:p>
+        </p:txBody>
+      </p:sp>
+      <p:sp>
+        <p:nvSpPr>
+          <p:cNvPr id="4" name="1 Título"/>
+          <p:cNvSpPr>
+            <a:spLocks noGrp="1"/>
+          </p:cNvSpPr>
+          <p:nvPr>
+            <p:ph type="title"/>
+          </p:nvPr>
         </p:nvSpPr>
         <p:spPr>
           <a:xfrm>
-            <a:off x="642910" y="1357298"/>
-            <a:ext cx="5572164" cy="461665"/>
+            <a:off x="1219200" y="2971800"/>
+            <a:ext cx="6858000" cy="1066800"/>
+          </a:xfrm>
+        </p:spPr>
+        <p:txBody>
+          <a:bodyPr>
+            <a:normAutofit/>
+          </a:bodyPr>
+          <a:lstStyle/>
+          <a:p>
+            <a:r>
+              <a:rPr lang="es-ES" sz="3600" dirty="0" smtClean="0"/>
+              <a:t>Desarrollo de la idea ofensiva</a:t>
+            </a:r>
+            <a:endParaRPr lang="es-ES" sz="3600" dirty="0"/>
+          </a:p>
+        </p:txBody>
+      </p:sp>
+      <p:sp>
+        <p:nvSpPr>
+          <p:cNvPr id="5" name="4 Rectángulo"/>
+          <p:cNvSpPr/>
+          <p:nvPr/>
+        </p:nvSpPr>
+        <p:spPr>
+          <a:xfrm>
+            <a:off x="1000100" y="714356"/>
+            <a:ext cx="6929486" cy="1938992"/>
           </a:xfrm>
           <a:prstGeom prst="rect">
             <a:avLst/>
           </a:prstGeom>
-          <a:noFill/>
-        </p:spPr>
-        <p:txBody>
-          <a:bodyPr wrap="square" rtlCol="0">
+        </p:spPr>
+        <p:txBody>
+          <a:bodyPr wrap="square">
             <a:spAutoFit/>
           </a:bodyPr>
           <a:lstStyle/>
           <a:p>
-            <a:pPr>
-              <a:buFont typeface="Wingdings" pitchFamily="2" charset="2"/>
-              <a:buChar char="q"/>
-            </a:pPr>
-            <a:r>
-              <a:rPr lang="es-ES" sz="2400" dirty="0" smtClean="0"/>
-              <a:t>  Ataque contra 6:0</a:t>
-            </a:r>
-            <a:endParaRPr lang="es-ES" sz="2400" dirty="0"/>
+            <a:r>
+              <a:rPr lang="es-ES" sz="6000" dirty="0" smtClean="0">
+                <a:solidFill>
+                  <a:srgbClr val="FF0000"/>
+                </a:solidFill>
+              </a:rPr>
+              <a:t>Aspectos técnico- tácticos individuales</a:t>
+            </a:r>
+            <a:endParaRPr lang="es-ES" sz="6000" dirty="0">
+              <a:solidFill>
+                <a:srgbClr val="FF0000"/>
+              </a:solidFill>
+            </a:endParaRPr>
           </a:p>
         </p:txBody>
       </p:sp>
@@ -6126,4 +8665,287 @@
   <a:objectDefaults/>
   <a:extraClrSchemeLst/>
 </a:theme>
+</file>
+
+<file path=ppt/theme/theme2.xml><?xml version="1.0" encoding="utf-8"?>
+<a:theme xmlns:a="http://schemas.openxmlformats.org/drawingml/2006/main" name="Tema de Office">
+  <a:themeElements>
+    <a:clrScheme name="Office">
+      <a:dk1>
+        <a:sysClr val="windowText" lastClr="000000"/>
+      </a:dk1>
+      <a:lt1>
+        <a:sysClr val="window" lastClr="FFFFFF"/>
+      </a:lt1>
+      <a:dk2>
+        <a:srgbClr val="1F497D"/>
+      </a:dk2>
+      <a:lt2>
+        <a:srgbClr val="EEECE1"/>
+      </a:lt2>
+      <a:accent1>
+        <a:srgbClr val="4F81BD"/>
+      </a:accent1>
+      <a:accent2>
+        <a:srgbClr val="C0504D"/>
+      </a:accent2>
+      <a:accent3>
+        <a:srgbClr val="9BBB59"/>
+      </a:accent3>
+      <a:accent4>
+        <a:srgbClr val="8064A2"/>
+      </a:accent4>
+      <a:accent5>
+        <a:srgbClr val="4BACC6"/>
+      </a:accent5>
+      <a:accent6>
+        <a:srgbClr val="F79646"/>
+      </a:accent6>
+      <a:hlink>
+        <a:srgbClr val="0000FF"/>
+      </a:hlink>
+      <a:folHlink>
+        <a:srgbClr val="800080"/>
+      </a:folHlink>
+    </a:clrScheme>
+    <a:fontScheme name="Office">
+      <a:majorFont>
+        <a:latin typeface="Calibri"/>
+        <a:ea typeface=""/>
+        <a:cs typeface=""/>
+        <a:font script="Jpan" typeface="ＭＳ Ｐゴシック"/>
+        <a:font script="Hang" typeface="맑은 고딕"/>
+        <a:font script="Hans" typeface="宋体"/>
+        <a:font script="Hant" typeface="新細明體"/>
+        <a:font script="Arab" typeface="Times New Roman"/>
+        <a:font script="Hebr" typeface="Times New Roman"/>
+        <a:font script="Thai" typeface="Angsana New"/>
+        <a:font script="Ethi" typeface="Nyala"/>
+        <a:font script="Beng" typeface="Vrinda"/>
+        <a:font script="Gujr" typeface="Shruti"/>
+        <a:font script="Khmr" typeface="MoolBoran"/>
+        <a:font script="Knda" typeface="Tunga"/>
+        <a:font script="Guru" typeface="Raavi"/>
+        <a:font script="Cans" typeface="Euphemia"/>
+        <a:font script="Cher" typeface="Plantagenet Cherokee"/>
+        <a:font script="Yiii" typeface="Microsoft Yi Baiti"/>
+        <a:font script="Tibt" typeface="Microsoft Himalaya"/>
+        <a:font script="Thaa" typeface="MV Boli"/>
+        <a:font script="Deva" typeface="Mangal"/>
+        <a:font script="Telu" typeface="Gautami"/>
+        <a:font script="Taml" typeface="Latha"/>
+        <a:font script="Syrc" typeface="Estrangelo Edessa"/>
+        <a:font script="Orya" typeface="Kalinga"/>
+        <a:font script="Mlym" typeface="Kartika"/>
+        <a:font script="Laoo" typeface="DokChampa"/>
+        <a:font script="Sinh" typeface="Iskoola Pota"/>
+        <a:font script="Mong" typeface="Mongolian Baiti"/>
+        <a:font script="Viet" typeface="Times New Roman"/>
+        <a:font script="Uigh" typeface="Microsoft Uighur"/>
+      </a:majorFont>
+      <a:minorFont>
+        <a:latin typeface="Calibri"/>
+        <a:ea typeface=""/>
+        <a:cs typeface=""/>
+        <a:font script="Jpan" typeface="ＭＳ Ｐゴシック"/>
+        <a:font script="Hang" typeface="맑은 고딕"/>
+        <a:font script="Hans" typeface="宋体"/>
+        <a:font script="Hant" typeface="新細明體"/>
+        <a:font script="Arab" typeface="Arial"/>
+        <a:font script="Hebr" typeface="Arial"/>
+        <a:font script="Thai" typeface="Cordia New"/>
+        <a:font script="Ethi" typeface="Nyala"/>
+        <a:font script="Beng" typeface="Vrinda"/>
+        <a:font script="Gujr" typeface="Shruti"/>
+        <a:font script="Khmr" typeface="DaunPenh"/>
+        <a:font script="Knda" typeface="Tunga"/>
+        <a:font script="Guru" typeface="Raavi"/>
+        <a:font script="Cans" typeface="Euphemia"/>
+        <a:font script="Cher" typeface="Plantagenet Cherokee"/>
+        <a:font script="Yiii" typeface="Microsoft Yi Baiti"/>
+        <a:font script="Tibt" typeface="Microsoft Himalaya"/>
+        <a:font script="Thaa" typeface="MV Boli"/>
+        <a:font script="Deva" typeface="Mangal"/>
+        <a:font script="Telu" typeface="Gautami"/>
+        <a:font script="Taml" typeface="Latha"/>
+        <a:font script="Syrc" typeface="Estrangelo Edessa"/>
+        <a:font script="Orya" typeface="Kalinga"/>
+        <a:font script="Mlym" typeface="Kartika"/>
+        <a:font script="Laoo" typeface="DokChampa"/>
+        <a:font script="Sinh" typeface="Iskoola Pota"/>
+        <a:font script="Mong" typeface="Mongolian Baiti"/>
+        <a:font script="Viet" typeface="Arial"/>
+        <a:font script="Uigh" typeface="Microsoft Uighur"/>
+      </a:minorFont>
+    </a:fontScheme>
+    <a:fmtScheme name="Office">
+      <a:fillStyleLst>
+        <a:solidFill>
+          <a:schemeClr val="phClr"/>
+        </a:solidFill>
+        <a:gradFill rotWithShape="1">
+          <a:gsLst>
+            <a:gs pos="0">
+              <a:schemeClr val="phClr">
+                <a:tint val="50000"/>
+                <a:satMod val="300000"/>
+              </a:schemeClr>
+            </a:gs>
+            <a:gs pos="35000">
+              <a:schemeClr val="phClr">
+                <a:tint val="37000"/>
+                <a:satMod val="300000"/>
+              </a:schemeClr>
+            </a:gs>
+            <a:gs pos="100000">
+              <a:schemeClr val="phClr">
+                <a:tint val="15000"/>
+                <a:satMod val="350000"/>
+              </a:schemeClr>
+            </a:gs>
+          </a:gsLst>
+          <a:lin ang="16200000" scaled="1"/>
+        </a:gradFill>
+        <a:gradFill rotWithShape="1">
+          <a:gsLst>
+            <a:gs pos="0">
+              <a:schemeClr val="phClr">
+                <a:shade val="51000"/>
+                <a:satMod val="130000"/>
+              </a:schemeClr>
+            </a:gs>
+            <a:gs pos="80000">
+              <a:schemeClr val="phClr">
+                <a:shade val="93000"/>
+                <a:satMod val="130000"/>
+              </a:schemeClr>
+            </a:gs>
+            <a:gs pos="100000">
+              <a:schemeClr val="phClr">
+                <a:shade val="94000"/>
+                <a:satMod val="135000"/>
+              </a:schemeClr>
+            </a:gs>
+          </a:gsLst>
+          <a:lin ang="16200000" scaled="0"/>
+        </a:gradFill>
+      </a:fillStyleLst>
+      <a:lnStyleLst>
+        <a:ln w="9525" cap="flat" cmpd="sng" algn="ctr">
+          <a:solidFill>
+            <a:schemeClr val="phClr">
+              <a:shade val="95000"/>
+              <a:satMod val="105000"/>
+            </a:schemeClr>
+          </a:solidFill>
+          <a:prstDash val="solid"/>
+        </a:ln>
+        <a:ln w="25400" cap="flat" cmpd="sng" algn="ctr">
+          <a:solidFill>
+            <a:schemeClr val="phClr"/>
+          </a:solidFill>
+          <a:prstDash val="solid"/>
+        </a:ln>
+        <a:ln w="38100" cap="flat" cmpd="sng" algn="ctr">
+          <a:solidFill>
+            <a:schemeClr val="phClr"/>
+          </a:solidFill>
+          <a:prstDash val="solid"/>
+        </a:ln>
+      </a:lnStyleLst>
+      <a:effectStyleLst>
+        <a:effectStyle>
+          <a:effectLst>
+            <a:outerShdw blurRad="40000" dist="20000" dir="5400000" rotWithShape="0">
+              <a:srgbClr val="000000">
+                <a:alpha val="38000"/>
+              </a:srgbClr>
+            </a:outerShdw>
+          </a:effectLst>
+        </a:effectStyle>
+        <a:effectStyle>
+          <a:effectLst>
+            <a:outerShdw blurRad="40000" dist="23000" dir="5400000" rotWithShape="0">
+              <a:srgbClr val="000000">
+                <a:alpha val="35000"/>
+              </a:srgbClr>
+            </a:outerShdw>
+          </a:effectLst>
+        </a:effectStyle>
+        <a:effectStyle>
+          <a:effectLst>
+            <a:outerShdw blurRad="40000" dist="23000" dir="5400000" rotWithShape="0">
+              <a:srgbClr val="000000">
+                <a:alpha val="35000"/>
+              </a:srgbClr>
+            </a:outerShdw>
+          </a:effectLst>
+          <a:scene3d>
+            <a:camera prst="orthographicFront">
+              <a:rot lat="0" lon="0" rev="0"/>
+            </a:camera>
+            <a:lightRig rig="threePt" dir="t">
+              <a:rot lat="0" lon="0" rev="1200000"/>
+            </a:lightRig>
+          </a:scene3d>
+          <a:sp3d>
+            <a:bevelT w="63500" h="25400"/>
+          </a:sp3d>
+        </a:effectStyle>
+      </a:effectStyleLst>
+      <a:bgFillStyleLst>
+        <a:solidFill>
+          <a:schemeClr val="phClr"/>
+        </a:solidFill>
+        <a:gradFill rotWithShape="1">
+          <a:gsLst>
+            <a:gs pos="0">
+              <a:schemeClr val="phClr">
+                <a:tint val="40000"/>
+                <a:satMod val="350000"/>
+              </a:schemeClr>
+            </a:gs>
+            <a:gs pos="40000">
+              <a:schemeClr val="phClr">
+                <a:tint val="45000"/>
+                <a:shade val="99000"/>
+                <a:satMod val="350000"/>
+              </a:schemeClr>
+            </a:gs>
+            <a:gs pos="100000">
+              <a:schemeClr val="phClr">
+                <a:shade val="20000"/>
+                <a:satMod val="255000"/>
+              </a:schemeClr>
+            </a:gs>
+          </a:gsLst>
+          <a:path path="circle">
+            <a:fillToRect l="50000" t="-80000" r="50000" b="180000"/>
+          </a:path>
+        </a:gradFill>
+        <a:gradFill rotWithShape="1">
+          <a:gsLst>
+            <a:gs pos="0">
+              <a:schemeClr val="phClr">
+                <a:tint val="80000"/>
+                <a:satMod val="300000"/>
+              </a:schemeClr>
+            </a:gs>
+            <a:gs pos="100000">
+              <a:schemeClr val="phClr">
+                <a:shade val="30000"/>
+                <a:satMod val="200000"/>
+              </a:schemeClr>
+            </a:gs>
+          </a:gsLst>
+          <a:path path="circle">
+            <a:fillToRect l="50000" t="50000" r="50000" b="50000"/>
+          </a:path>
+        </a:gradFill>
+      </a:bgFillStyleLst>
+    </a:fmtScheme>
+  </a:themeElements>
+  <a:objectDefaults/>
+  <a:extraClrSchemeLst/>
+</a:theme>
 </file>
--- a/ataque/modelo-juego-ofensivo.pptx
+++ b/ataque/modelo-juego-ofensivo.pptx
@@ -233,7 +233,7 @@
             <a:fld id="{8C99986B-1274-4AE3-91F6-F527C353E0DC}" type="datetimeFigureOut">
               <a:rPr lang="es-ES" smtClean="0"/>
               <a:pPr/>
-              <a:t>19/08/2011</a:t>
+              <a:t>03/09/2013</a:t>
             </a:fld>
             <a:endParaRPr lang="es-ES"/>
           </a:p>
@@ -553,7 +553,6 @@
               <a:rPr lang="es-ES_tradnl" b="0" i="0" u="none" dirty="0" smtClean="0"/>
               <a:t>conductas-motrices-baloncesto.pdf  </a:t>
             </a:r>
-            <a:endParaRPr lang="es-ES_tradnl" b="0" i="0" u="none" dirty="0" smtClean="0"/>
           </a:p>
           <a:p>
             <a:endParaRPr lang="es-ES_tradnl" b="1" i="1" u="sng" dirty="0" smtClean="0"/>
@@ -653,18 +652,7 @@
                 <a:ea typeface="+mn-ea"/>
                 <a:cs typeface="+mn-cs"/>
               </a:rPr>
-              <a:t>: una finta, un desmarque, una “jugada</a:t>
-            </a:r>
-            <a:r>
-              <a:rPr lang="es-ES" sz="1200" b="0" i="0" kern="1200" dirty="0" smtClean="0">
-                <a:solidFill>
-                  <a:schemeClr val="tx1"/>
-                </a:solidFill>
-                <a:latin typeface="+mn-lt"/>
-                <a:ea typeface="+mn-ea"/>
-                <a:cs typeface="+mn-cs"/>
-              </a:rPr>
-              <a:t>”</a:t>
+              <a:t>: una finta, un desmarque, una “jugada”</a:t>
             </a:r>
           </a:p>
           <a:p>
@@ -962,7 +950,7 @@
             <a:fld id="{8A79DEAF-908E-4103-97F0-970C66AA9D1C}" type="datetimeFigureOut">
               <a:rPr lang="es-ES" smtClean="0"/>
               <a:pPr/>
-              <a:t>19/08/2011</a:t>
+              <a:t>03/09/2013</a:t>
             </a:fld>
             <a:endParaRPr lang="es-ES"/>
           </a:p>
@@ -1323,7 +1311,7 @@
             <a:fld id="{8A79DEAF-908E-4103-97F0-970C66AA9D1C}" type="datetimeFigureOut">
               <a:rPr lang="es-ES" smtClean="0"/>
               <a:pPr/>
-              <a:t>19/08/2011</a:t>
+              <a:t>03/09/2013</a:t>
             </a:fld>
             <a:endParaRPr lang="es-ES"/>
           </a:p>
@@ -1500,7 +1488,7 @@
             <a:fld id="{8A79DEAF-908E-4103-97F0-970C66AA9D1C}" type="datetimeFigureOut">
               <a:rPr lang="es-ES" smtClean="0"/>
               <a:pPr/>
-              <a:t>19/08/2011</a:t>
+              <a:t>03/09/2013</a:t>
             </a:fld>
             <a:endParaRPr lang="es-ES"/>
           </a:p>
@@ -1960,7 +1948,7 @@
             <a:fld id="{8A79DEAF-908E-4103-97F0-970C66AA9D1C}" type="datetimeFigureOut">
               <a:rPr lang="es-ES" smtClean="0"/>
               <a:pPr/>
-              <a:t>19/08/2011</a:t>
+              <a:t>03/09/2013</a:t>
             </a:fld>
             <a:endParaRPr lang="es-ES"/>
           </a:p>
@@ -2231,7 +2219,7 @@
             <a:fld id="{8A79DEAF-908E-4103-97F0-970C66AA9D1C}" type="datetimeFigureOut">
               <a:rPr lang="es-ES" smtClean="0"/>
               <a:pPr/>
-              <a:t>19/08/2011</a:t>
+              <a:t>03/09/2013</a:t>
             </a:fld>
             <a:endParaRPr lang="es-ES"/>
           </a:p>
@@ -2453,7 +2441,7 @@
             <a:fld id="{8A79DEAF-908E-4103-97F0-970C66AA9D1C}" type="datetimeFigureOut">
               <a:rPr lang="es-ES" smtClean="0"/>
               <a:pPr/>
-              <a:t>19/08/2011</a:t>
+              <a:t>03/09/2013</a:t>
             </a:fld>
             <a:endParaRPr lang="es-ES"/>
           </a:p>
@@ -2807,7 +2795,7 @@
             <a:fld id="{8A79DEAF-908E-4103-97F0-970C66AA9D1C}" type="datetimeFigureOut">
               <a:rPr lang="es-ES" smtClean="0"/>
               <a:pPr/>
-              <a:t>19/08/2011</a:t>
+              <a:t>03/09/2013</a:t>
             </a:fld>
             <a:endParaRPr lang="es-ES"/>
           </a:p>
@@ -3041,7 +3029,7 @@
             <a:fld id="{8A79DEAF-908E-4103-97F0-970C66AA9D1C}" type="datetimeFigureOut">
               <a:rPr lang="es-ES" smtClean="0"/>
               <a:pPr/>
-              <a:t>19/08/2011</a:t>
+              <a:t>03/09/2013</a:t>
             </a:fld>
             <a:endParaRPr lang="es-ES"/>
           </a:p>
@@ -3183,7 +3171,7 @@
             <a:fld id="{8A79DEAF-908E-4103-97F0-970C66AA9D1C}" type="datetimeFigureOut">
               <a:rPr lang="es-ES" smtClean="0"/>
               <a:pPr/>
-              <a:t>19/08/2011</a:t>
+              <a:t>03/09/2013</a:t>
             </a:fld>
             <a:endParaRPr lang="es-ES"/>
           </a:p>
@@ -3462,7 +3450,7 @@
             <a:fld id="{8A79DEAF-908E-4103-97F0-970C66AA9D1C}" type="datetimeFigureOut">
               <a:rPr lang="es-ES" smtClean="0"/>
               <a:pPr/>
-              <a:t>19/08/2011</a:t>
+              <a:t>03/09/2013</a:t>
             </a:fld>
             <a:endParaRPr lang="es-ES"/>
           </a:p>
@@ -3871,7 +3859,7 @@
             <a:fld id="{8A79DEAF-908E-4103-97F0-970C66AA9D1C}" type="datetimeFigureOut">
               <a:rPr lang="es-ES" smtClean="0"/>
               <a:pPr/>
-              <a:t>19/08/2011</a:t>
+              <a:t>03/09/2013</a:t>
             </a:fld>
             <a:endParaRPr lang="es-ES"/>
           </a:p>
@@ -4211,7 +4199,7 @@
             <a:fld id="{8A79DEAF-908E-4103-97F0-970C66AA9D1C}" type="datetimeFigureOut">
               <a:rPr lang="es-ES" smtClean="0"/>
               <a:pPr/>
-              <a:t>19/08/2011</a:t>
+              <a:t>03/09/2013</a:t>
             </a:fld>
             <a:endParaRPr lang="es-ES"/>
           </a:p>
@@ -5973,11 +5961,7 @@
           <a:p>
             <a:r>
               <a:rPr lang="es-ES_tradnl" b="1" dirty="0" smtClean="0"/>
-              <a:t>Conductas motrices y comportamientos asociados al modelo de </a:t>
-            </a:r>
-            <a:r>
-              <a:rPr lang="es-ES_tradnl" b="1" dirty="0" smtClean="0"/>
-              <a:t>juego (</a:t>
+              <a:t>Conductas motrices y comportamientos asociados al modelo de juego (</a:t>
             </a:r>
             <a:r>
               <a:rPr lang="es-ES_tradnl" b="1" dirty="0" smtClean="0">
@@ -5989,7 +5973,6 @@
               <a:rPr lang="es-ES_tradnl" b="1" dirty="0" smtClean="0"/>
               <a:t>)</a:t>
             </a:r>
-            <a:endParaRPr lang="es-ES_tradnl" b="1" dirty="0" smtClean="0"/>
           </a:p>
         </p:txBody>
       </p:sp>
@@ -6125,11 +6108,7 @@
           <a:p>
             <a:r>
               <a:rPr lang="es-ES_tradnl" sz="2600" b="1" dirty="0" smtClean="0"/>
-              <a:t>Aspectos técnico- tácticos </a:t>
-            </a:r>
-            <a:r>
-              <a:rPr lang="es-ES_tradnl" sz="2600" b="1" dirty="0" smtClean="0"/>
-              <a:t>individuales</a:t>
+              <a:t>Aspectos técnico- tácticos individuales</a:t>
             </a:r>
             <a:r>
               <a:rPr lang="es-ES_tradnl" sz="2200" b="1" dirty="0" smtClean="0"/>
@@ -6139,13 +6118,8 @@
           <a:p>
             <a:r>
               <a:rPr lang="es-ES" sz="1600" b="1" dirty="0" smtClean="0"/>
-              <a:t>LA MEJORA Y PERFECCIONAMIENTO TÉCNICO </a:t>
-            </a:r>
-            <a:r>
-              <a:rPr lang="es-ES" sz="1600" b="1" dirty="0" smtClean="0"/>
-              <a:t>TÁCTICO      </a:t>
-            </a:r>
-            <a:endParaRPr lang="es-ES" sz="1600" b="1" dirty="0" smtClean="0"/>
+              <a:t>LA MEJORA Y PERFECCIONAMIENTO TÉCNICO TÁCTICO      </a:t>
+            </a:r>
           </a:p>
           <a:p>
             <a:r>
@@ -6282,6 +6256,13 @@
   <p:clrMapOvr>
     <a:masterClrMapping/>
   </p:clrMapOvr>
+  <p:timing>
+    <p:tnLst>
+      <p:par>
+        <p:cTn id="1" dur="indefinite" restart="never" nodeType="tmRoot"/>
+      </p:par>
+    </p:tnLst>
+  </p:timing>
 </p:sld>
 </file>
 
@@ -6321,7 +6302,15 @@
           <a:p>
             <a:r>
               <a:rPr lang="es-ES" dirty="0" smtClean="0"/>
-              <a:t>Aspectos técnico- tácticos individuales</a:t>
+              <a:t>Aspectos </a:t>
+            </a:r>
+            <a:r>
+              <a:rPr lang="es-ES" dirty="0" smtClean="0"/>
+              <a:t>técnico - </a:t>
+            </a:r>
+            <a:r>
+              <a:rPr lang="es-ES" dirty="0" smtClean="0"/>
+              <a:t>tácticos individuales</a:t>
             </a:r>
             <a:endParaRPr lang="es-ES" dirty="0"/>
           </a:p>
@@ -7525,40 +7514,7 @@
                 </a:solidFill>
                 <a:latin typeface="Arial" charset="0"/>
               </a:rPr>
-              <a:t>Crear ventaja </a:t>
-            </a:r>
-            <a:r>
-              <a:rPr lang="es-ES" dirty="0" smtClean="0">
-                <a:solidFill>
-                  <a:schemeClr val="accent2">
-                    <a:lumMod val="50000"/>
-                  </a:schemeClr>
-                </a:solidFill>
-                <a:latin typeface="Arial" charset="0"/>
-              </a:rPr>
-              <a:t>antes </a:t>
-            </a:r>
-            <a:r>
-              <a:rPr lang="es-ES" dirty="0" smtClean="0">
-                <a:solidFill>
-                  <a:schemeClr val="accent2">
-                    <a:lumMod val="50000"/>
-                  </a:schemeClr>
-                </a:solidFill>
-                <a:latin typeface="Arial" charset="0"/>
-              </a:rPr>
-              <a:t>de recibir (juego sin balón</a:t>
-            </a:r>
-            <a:r>
-              <a:rPr lang="es-ES" dirty="0" smtClean="0">
-                <a:solidFill>
-                  <a:schemeClr val="accent2">
-                    <a:lumMod val="50000"/>
-                  </a:schemeClr>
-                </a:solidFill>
-                <a:latin typeface="Arial" charset="0"/>
-              </a:rPr>
-              <a:t>)</a:t>
+              <a:t>Crear ventaja antes de recibir (juego sin balón)</a:t>
             </a:r>
             <a:endParaRPr lang="es-ES" dirty="0"/>
           </a:p>
@@ -8545,40 +8501,7 @@
                 </a:solidFill>
                 <a:latin typeface="Arial" charset="0"/>
               </a:rPr>
-              <a:t>Crear ventaja </a:t>
-            </a:r>
-            <a:r>
-              <a:rPr lang="es-ES" dirty="0" smtClean="0">
-                <a:solidFill>
-                  <a:schemeClr val="accent2">
-                    <a:lumMod val="50000"/>
-                  </a:schemeClr>
-                </a:solidFill>
-                <a:latin typeface="Arial" charset="0"/>
-              </a:rPr>
-              <a:t>antes </a:t>
-            </a:r>
-            <a:r>
-              <a:rPr lang="es-ES" dirty="0" smtClean="0">
-                <a:solidFill>
-                  <a:schemeClr val="accent2">
-                    <a:lumMod val="50000"/>
-                  </a:schemeClr>
-                </a:solidFill>
-                <a:latin typeface="Arial" charset="0"/>
-              </a:rPr>
-              <a:t>de recibir (juego sin balón</a:t>
-            </a:r>
-            <a:r>
-              <a:rPr lang="es-ES" dirty="0" smtClean="0">
-                <a:solidFill>
-                  <a:schemeClr val="accent2">
-                    <a:lumMod val="50000"/>
-                  </a:schemeClr>
-                </a:solidFill>
-                <a:latin typeface="Arial" charset="0"/>
-              </a:rPr>
-              <a:t>)</a:t>
+              <a:t>Crear ventaja antes de recibir (juego sin balón)</a:t>
             </a:r>
             <a:endParaRPr lang="es-ES" dirty="0"/>
           </a:p>
@@ -9377,6 +9300,13 @@
   <p:clrMapOvr>
     <a:masterClrMapping/>
   </p:clrMapOvr>
+  <p:timing>
+    <p:tnLst>
+      <p:par>
+        <p:cTn id="1" dur="indefinite" restart="never" nodeType="tmRoot"/>
+      </p:par>
+    </p:tnLst>
+  </p:timing>
 </p:sld>
 </file>
 
@@ -9945,15 +9875,7 @@
           <a:p>
             <a:r>
               <a:rPr lang="es-ES" dirty="0" smtClean="0"/>
-              <a:t>Aspectos </a:t>
-            </a:r>
-            <a:r>
-              <a:rPr lang="es-ES" dirty="0" smtClean="0"/>
-              <a:t>técnico - </a:t>
-            </a:r>
-            <a:r>
-              <a:rPr lang="es-ES" dirty="0" smtClean="0"/>
-              <a:t>tácticos individuales</a:t>
+              <a:t>Aspectos técnico - tácticos individuales</a:t>
             </a:r>
             <a:endParaRPr lang="es-ES" dirty="0"/>
           </a:p>
@@ -10018,40 +9940,7 @@
                 </a:solidFill>
                 <a:latin typeface="Arial" charset="0"/>
               </a:rPr>
-              <a:t>Crear ventaja </a:t>
-            </a:r>
-            <a:r>
-              <a:rPr lang="es-ES" dirty="0" smtClean="0">
-                <a:solidFill>
-                  <a:schemeClr val="accent2">
-                    <a:lumMod val="50000"/>
-                  </a:schemeClr>
-                </a:solidFill>
-                <a:latin typeface="Arial" charset="0"/>
-              </a:rPr>
-              <a:t>antes </a:t>
-            </a:r>
-            <a:r>
-              <a:rPr lang="es-ES" dirty="0" smtClean="0">
-                <a:solidFill>
-                  <a:schemeClr val="accent2">
-                    <a:lumMod val="50000"/>
-                  </a:schemeClr>
-                </a:solidFill>
-                <a:latin typeface="Arial" charset="0"/>
-              </a:rPr>
-              <a:t>de recibir (juego sin balón</a:t>
-            </a:r>
-            <a:r>
-              <a:rPr lang="es-ES" dirty="0" smtClean="0">
-                <a:solidFill>
-                  <a:schemeClr val="accent2">
-                    <a:lumMod val="50000"/>
-                  </a:schemeClr>
-                </a:solidFill>
-                <a:latin typeface="Arial" charset="0"/>
-              </a:rPr>
-              <a:t>)</a:t>
+              <a:t>Crear ventaja antes de recibir (juego sin balón)</a:t>
             </a:r>
             <a:endParaRPr lang="es-ES" dirty="0"/>
           </a:p>
@@ -10900,6 +10789,13 @@
   <p:clrMapOvr>
     <a:masterClrMapping/>
   </p:clrMapOvr>
+  <p:timing>
+    <p:tnLst>
+      <p:par>
+        <p:cTn id="1" dur="indefinite" restart="never" nodeType="tmRoot"/>
+      </p:par>
+    </p:tnLst>
+  </p:timing>
 </p:sld>
 </file>
 
@@ -10968,7 +10864,6 @@
               <a:rPr lang="es-ES" dirty="0" smtClean="0"/>
               <a:t>Máxima utilización de las posibilidades espaciales del entorno próximo(puesto específico  ocupado) y mejora en el uso de otros espacios. </a:t>
             </a:r>
-            <a:endParaRPr lang="es-ES" dirty="0" smtClean="0"/>
           </a:p>
           <a:p>
             <a:pPr marL="442913" indent="-354013">
@@ -11000,11 +10895,7 @@
             </a:r>
             <a:r>
               <a:rPr lang="es-ES" dirty="0" smtClean="0"/>
-              <a:t>  para crear ventajas espacio-temporales respecto al defensor antes de recibir</a:t>
-            </a:r>
-            <a:r>
-              <a:rPr lang="es-ES" dirty="0" smtClean="0"/>
-              <a:t>.</a:t>
+              <a:t>  para crear ventajas espacio-temporales respecto al defensor antes de recibir.</a:t>
             </a:r>
           </a:p>
           <a:p>
@@ -11021,11 +10912,7 @@
             </a:pPr>
             <a:r>
               <a:rPr lang="es-ES" dirty="0" smtClean="0"/>
-              <a:t>jugar sin </a:t>
-            </a:r>
-            <a:r>
-              <a:rPr lang="es-ES" dirty="0" smtClean="0"/>
-              <a:t>balón</a:t>
+              <a:t>jugar sin balón</a:t>
             </a:r>
           </a:p>
           <a:p>
@@ -11209,11 +11096,7 @@
             </a:r>
             <a:r>
               <a:rPr lang="es-ES" sz="2400" dirty="0" smtClean="0"/>
-              <a:t> </a:t>
-            </a:r>
-            <a:r>
-              <a:rPr lang="es-ES" sz="2400" dirty="0" smtClean="0"/>
-              <a:t>BALÓN</a:t>
+              <a:t> BALÓN</a:t>
             </a:r>
             <a:endParaRPr lang="es-ES" dirty="0"/>
           </a:p>
@@ -12829,11 +12712,7 @@
           <a:p>
             <a:r>
               <a:rPr lang="es-ES" dirty="0" smtClean="0"/>
-              <a:t>EL </a:t>
-            </a:r>
-            <a:r>
-              <a:rPr lang="es-ES" dirty="0" smtClean="0"/>
-              <a:t>LANZAMIENTO</a:t>
+              <a:t>EL LANZAMIENTO</a:t>
             </a:r>
             <a:endParaRPr lang="es-ES" dirty="0"/>
           </a:p>
@@ -12844,6 +12723,13 @@
   <p:clrMapOvr>
     <a:masterClrMapping/>
   </p:clrMapOvr>
+  <p:timing>
+    <p:tnLst>
+      <p:par>
+        <p:cTn id="1" dur="indefinite" restart="never" nodeType="tmRoot"/>
+      </p:par>
+    </p:tnLst>
+  </p:timing>
 </p:sld>
 </file>
 
@@ -13552,11 +13438,7 @@
             </a:pPr>
             <a:r>
               <a:rPr lang="es-ES" sz="2000" dirty="0" smtClean="0"/>
-              <a:t>  Cruce con </a:t>
-            </a:r>
-            <a:r>
-              <a:rPr lang="es-ES" sz="2000" dirty="0" smtClean="0"/>
-              <a:t>pivote</a:t>
+              <a:t>  Cruce con pivote</a:t>
             </a:r>
           </a:p>
           <a:p>
@@ -13571,11 +13453,7 @@
             </a:pPr>
             <a:r>
               <a:rPr lang="es-ES" sz="2000" dirty="0" smtClean="0"/>
-              <a:t> </a:t>
-            </a:r>
-            <a:r>
-              <a:rPr lang="es-ES" sz="2000" dirty="0" smtClean="0"/>
-              <a:t> Cruce B - F</a:t>
+              <a:t>  Cruce B - F</a:t>
             </a:r>
             <a:endParaRPr lang="es-ES" sz="2000" dirty="0"/>
           </a:p>
@@ -14411,11 +14289,7 @@
             </a:pPr>
             <a:r>
               <a:rPr lang="es-ES" sz="2000" dirty="0" smtClean="0"/>
-              <a:t>  2 : 3 :  </a:t>
-            </a:r>
-            <a:r>
-              <a:rPr lang="es-ES" sz="2000" dirty="0" smtClean="0"/>
-              <a:t>2</a:t>
+              <a:t>  2 : 3 :  2</a:t>
             </a:r>
           </a:p>
           <a:p>
@@ -14430,11 +14304,7 @@
             </a:pPr>
             <a:r>
               <a:rPr lang="es-ES" sz="2000" dirty="0" smtClean="0"/>
-              <a:t> </a:t>
-            </a:r>
-            <a:r>
-              <a:rPr lang="es-ES" sz="2000" dirty="0" smtClean="0"/>
-              <a:t> 2 x 2  (con pivote en diferentes posiciones)</a:t>
+              <a:t>  2 x 2  (con pivote en diferentes posiciones)</a:t>
             </a:r>
           </a:p>
           <a:p>
@@ -15407,6 +15277,13 @@
   <p:clrMapOvr>
     <a:masterClrMapping/>
   </p:clrMapOvr>
+  <p:timing>
+    <p:tnLst>
+      <p:par>
+        <p:cTn id="1" dur="indefinite" restart="never" nodeType="tmRoot"/>
+      </p:par>
+    </p:tnLst>
+  </p:timing>
 </p:sld>
 </file>
 
@@ -15446,11 +15323,7 @@
           <a:p>
             <a:r>
               <a:rPr lang="es-ES" dirty="0" smtClean="0"/>
-              <a:t>TRABAJO DE TECNICA </a:t>
-            </a:r>
-            <a:r>
-              <a:rPr lang="es-ES" dirty="0" smtClean="0"/>
-              <a:t>DEFENSIVA</a:t>
+              <a:t>TRABAJO DE TECNICA DEFENSIVA</a:t>
             </a:r>
             <a:endParaRPr lang="es-ES" dirty="0"/>
           </a:p>
@@ -16054,6 +15927,13 @@
   <p:clrMapOvr>
     <a:masterClrMapping/>
   </p:clrMapOvr>
+  <p:timing>
+    <p:tnLst>
+      <p:par>
+        <p:cTn id="1" dur="indefinite" restart="never" nodeType="tmRoot"/>
+      </p:par>
+    </p:tnLst>
+  </p:timing>
 </p:sld>
 </file>
 
@@ -16084,7 +15964,7 @@
         </p:nvSpPr>
         <p:spPr bwMode="auto">
           <a:xfrm>
-            <a:off x="785786" y="1571612"/>
+            <a:off x="827584" y="1340768"/>
             <a:ext cx="5929354" cy="1708160"/>
           </a:xfrm>
           <a:prstGeom prst="rect">
@@ -16264,8 +16144,8 @@
         </p:nvSpPr>
         <p:spPr bwMode="auto">
           <a:xfrm>
-            <a:off x="785786" y="3805672"/>
-            <a:ext cx="5929354" cy="2031325"/>
+            <a:off x="827584" y="3140968"/>
+            <a:ext cx="5929354" cy="3139321"/>
           </a:xfrm>
           <a:prstGeom prst="rect">
             <a:avLst/>
@@ -16296,6 +16176,9 @@
           <a:lstStyle/>
           <a:p>
             <a:pPr algn="l">
+              <a:lnSpc>
+                <a:spcPct val="150000"/>
+              </a:lnSpc>
               <a:buFont typeface="Wingdings" pitchFamily="2" charset="2"/>
               <a:buChar char="q"/>
             </a:pPr>
@@ -16306,7 +16189,43 @@
                 </a:solidFill>
                 <a:latin typeface="Tahoma" charset="0"/>
               </a:rPr>
-              <a:t> Sistemas </a:t>
+              <a:t> </a:t>
+            </a:r>
+            <a:r>
+              <a:rPr lang="es-ES_tradnl" sz="2400" dirty="0" smtClean="0">
+                <a:solidFill>
+                  <a:schemeClr val="bg1"/>
+                </a:solidFill>
+                <a:latin typeface="Tahoma" charset="0"/>
+              </a:rPr>
+              <a:t>Sistemas </a:t>
+            </a:r>
+            <a:r>
+              <a:rPr lang="es-ES_tradnl" sz="2400" dirty="0">
+                <a:solidFill>
+                  <a:schemeClr val="bg1"/>
+                </a:solidFill>
+                <a:latin typeface="Tahoma" charset="0"/>
+              </a:rPr>
+              <a:t>de juego</a:t>
+            </a:r>
+          </a:p>
+          <a:p>
+            <a:pPr lvl="2">
+              <a:lnSpc>
+                <a:spcPct val="150000"/>
+              </a:lnSpc>
+              <a:buFont typeface="Wingdings" pitchFamily="2" charset="2"/>
+              <a:buChar char="q"/>
+            </a:pPr>
+            <a:r>
+              <a:rPr lang="es-ES_tradnl" dirty="0" smtClean="0">
+                <a:solidFill>
+                  <a:schemeClr val="bg1"/>
+                </a:solidFill>
+                <a:latin typeface="Tahoma" charset="0"/>
+              </a:rPr>
+              <a:t>  Sistemática </a:t>
             </a:r>
             <a:r>
               <a:rPr lang="es-ES_tradnl" dirty="0">
@@ -16315,35 +16234,14 @@
                 </a:solidFill>
                 <a:latin typeface="Tahoma" charset="0"/>
               </a:rPr>
-              <a:t>de juego</a:t>
+              <a:t>de procedimientos  tácticos.</a:t>
             </a:r>
           </a:p>
           <a:p>
             <a:pPr lvl="2">
-              <a:buFont typeface="Wingdings" pitchFamily="2" charset="2"/>
-              <a:buChar char="q"/>
-            </a:pPr>
-            <a:r>
-              <a:rPr lang="es-ES_tradnl" dirty="0" smtClean="0">
-                <a:solidFill>
-                  <a:schemeClr val="bg1"/>
-                </a:solidFill>
-                <a:latin typeface="Tahoma" charset="0"/>
-              </a:rPr>
-              <a:t>  Sistemática </a:t>
-            </a:r>
-            <a:r>
-              <a:rPr lang="es-ES_tradnl" dirty="0">
-                <a:solidFill>
-                  <a:schemeClr val="bg1"/>
-                </a:solidFill>
-                <a:latin typeface="Tahoma" charset="0"/>
-              </a:rPr>
-              <a:t>de procedimientos  tácticos.</a:t>
-            </a:r>
-          </a:p>
-          <a:p>
-            <a:pPr lvl="2">
+              <a:lnSpc>
+                <a:spcPct val="150000"/>
+              </a:lnSpc>
               <a:buFont typeface="Wingdings" pitchFamily="2" charset="2"/>
               <a:buChar char="q"/>
             </a:pPr>
@@ -16365,6 +16263,9 @@
           </a:p>
           <a:p>
             <a:pPr lvl="2">
+              <a:lnSpc>
+                <a:spcPct val="150000"/>
+              </a:lnSpc>
               <a:buFont typeface="Wingdings" pitchFamily="2" charset="2"/>
               <a:buChar char="q"/>
             </a:pPr>
@@ -16389,6 +16290,9 @@
           </a:p>
           <a:p>
             <a:pPr lvl="2">
+              <a:lnSpc>
+                <a:spcPct val="150000"/>
+              </a:lnSpc>
               <a:buFont typeface="Wingdings" pitchFamily="2" charset="2"/>
               <a:buChar char="q"/>
             </a:pPr>
@@ -16410,6 +16314,9 @@
           </a:p>
           <a:p>
             <a:pPr algn="l">
+              <a:lnSpc>
+                <a:spcPct val="150000"/>
+              </a:lnSpc>
               <a:buFont typeface="Wingdings" pitchFamily="2" charset="2"/>
               <a:buChar char="q"/>
             </a:pPr>
@@ -16443,6 +16350,9 @@
           </a:p>
           <a:p>
             <a:pPr algn="l">
+              <a:lnSpc>
+                <a:spcPct val="150000"/>
+              </a:lnSpc>
               <a:buFont typeface="Wingdings" pitchFamily="2" charset="2"/>
               <a:buChar char="q"/>
             </a:pPr>
@@ -16644,7 +16554,6 @@
               <a:rPr lang="es-ES_tradnl" sz="1600" b="1" dirty="0" smtClean="0"/>
               <a:t>)</a:t>
             </a:r>
-            <a:endParaRPr lang="es-ES_tradnl" sz="1600" b="1" dirty="0" smtClean="0"/>
           </a:p>
           <a:p>
             <a:pPr>
@@ -16720,11 +16629,7 @@
           <a:p>
             <a:r>
               <a:rPr lang="es-ES_tradnl" sz="2800" b="1" dirty="0" smtClean="0"/>
-              <a:t>Filosofía </a:t>
-            </a:r>
-            <a:r>
-              <a:rPr lang="es-ES_tradnl" sz="2800" b="1" dirty="0" smtClean="0"/>
-              <a:t>ofensiva:</a:t>
+              <a:t>Filosofía ofensiva:</a:t>
             </a:r>
           </a:p>
           <a:p>
@@ -16819,13 +16724,8 @@
           <a:p>
             <a:r>
               <a:rPr lang="es-ES" sz="3600" dirty="0" smtClean="0"/>
-              <a:t>Filosofía </a:t>
-            </a:r>
-            <a:r>
-              <a:rPr lang="es-ES" sz="3600" dirty="0" smtClean="0"/>
-              <a:t>ofensiva</a:t>
-            </a:r>
-            <a:endParaRPr lang="es-ES" sz="3600" dirty="0" smtClean="0"/>
+              <a:t>Filosofía ofensiva</a:t>
+            </a:r>
           </a:p>
         </p:txBody>
       </p:sp>
@@ -16902,7 +16802,25 @@
                 </a:solidFill>
                 <a:latin typeface="Tahoma" charset="0"/>
               </a:rPr>
-              <a:t>Crear ventajas espacio- temporales de forma individual: mejorar los comportamientos individuales</a:t>
+              <a:t>Crear ventajas </a:t>
+            </a:r>
+            <a:r>
+              <a:rPr lang="es-ES_tradnl" sz="2000" dirty="0" smtClean="0">
+                <a:solidFill>
+                  <a:schemeClr val="bg1"/>
+                </a:solidFill>
+                <a:latin typeface="Tahoma" charset="0"/>
+              </a:rPr>
+              <a:t>espacio - </a:t>
+            </a:r>
+            <a:r>
+              <a:rPr lang="es-ES_tradnl" sz="2000" dirty="0">
+                <a:solidFill>
+                  <a:schemeClr val="bg1"/>
+                </a:solidFill>
+                <a:latin typeface="Tahoma" charset="0"/>
+              </a:rPr>
+              <a:t>temporales de forma individual: mejorar los comportamientos individuales</a:t>
             </a:r>
           </a:p>
           <a:p>
@@ -17114,6 +17032,13 @@
   <p:clrMapOvr>
     <a:masterClrMapping/>
   </p:clrMapOvr>
+  <p:timing>
+    <p:tnLst>
+      <p:par>
+        <p:cTn id="1" dur="indefinite" restart="never" nodeType="tmRoot"/>
+      </p:par>
+    </p:tnLst>
+  </p:timing>
 </p:sld>
 </file>
 
